--- a/c# 스터디 4주 차.pptx
+++ b/c# 스터디 4주 차.pptx
@@ -17,14 +17,16 @@
     <p:sldId id="271" r:id="rId11"/>
     <p:sldId id="263" r:id="rId12"/>
     <p:sldId id="274" r:id="rId13"/>
-    <p:sldId id="261" r:id="rId14"/>
-    <p:sldId id="272" r:id="rId15"/>
-    <p:sldId id="262" r:id="rId16"/>
-    <p:sldId id="273" r:id="rId17"/>
-    <p:sldId id="264" r:id="rId18"/>
-    <p:sldId id="275" r:id="rId19"/>
-    <p:sldId id="265" r:id="rId20"/>
-    <p:sldId id="266" r:id="rId21"/>
+    <p:sldId id="276" r:id="rId14"/>
+    <p:sldId id="261" r:id="rId15"/>
+    <p:sldId id="272" r:id="rId16"/>
+    <p:sldId id="262" r:id="rId17"/>
+    <p:sldId id="273" r:id="rId18"/>
+    <p:sldId id="264" r:id="rId19"/>
+    <p:sldId id="275" r:id="rId20"/>
+    <p:sldId id="277" r:id="rId21"/>
+    <p:sldId id="265" r:id="rId22"/>
+    <p:sldId id="266" r:id="rId23"/>
   </p:sldIdLst>
   <p:sldSz cx="12192000" cy="6858000"/>
   <p:notesSz cx="6858000" cy="9144000"/>
@@ -3328,7 +3330,7 @@
           <a:p>
             <a:fld id="{3AA139E6-9E3E-4897-960D-AD1496A2E346}" type="datetimeFigureOut">
               <a:rPr lang="ko-KR" altLang="en-US" smtClean="0"/>
-              <a:t>2020-02-20</a:t>
+              <a:t>2020-02-25</a:t>
             </a:fld>
             <a:endParaRPr lang="ko-KR" altLang="en-US"/>
           </a:p>
@@ -3526,7 +3528,7 @@
           <a:p>
             <a:fld id="{3AA139E6-9E3E-4897-960D-AD1496A2E346}" type="datetimeFigureOut">
               <a:rPr lang="ko-KR" altLang="en-US" smtClean="0"/>
-              <a:t>2020-02-20</a:t>
+              <a:t>2020-02-25</a:t>
             </a:fld>
             <a:endParaRPr lang="ko-KR" altLang="en-US"/>
           </a:p>
@@ -3734,7 +3736,7 @@
           <a:p>
             <a:fld id="{3AA139E6-9E3E-4897-960D-AD1496A2E346}" type="datetimeFigureOut">
               <a:rPr lang="ko-KR" altLang="en-US" smtClean="0"/>
-              <a:t>2020-02-20</a:t>
+              <a:t>2020-02-25</a:t>
             </a:fld>
             <a:endParaRPr lang="ko-KR" altLang="en-US"/>
           </a:p>
@@ -3932,7 +3934,7 @@
           <a:p>
             <a:fld id="{3AA139E6-9E3E-4897-960D-AD1496A2E346}" type="datetimeFigureOut">
               <a:rPr lang="ko-KR" altLang="en-US" smtClean="0"/>
-              <a:t>2020-02-20</a:t>
+              <a:t>2020-02-25</a:t>
             </a:fld>
             <a:endParaRPr lang="ko-KR" altLang="en-US"/>
           </a:p>
@@ -4207,7 +4209,7 @@
           <a:p>
             <a:fld id="{3AA139E6-9E3E-4897-960D-AD1496A2E346}" type="datetimeFigureOut">
               <a:rPr lang="ko-KR" altLang="en-US" smtClean="0"/>
-              <a:t>2020-02-20</a:t>
+              <a:t>2020-02-25</a:t>
             </a:fld>
             <a:endParaRPr lang="ko-KR" altLang="en-US"/>
           </a:p>
@@ -4472,7 +4474,7 @@
           <a:p>
             <a:fld id="{3AA139E6-9E3E-4897-960D-AD1496A2E346}" type="datetimeFigureOut">
               <a:rPr lang="ko-KR" altLang="en-US" smtClean="0"/>
-              <a:t>2020-02-20</a:t>
+              <a:t>2020-02-25</a:t>
             </a:fld>
             <a:endParaRPr lang="ko-KR" altLang="en-US"/>
           </a:p>
@@ -4884,7 +4886,7 @@
           <a:p>
             <a:fld id="{3AA139E6-9E3E-4897-960D-AD1496A2E346}" type="datetimeFigureOut">
               <a:rPr lang="ko-KR" altLang="en-US" smtClean="0"/>
-              <a:t>2020-02-20</a:t>
+              <a:t>2020-02-25</a:t>
             </a:fld>
             <a:endParaRPr lang="ko-KR" altLang="en-US"/>
           </a:p>
@@ -5025,7 +5027,7 @@
           <a:p>
             <a:fld id="{3AA139E6-9E3E-4897-960D-AD1496A2E346}" type="datetimeFigureOut">
               <a:rPr lang="ko-KR" altLang="en-US" smtClean="0"/>
-              <a:t>2020-02-20</a:t>
+              <a:t>2020-02-25</a:t>
             </a:fld>
             <a:endParaRPr lang="ko-KR" altLang="en-US"/>
           </a:p>
@@ -5138,7 +5140,7 @@
           <a:p>
             <a:fld id="{3AA139E6-9E3E-4897-960D-AD1496A2E346}" type="datetimeFigureOut">
               <a:rPr lang="ko-KR" altLang="en-US" smtClean="0"/>
-              <a:t>2020-02-20</a:t>
+              <a:t>2020-02-25</a:t>
             </a:fld>
             <a:endParaRPr lang="ko-KR" altLang="en-US"/>
           </a:p>
@@ -5449,7 +5451,7 @@
           <a:p>
             <a:fld id="{3AA139E6-9E3E-4897-960D-AD1496A2E346}" type="datetimeFigureOut">
               <a:rPr lang="ko-KR" altLang="en-US" smtClean="0"/>
-              <a:t>2020-02-20</a:t>
+              <a:t>2020-02-25</a:t>
             </a:fld>
             <a:endParaRPr lang="ko-KR" altLang="en-US"/>
           </a:p>
@@ -5737,7 +5739,7 @@
           <a:p>
             <a:fld id="{3AA139E6-9E3E-4897-960D-AD1496A2E346}" type="datetimeFigureOut">
               <a:rPr lang="ko-KR" altLang="en-US" smtClean="0"/>
-              <a:t>2020-02-20</a:t>
+              <a:t>2020-02-25</a:t>
             </a:fld>
             <a:endParaRPr lang="ko-KR" altLang="en-US"/>
           </a:p>
@@ -5978,7 +5980,7 @@
           <a:p>
             <a:fld id="{3AA139E6-9E3E-4897-960D-AD1496A2E346}" type="datetimeFigureOut">
               <a:rPr lang="ko-KR" altLang="en-US" smtClean="0"/>
-              <a:t>2020-02-20</a:t>
+              <a:t>2020-02-25</a:t>
             </a:fld>
             <a:endParaRPr lang="ko-KR" altLang="en-US"/>
           </a:p>
@@ -7081,6 +7083,14 @@
 <file path=ppt/slides/slide10.xml><?xml version="1.0" encoding="utf-8"?>
 <p:sld xmlns:a="http://schemas.openxmlformats.org/drawingml/2006/main" xmlns:r="http://schemas.openxmlformats.org/officeDocument/2006/relationships" xmlns:p="http://schemas.openxmlformats.org/presentationml/2006/main">
   <p:cSld>
+    <p:bg>
+      <p:bgPr>
+        <a:solidFill>
+          <a:schemeClr val="bg1"/>
+        </a:solidFill>
+        <a:effectLst/>
+      </p:bgPr>
+    </p:bg>
     <p:spTree>
       <p:nvGrpSpPr>
         <p:cNvPr id="1" name=""/>
@@ -7097,6 +7107,71 @@
       </p:grpSpPr>
       <p:sp>
         <p:nvSpPr>
+          <p:cNvPr id="8" name="Rectangle 7">
+            <a:extLst>
+              <a:ext uri="{FF2B5EF4-FFF2-40B4-BE49-F238E27FC236}">
+                <a16:creationId xmlns:a16="http://schemas.microsoft.com/office/drawing/2014/main" id="{8D70B121-56F4-4848-B38B-182089D909FA}"/>
+              </a:ext>
+              <a:ext uri="{C183D7F6-B498-43B3-948B-1728B52AA6E4}">
+                <adec:decorative xmlns:adec="http://schemas.microsoft.com/office/drawing/2017/decorative" val="1"/>
+              </a:ext>
+            </a:extLst>
+          </p:cNvPr>
+          <p:cNvSpPr>
+            <a:spLocks noGrp="1" noRot="1" noChangeAspect="1" noMove="1" noResize="1" noEditPoints="1" noAdjustHandles="1" noChangeArrowheads="1" noChangeShapeType="1" noTextEdit="1"/>
+          </p:cNvSpPr>
+          <p:nvPr>
+            <p:extLst>
+              <p:ext uri="{386F3935-93C4-4BCD-93E2-E3B085C9AB24}">
+                <p16:designElem xmlns:p16="http://schemas.microsoft.com/office/powerpoint/2015/main" val="1"/>
+              </p:ext>
+            </p:extLst>
+          </p:nvPr>
+        </p:nvSpPr>
+        <p:spPr bwMode="ltGray">
+          <a:xfrm>
+            <a:off x="321564" y="320040"/>
+            <a:ext cx="11548872" cy="6217920"/>
+          </a:xfrm>
+          <a:prstGeom prst="rect">
+            <a:avLst/>
+          </a:prstGeom>
+          <a:solidFill>
+            <a:schemeClr val="tx1">
+              <a:alpha val="8000"/>
+            </a:schemeClr>
+          </a:solidFill>
+          <a:ln w="127000" cap="sq" cmpd="thinThick">
+            <a:noFill/>
+          </a:ln>
+        </p:spPr>
+        <p:style>
+          <a:lnRef idx="2">
+            <a:schemeClr val="accent1">
+              <a:shade val="50000"/>
+            </a:schemeClr>
+          </a:lnRef>
+          <a:fillRef idx="1">
+            <a:schemeClr val="accent1"/>
+          </a:fillRef>
+          <a:effectRef idx="0">
+            <a:schemeClr val="accent1"/>
+          </a:effectRef>
+          <a:fontRef idx="minor">
+            <a:schemeClr val="lt1"/>
+          </a:fontRef>
+        </p:style>
+        <p:txBody>
+          <a:bodyPr rtlCol="0" anchor="ctr"/>
+          <a:lstStyle/>
+          <a:p>
+            <a:pPr algn="ctr"/>
+            <a:endParaRPr lang="en-US"/>
+          </a:p>
+        </p:txBody>
+      </p:sp>
+      <p:sp>
+        <p:nvSpPr>
           <p:cNvPr id="2" name="제목 1">
             <a:extLst>
               <a:ext uri="{FF2B5EF4-FFF2-40B4-BE49-F238E27FC236}">
@@ -7111,23 +7186,98 @@
             <p:ph type="title"/>
           </p:nvPr>
         </p:nvSpPr>
-        <p:spPr/>
+        <p:spPr>
+          <a:xfrm>
+            <a:off x="838200" y="963877"/>
+            <a:ext cx="3494362" cy="4930246"/>
+          </a:xfrm>
+        </p:spPr>
         <p:txBody>
-          <a:bodyPr/>
+          <a:bodyPr>
+            <a:normAutofit/>
+          </a:bodyPr>
           <a:lstStyle/>
           <a:p>
-            <a:r>
-              <a:rPr lang="ko-KR" altLang="en-US" dirty="0"/>
+            <a:pPr algn="r"/>
+            <a:r>
+              <a:rPr lang="ko-KR" altLang="en-US">
+                <a:solidFill>
+                  <a:schemeClr val="accent1"/>
+                </a:solidFill>
+              </a:rPr>
               <a:t>생성자란</a:t>
             </a:r>
             <a:r>
-              <a:rPr lang="en-US" altLang="ko-KR" dirty="0"/>
+              <a:rPr lang="en-US" altLang="ko-KR">
+                <a:solidFill>
+                  <a:schemeClr val="accent1"/>
+                </a:solidFill>
+              </a:rPr>
               <a:t>?</a:t>
             </a:r>
-            <a:endParaRPr lang="ko-KR" altLang="en-US" dirty="0"/>
+            <a:endParaRPr lang="ko-KR" altLang="en-US">
+              <a:solidFill>
+                <a:schemeClr val="accent1"/>
+              </a:solidFill>
+            </a:endParaRPr>
           </a:p>
         </p:txBody>
       </p:sp>
+      <p:cxnSp>
+        <p:nvCxnSpPr>
+          <p:cNvPr id="10" name="Straight Connector 9">
+            <a:extLst>
+              <a:ext uri="{FF2B5EF4-FFF2-40B4-BE49-F238E27FC236}">
+                <a16:creationId xmlns:a16="http://schemas.microsoft.com/office/drawing/2014/main" id="{2D72A2C9-F3CA-4216-8BAD-FA4C970C3C4E}"/>
+              </a:ext>
+              <a:ext uri="{C183D7F6-B498-43B3-948B-1728B52AA6E4}">
+                <adec:decorative xmlns:adec="http://schemas.microsoft.com/office/drawing/2017/decorative" val="1"/>
+              </a:ext>
+            </a:extLst>
+          </p:cNvPr>
+          <p:cNvCxnSpPr>
+            <a:cxnSpLocks noGrp="1" noRot="1" noChangeAspect="1" noMove="1" noResize="1" noEditPoints="1" noAdjustHandles="1" noChangeArrowheads="1" noChangeShapeType="1"/>
+          </p:cNvCxnSpPr>
+          <p:nvPr>
+            <p:extLst>
+              <p:ext uri="{386F3935-93C4-4BCD-93E2-E3B085C9AB24}">
+                <p16:designElem xmlns:p16="http://schemas.microsoft.com/office/powerpoint/2015/main" val="1"/>
+              </p:ext>
+            </p:extLst>
+          </p:nvPr>
+        </p:nvCxnSpPr>
+        <p:spPr>
+          <a:xfrm>
+            <a:off x="4654296" y="2057400"/>
+            <a:ext cx="0" cy="2743200"/>
+          </a:xfrm>
+          <a:prstGeom prst="line">
+            <a:avLst/>
+          </a:prstGeom>
+          <a:ln w="19050">
+            <a:solidFill>
+              <a:schemeClr val="tx1">
+                <a:lumMod val="85000"/>
+                <a:lumOff val="15000"/>
+              </a:schemeClr>
+            </a:solidFill>
+          </a:ln>
+        </p:spPr>
+        <p:style>
+          <a:lnRef idx="1">
+            <a:schemeClr val="accent1"/>
+          </a:lnRef>
+          <a:fillRef idx="0">
+            <a:schemeClr val="accent1"/>
+          </a:fillRef>
+          <a:effectRef idx="0">
+            <a:schemeClr val="accent1"/>
+          </a:effectRef>
+          <a:fontRef idx="minor">
+            <a:schemeClr val="tx1"/>
+          </a:fontRef>
+        </p:style>
+      </p:cxnSp>
       <p:sp>
         <p:nvSpPr>
           <p:cNvPr id="3" name="내용 개체 틀 2">
@@ -7144,33 +7294,123 @@
             <p:ph idx="1"/>
           </p:nvPr>
         </p:nvSpPr>
-        <p:spPr/>
+        <p:spPr>
+          <a:xfrm>
+            <a:off x="4976031" y="963877"/>
+            <a:ext cx="6377769" cy="4930246"/>
+          </a:xfrm>
+        </p:spPr>
         <p:txBody>
-          <a:bodyPr/>
+          <a:bodyPr anchor="ctr">
+            <a:normAutofit/>
+          </a:bodyPr>
           <a:lstStyle/>
           <a:p>
             <a:pPr marL="0" indent="0">
               <a:buNone/>
             </a:pPr>
             <a:r>
-              <a:rPr lang="en-US" altLang="ko-KR" dirty="0">
+              <a:rPr lang="en-US" altLang="ko-KR" sz="2400" dirty="0">
                 <a:hlinkClick r:id="rId2"/>
               </a:rPr>
               <a:t>https://joonyon.tistory.com/24</a:t>
             </a:r>
-            <a:endParaRPr lang="en-US" altLang="ko-KR" dirty="0"/>
+            <a:endParaRPr lang="en-US" altLang="ko-KR" sz="2400" dirty="0"/>
           </a:p>
           <a:p>
             <a:pPr marL="0" indent="0">
               <a:buNone/>
             </a:pPr>
-            <a:endParaRPr lang="en-US" altLang="ko-KR" dirty="0"/>
+            <a:r>
+              <a:rPr lang="en-US" altLang="ko-KR" sz="2400" dirty="0"/>
+              <a:t>class </a:t>
+            </a:r>
+            <a:r>
+              <a:rPr lang="ko-KR" altLang="en-US" sz="2400" dirty="0"/>
+              <a:t>클래스 이름</a:t>
+            </a:r>
+            <a:endParaRPr lang="en-US" altLang="ko-KR" sz="2400" dirty="0"/>
           </a:p>
           <a:p>
             <a:pPr marL="0" indent="0">
               <a:buNone/>
             </a:pPr>
-            <a:endParaRPr lang="ko-KR" altLang="en-US" dirty="0"/>
+            <a:r>
+              <a:rPr lang="en-US" altLang="ko-KR" sz="2400" dirty="0"/>
+              <a:t>{</a:t>
+            </a:r>
+          </a:p>
+          <a:p>
+            <a:pPr marL="0" indent="0">
+              <a:buNone/>
+            </a:pPr>
+            <a:r>
+              <a:rPr lang="en-US" altLang="ko-KR" sz="2400" dirty="0"/>
+              <a:t>	</a:t>
+            </a:r>
+            <a:r>
+              <a:rPr lang="ko-KR" altLang="en-US" sz="2400" dirty="0"/>
+              <a:t>한정자 클래스이름</a:t>
+            </a:r>
+            <a:r>
+              <a:rPr lang="en-US" altLang="ko-KR" sz="2400" dirty="0"/>
+              <a:t>&lt;</a:t>
+            </a:r>
+            <a:r>
+              <a:rPr lang="ko-KR" altLang="en-US" sz="2400" dirty="0">
+                <a:highlight>
+                  <a:srgbClr val="FFFF00"/>
+                </a:highlight>
+              </a:rPr>
+              <a:t>생성자</a:t>
+            </a:r>
+            <a:r>
+              <a:rPr lang="en-US" altLang="ko-KR" sz="2400" dirty="0"/>
+              <a:t>&gt; (</a:t>
+            </a:r>
+            <a:r>
+              <a:rPr lang="ko-KR" altLang="en-US" sz="2400" dirty="0"/>
+              <a:t>매개변수목록</a:t>
+            </a:r>
+            <a:r>
+              <a:rPr lang="en-US" altLang="ko-KR" sz="2400" dirty="0"/>
+              <a:t>)</a:t>
+            </a:r>
+          </a:p>
+          <a:p>
+            <a:pPr marL="0" indent="0">
+              <a:buNone/>
+            </a:pPr>
+            <a:r>
+              <a:rPr lang="en-US" altLang="ko-KR" sz="2400" dirty="0"/>
+              <a:t>	//</a:t>
+            </a:r>
+            <a:r>
+              <a:rPr lang="ko-KR" altLang="en-US" sz="2400" dirty="0"/>
+              <a:t>내용</a:t>
+            </a:r>
+            <a:endParaRPr lang="en-US" altLang="ko-KR" sz="2400" dirty="0"/>
+          </a:p>
+          <a:p>
+            <a:pPr marL="0" indent="0">
+              <a:buNone/>
+            </a:pPr>
+            <a:r>
+              <a:rPr lang="en-US" altLang="ko-KR" sz="2400" dirty="0"/>
+              <a:t>}</a:t>
+            </a:r>
+          </a:p>
+          <a:p>
+            <a:pPr marL="0" indent="0">
+              <a:buNone/>
+            </a:pPr>
+            <a:endParaRPr lang="en-US" altLang="ko-KR" sz="2400" dirty="0"/>
+          </a:p>
+          <a:p>
+            <a:pPr marL="0" indent="0">
+              <a:buNone/>
+            </a:pPr>
+            <a:endParaRPr lang="ko-KR" altLang="en-US" sz="2400" dirty="0"/>
           </a:p>
         </p:txBody>
       </p:sp>
@@ -8249,6 +8489,14 @@
 <file path=ppt/slides/slide12.xml><?xml version="1.0" encoding="utf-8"?>
 <p:sld xmlns:a="http://schemas.openxmlformats.org/drawingml/2006/main" xmlns:r="http://schemas.openxmlformats.org/officeDocument/2006/relationships" xmlns:p="http://schemas.openxmlformats.org/presentationml/2006/main">
   <p:cSld>
+    <p:bg>
+      <p:bgPr>
+        <a:solidFill>
+          <a:schemeClr val="bg1"/>
+        </a:solidFill>
+        <a:effectLst/>
+      </p:bgPr>
+    </p:bg>
     <p:spTree>
       <p:nvGrpSpPr>
         <p:cNvPr id="1" name=""/>
@@ -8265,6 +8513,71 @@
       </p:grpSpPr>
       <p:sp>
         <p:nvSpPr>
+          <p:cNvPr id="8" name="Rectangle 7">
+            <a:extLst>
+              <a:ext uri="{FF2B5EF4-FFF2-40B4-BE49-F238E27FC236}">
+                <a16:creationId xmlns:a16="http://schemas.microsoft.com/office/drawing/2014/main" id="{8D70B121-56F4-4848-B38B-182089D909FA}"/>
+              </a:ext>
+              <a:ext uri="{C183D7F6-B498-43B3-948B-1728B52AA6E4}">
+                <adec:decorative xmlns:adec="http://schemas.microsoft.com/office/drawing/2017/decorative" val="1"/>
+              </a:ext>
+            </a:extLst>
+          </p:cNvPr>
+          <p:cNvSpPr>
+            <a:spLocks noGrp="1" noRot="1" noChangeAspect="1" noMove="1" noResize="1" noEditPoints="1" noAdjustHandles="1" noChangeArrowheads="1" noChangeShapeType="1" noTextEdit="1"/>
+          </p:cNvSpPr>
+          <p:nvPr>
+            <p:extLst>
+              <p:ext uri="{386F3935-93C4-4BCD-93E2-E3B085C9AB24}">
+                <p16:designElem xmlns:p16="http://schemas.microsoft.com/office/powerpoint/2015/main" val="1"/>
+              </p:ext>
+            </p:extLst>
+          </p:nvPr>
+        </p:nvSpPr>
+        <p:spPr bwMode="ltGray">
+          <a:xfrm>
+            <a:off x="321564" y="320040"/>
+            <a:ext cx="11548872" cy="6217920"/>
+          </a:xfrm>
+          <a:prstGeom prst="rect">
+            <a:avLst/>
+          </a:prstGeom>
+          <a:solidFill>
+            <a:schemeClr val="tx1">
+              <a:alpha val="8000"/>
+            </a:schemeClr>
+          </a:solidFill>
+          <a:ln w="127000" cap="sq" cmpd="thinThick">
+            <a:noFill/>
+          </a:ln>
+        </p:spPr>
+        <p:style>
+          <a:lnRef idx="2">
+            <a:schemeClr val="accent1">
+              <a:shade val="50000"/>
+            </a:schemeClr>
+          </a:lnRef>
+          <a:fillRef idx="1">
+            <a:schemeClr val="accent1"/>
+          </a:fillRef>
+          <a:effectRef idx="0">
+            <a:schemeClr val="accent1"/>
+          </a:effectRef>
+          <a:fontRef idx="minor">
+            <a:schemeClr val="lt1"/>
+          </a:fontRef>
+        </p:style>
+        <p:txBody>
+          <a:bodyPr rtlCol="0" anchor="ctr"/>
+          <a:lstStyle/>
+          <a:p>
+            <a:pPr algn="ctr"/>
+            <a:endParaRPr lang="en-US"/>
+          </a:p>
+        </p:txBody>
+      </p:sp>
+      <p:sp>
+        <p:nvSpPr>
           <p:cNvPr id="2" name="제목 1">
             <a:extLst>
               <a:ext uri="{FF2B5EF4-FFF2-40B4-BE49-F238E27FC236}">
@@ -8279,23 +8592,98 @@
             <p:ph type="title"/>
           </p:nvPr>
         </p:nvSpPr>
-        <p:spPr/>
+        <p:spPr>
+          <a:xfrm>
+            <a:off x="838200" y="963877"/>
+            <a:ext cx="3494362" cy="4930246"/>
+          </a:xfrm>
+        </p:spPr>
         <p:txBody>
-          <a:bodyPr/>
+          <a:bodyPr>
+            <a:normAutofit/>
+          </a:bodyPr>
           <a:lstStyle/>
           <a:p>
-            <a:r>
-              <a:rPr lang="ko-KR" altLang="en-US" dirty="0"/>
+            <a:pPr algn="r"/>
+            <a:r>
+              <a:rPr lang="ko-KR" altLang="en-US">
+                <a:solidFill>
+                  <a:schemeClr val="accent1"/>
+                </a:solidFill>
+              </a:rPr>
               <a:t>접근 한정자란</a:t>
             </a:r>
             <a:r>
-              <a:rPr lang="en-US" altLang="ko-KR" dirty="0"/>
+              <a:rPr lang="en-US" altLang="ko-KR">
+                <a:solidFill>
+                  <a:schemeClr val="accent1"/>
+                </a:solidFill>
+              </a:rPr>
               <a:t>?</a:t>
             </a:r>
-            <a:endParaRPr lang="ko-KR" altLang="en-US" dirty="0"/>
+            <a:endParaRPr lang="ko-KR" altLang="en-US">
+              <a:solidFill>
+                <a:schemeClr val="accent1"/>
+              </a:solidFill>
+            </a:endParaRPr>
           </a:p>
         </p:txBody>
       </p:sp>
+      <p:cxnSp>
+        <p:nvCxnSpPr>
+          <p:cNvPr id="10" name="Straight Connector 9">
+            <a:extLst>
+              <a:ext uri="{FF2B5EF4-FFF2-40B4-BE49-F238E27FC236}">
+                <a16:creationId xmlns:a16="http://schemas.microsoft.com/office/drawing/2014/main" id="{2D72A2C9-F3CA-4216-8BAD-FA4C970C3C4E}"/>
+              </a:ext>
+              <a:ext uri="{C183D7F6-B498-43B3-948B-1728B52AA6E4}">
+                <adec:decorative xmlns:adec="http://schemas.microsoft.com/office/drawing/2017/decorative" val="1"/>
+              </a:ext>
+            </a:extLst>
+          </p:cNvPr>
+          <p:cNvCxnSpPr>
+            <a:cxnSpLocks noGrp="1" noRot="1" noChangeAspect="1" noMove="1" noResize="1" noEditPoints="1" noAdjustHandles="1" noChangeArrowheads="1" noChangeShapeType="1"/>
+          </p:cNvCxnSpPr>
+          <p:nvPr>
+            <p:extLst>
+              <p:ext uri="{386F3935-93C4-4BCD-93E2-E3B085C9AB24}">
+                <p16:designElem xmlns:p16="http://schemas.microsoft.com/office/powerpoint/2015/main" val="1"/>
+              </p:ext>
+            </p:extLst>
+          </p:nvPr>
+        </p:nvCxnSpPr>
+        <p:spPr>
+          <a:xfrm>
+            <a:off x="4654296" y="2057400"/>
+            <a:ext cx="0" cy="2743200"/>
+          </a:xfrm>
+          <a:prstGeom prst="line">
+            <a:avLst/>
+          </a:prstGeom>
+          <a:ln w="19050">
+            <a:solidFill>
+              <a:schemeClr val="tx1">
+                <a:lumMod val="85000"/>
+                <a:lumOff val="15000"/>
+              </a:schemeClr>
+            </a:solidFill>
+          </a:ln>
+        </p:spPr>
+        <p:style>
+          <a:lnRef idx="1">
+            <a:schemeClr val="accent1"/>
+          </a:lnRef>
+          <a:fillRef idx="0">
+            <a:schemeClr val="accent1"/>
+          </a:fillRef>
+          <a:effectRef idx="0">
+            <a:schemeClr val="accent1"/>
+          </a:effectRef>
+          <a:fontRef idx="minor">
+            <a:schemeClr val="tx1"/>
+          </a:fontRef>
+        </p:style>
+      </p:cxnSp>
       <p:sp>
         <p:nvSpPr>
           <p:cNvPr id="3" name="내용 개체 틀 2">
@@ -8312,24 +8700,31 @@
             <p:ph idx="1"/>
           </p:nvPr>
         </p:nvSpPr>
-        <p:spPr/>
+        <p:spPr>
+          <a:xfrm>
+            <a:off x="4976031" y="963877"/>
+            <a:ext cx="6377769" cy="4930246"/>
+          </a:xfrm>
+        </p:spPr>
         <p:txBody>
-          <a:bodyPr/>
+          <a:bodyPr anchor="ctr">
+            <a:normAutofit/>
+          </a:bodyPr>
           <a:lstStyle/>
           <a:p>
             <a:pPr marL="0" indent="0">
               <a:buNone/>
             </a:pPr>
             <a:r>
-              <a:rPr lang="en-US" altLang="ko-KR" dirty="0"/>
+              <a:rPr lang="en-US" altLang="ko-KR" sz="2400" dirty="0"/>
               <a:t>C#</a:t>
             </a:r>
             <a:r>
-              <a:rPr lang="ko-KR" altLang="en-US" dirty="0"/>
+              <a:rPr lang="ko-KR" altLang="en-US" sz="2400" dirty="0"/>
               <a:t>에서는 정의하는 형식이 사용될 수 있는 범위를 접근 한정자를 통해 지정할 수 있습니다</a:t>
             </a:r>
             <a:r>
-              <a:rPr lang="en-US" altLang="ko-KR" dirty="0"/>
+              <a:rPr lang="en-US" altLang="ko-KR" sz="2400" dirty="0"/>
               <a:t>.</a:t>
             </a:r>
           </a:p>
@@ -8338,14 +8733,106 @@
               <a:buNone/>
             </a:pPr>
             <a:r>
-              <a:rPr lang="ko-KR" altLang="en-US" dirty="0"/>
+              <a:rPr lang="ko-KR" altLang="en-US" sz="2400" dirty="0"/>
               <a:t>예</a:t>
             </a:r>
             <a:r>
-              <a:rPr lang="en-US" altLang="ko-KR" dirty="0"/>
+              <a:rPr lang="en-US" altLang="ko-KR" sz="2400" dirty="0"/>
               <a:t>)</a:t>
             </a:r>
-            <a:endParaRPr lang="ko-KR" altLang="en-US" dirty="0"/>
+          </a:p>
+          <a:p>
+            <a:pPr marL="0" indent="0">
+              <a:buNone/>
+            </a:pPr>
+            <a:r>
+              <a:rPr lang="en-US" altLang="ko-KR" sz="2400" dirty="0"/>
+              <a:t>class </a:t>
+            </a:r>
+            <a:r>
+              <a:rPr lang="ko-KR" altLang="en-US" sz="2400" dirty="0"/>
+              <a:t>클래스 이름</a:t>
+            </a:r>
+            <a:endParaRPr lang="en-US" altLang="ko-KR" sz="2400" dirty="0"/>
+          </a:p>
+          <a:p>
+            <a:pPr marL="0" indent="0">
+              <a:buNone/>
+            </a:pPr>
+            <a:r>
+              <a:rPr lang="en-US" altLang="ko-KR" sz="2400" dirty="0"/>
+              <a:t>{</a:t>
+            </a:r>
+          </a:p>
+          <a:p>
+            <a:pPr marL="0" indent="0">
+              <a:buNone/>
+            </a:pPr>
+            <a:r>
+              <a:rPr lang="en-US" altLang="ko-KR" sz="2400" dirty="0"/>
+              <a:t>	</a:t>
+            </a:r>
+            <a:r>
+              <a:rPr lang="ko-KR" altLang="en-US" sz="2400" dirty="0">
+                <a:highlight>
+                  <a:srgbClr val="FFFF00"/>
+                </a:highlight>
+              </a:rPr>
+              <a:t>한정자</a:t>
+            </a:r>
+            <a:r>
+              <a:rPr lang="ko-KR" altLang="en-US" sz="2400" dirty="0"/>
+              <a:t> 클래스이름</a:t>
+            </a:r>
+            <a:r>
+              <a:rPr lang="en-US" altLang="ko-KR" sz="2400" dirty="0"/>
+              <a:t>&lt;</a:t>
+            </a:r>
+            <a:r>
+              <a:rPr lang="ko-KR" altLang="en-US" sz="2400" dirty="0"/>
+              <a:t>생성자</a:t>
+            </a:r>
+            <a:r>
+              <a:rPr lang="en-US" altLang="ko-KR" sz="2400" dirty="0"/>
+              <a:t>&gt; (</a:t>
+            </a:r>
+            <a:r>
+              <a:rPr lang="ko-KR" altLang="en-US" sz="2400" dirty="0"/>
+              <a:t>매개변수목록</a:t>
+            </a:r>
+            <a:r>
+              <a:rPr lang="en-US" altLang="ko-KR" sz="2400" dirty="0"/>
+              <a:t>)</a:t>
+            </a:r>
+          </a:p>
+          <a:p>
+            <a:pPr marL="0" indent="0">
+              <a:buNone/>
+            </a:pPr>
+            <a:r>
+              <a:rPr lang="en-US" altLang="ko-KR" sz="2400" dirty="0"/>
+              <a:t>	//</a:t>
+            </a:r>
+            <a:r>
+              <a:rPr lang="ko-KR" altLang="en-US" sz="2400" dirty="0"/>
+              <a:t>내용</a:t>
+            </a:r>
+            <a:endParaRPr lang="en-US" altLang="ko-KR" sz="2400" dirty="0"/>
+          </a:p>
+          <a:p>
+            <a:pPr marL="0" indent="0">
+              <a:buNone/>
+            </a:pPr>
+            <a:r>
+              <a:rPr lang="en-US" altLang="ko-KR" sz="2400" dirty="0"/>
+              <a:t>}</a:t>
+            </a:r>
+          </a:p>
+          <a:p>
+            <a:pPr marL="0" indent="0">
+              <a:buNone/>
+            </a:pPr>
+            <a:endParaRPr lang="ko-KR" altLang="en-US" sz="2400" dirty="0"/>
           </a:p>
         </p:txBody>
       </p:sp>
@@ -8363,6 +8850,571 @@
 </file>
 
 <file path=ppt/slides/slide13.xml><?xml version="1.0" encoding="utf-8"?>
+<p:sld xmlns:a="http://schemas.openxmlformats.org/drawingml/2006/main" xmlns:r="http://schemas.openxmlformats.org/officeDocument/2006/relationships" xmlns:p="http://schemas.openxmlformats.org/presentationml/2006/main">
+  <p:cSld>
+    <p:bg>
+      <p:bgPr>
+        <a:solidFill>
+          <a:schemeClr val="bg1"/>
+        </a:solidFill>
+        <a:effectLst/>
+      </p:bgPr>
+    </p:bg>
+    <p:spTree>
+      <p:nvGrpSpPr>
+        <p:cNvPr id="1" name=""/>
+        <p:cNvGrpSpPr/>
+        <p:nvPr/>
+      </p:nvGrpSpPr>
+      <p:grpSpPr>
+        <a:xfrm>
+          <a:off x="0" y="0"/>
+          <a:ext cx="0" cy="0"/>
+          <a:chOff x="0" y="0"/>
+          <a:chExt cx="0" cy="0"/>
+        </a:xfrm>
+      </p:grpSpPr>
+      <p:sp>
+        <p:nvSpPr>
+          <p:cNvPr id="9" name="Rectangle 8">
+            <a:extLst>
+              <a:ext uri="{FF2B5EF4-FFF2-40B4-BE49-F238E27FC236}">
+                <a16:creationId xmlns:a16="http://schemas.microsoft.com/office/drawing/2014/main" id="{823AC064-BC96-4F32-8AE1-B2FD38754823}"/>
+              </a:ext>
+              <a:ext uri="{C183D7F6-B498-43B3-948B-1728B52AA6E4}">
+                <adec:decorative xmlns:adec="http://schemas.microsoft.com/office/drawing/2017/decorative" val="1"/>
+              </a:ext>
+            </a:extLst>
+          </p:cNvPr>
+          <p:cNvSpPr>
+            <a:spLocks noGrp="1" noRot="1" noChangeAspect="1" noMove="1" noResize="1" noEditPoints="1" noAdjustHandles="1" noChangeArrowheads="1" noChangeShapeType="1" noTextEdit="1"/>
+          </p:cNvSpPr>
+          <p:nvPr>
+            <p:extLst>
+              <p:ext uri="{386F3935-93C4-4BCD-93E2-E3B085C9AB24}">
+                <p16:designElem xmlns:p16="http://schemas.microsoft.com/office/powerpoint/2015/main" val="1"/>
+              </p:ext>
+            </p:extLst>
+          </p:nvPr>
+        </p:nvSpPr>
+        <p:spPr bwMode="ltGray">
+          <a:xfrm>
+            <a:off x="378068" y="343486"/>
+            <a:ext cx="11438793" cy="1844256"/>
+          </a:xfrm>
+          <a:prstGeom prst="rect">
+            <a:avLst/>
+          </a:prstGeom>
+          <a:solidFill>
+            <a:srgbClr val="404040"/>
+          </a:solidFill>
+          <a:ln w="127000" cap="sq" cmpd="thinThick">
+            <a:solidFill>
+              <a:srgbClr val="404040"/>
+            </a:solidFill>
+          </a:ln>
+        </p:spPr>
+        <p:style>
+          <a:lnRef idx="2">
+            <a:schemeClr val="accent1">
+              <a:shade val="50000"/>
+            </a:schemeClr>
+          </a:lnRef>
+          <a:fillRef idx="1">
+            <a:schemeClr val="accent1"/>
+          </a:fillRef>
+          <a:effectRef idx="0">
+            <a:schemeClr val="accent1"/>
+          </a:effectRef>
+          <a:fontRef idx="minor">
+            <a:schemeClr val="lt1"/>
+          </a:fontRef>
+        </p:style>
+        <p:txBody>
+          <a:bodyPr rtlCol="0" anchor="ctr"/>
+          <a:lstStyle/>
+          <a:p>
+            <a:pPr marL="0" marR="0" lvl="0" indent="0" algn="ctr" defTabSz="914400" rtl="0" eaLnBrk="1" fontAlgn="auto" latinLnBrk="0" hangingPunct="1">
+              <a:lnSpc>
+                <a:spcPct val="100000"/>
+              </a:lnSpc>
+              <a:spcBef>
+                <a:spcPts val="0"/>
+              </a:spcBef>
+              <a:spcAft>
+                <a:spcPts val="0"/>
+              </a:spcAft>
+              <a:buClrTx/>
+              <a:buSzTx/>
+              <a:buFontTx/>
+              <a:buNone/>
+              <a:tabLst/>
+              <a:defRPr/>
+            </a:pPr>
+            <a:endParaRPr kumimoji="0" lang="en-US" sz="1800" b="0" i="0" u="none" strike="noStrike" kern="1200" cap="none" spc="0" normalizeH="0" baseline="0" noProof="0">
+              <a:ln>
+                <a:noFill/>
+              </a:ln>
+              <a:solidFill>
+                <a:prstClr val="white"/>
+              </a:solidFill>
+              <a:effectLst/>
+              <a:uLnTx/>
+              <a:uFillTx/>
+              <a:latin typeface="Calibri" panose="020F0502020204030204"/>
+              <a:ea typeface="+mn-ea"/>
+              <a:cs typeface="+mn-cs"/>
+            </a:endParaRPr>
+          </a:p>
+        </p:txBody>
+      </p:sp>
+      <p:sp>
+        <p:nvSpPr>
+          <p:cNvPr id="2" name="제목 1">
+            <a:extLst>
+              <a:ext uri="{FF2B5EF4-FFF2-40B4-BE49-F238E27FC236}">
+                <a16:creationId xmlns:a16="http://schemas.microsoft.com/office/drawing/2014/main" id="{0FDEE8C2-1D7A-49DB-ACCB-F05B0083B972}"/>
+              </a:ext>
+            </a:extLst>
+          </p:cNvPr>
+          <p:cNvSpPr>
+            <a:spLocks noGrp="1"/>
+          </p:cNvSpPr>
+          <p:nvPr>
+            <p:ph type="title"/>
+          </p:nvPr>
+        </p:nvSpPr>
+        <p:spPr>
+          <a:xfrm>
+            <a:off x="526073" y="466578"/>
+            <a:ext cx="11139854" cy="930447"/>
+          </a:xfrm>
+        </p:spPr>
+        <p:txBody>
+          <a:bodyPr vert="horz" lIns="91440" tIns="45720" rIns="91440" bIns="45720" rtlCol="0" anchor="b">
+            <a:normAutofit/>
+          </a:bodyPr>
+          <a:lstStyle/>
+          <a:p>
+            <a:pPr algn="ctr" latinLnBrk="0"/>
+            <a:r>
+              <a:rPr lang="ko-KR" altLang="en-US" sz="5400" kern="1200">
+                <a:solidFill>
+                  <a:srgbClr val="FFFFFF"/>
+                </a:solidFill>
+                <a:latin typeface="+mj-lt"/>
+                <a:ea typeface="+mj-ea"/>
+                <a:cs typeface="+mj-cs"/>
+              </a:rPr>
+              <a:t>접근 한정자의 종류</a:t>
+            </a:r>
+          </a:p>
+        </p:txBody>
+      </p:sp>
+      <p:cxnSp>
+        <p:nvCxnSpPr>
+          <p:cNvPr id="11" name="Straight Connector 10">
+            <a:extLst>
+              <a:ext uri="{FF2B5EF4-FFF2-40B4-BE49-F238E27FC236}">
+                <a16:creationId xmlns:a16="http://schemas.microsoft.com/office/drawing/2014/main" id="{7E7C77BC-7138-40B1-A15B-20F57A494629}"/>
+              </a:ext>
+              <a:ext uri="{C183D7F6-B498-43B3-948B-1728B52AA6E4}">
+                <adec:decorative xmlns:adec="http://schemas.microsoft.com/office/drawing/2017/decorative" val="1"/>
+              </a:ext>
+            </a:extLst>
+          </p:cNvPr>
+          <p:cNvCxnSpPr>
+            <a:cxnSpLocks noGrp="1" noRot="1" noChangeAspect="1" noMove="1" noResize="1" noEditPoints="1" noAdjustHandles="1" noChangeArrowheads="1" noChangeShapeType="1"/>
+          </p:cNvCxnSpPr>
+          <p:nvPr>
+            <p:extLst>
+              <p:ext uri="{386F3935-93C4-4BCD-93E2-E3B085C9AB24}">
+                <p16:designElem xmlns:p16="http://schemas.microsoft.com/office/powerpoint/2015/main" val="1"/>
+              </p:ext>
+            </p:extLst>
+          </p:nvPr>
+        </p:nvCxnSpPr>
+        <p:spPr>
+          <a:xfrm>
+            <a:off x="2209800" y="1448631"/>
+            <a:ext cx="7772400" cy="0"/>
+          </a:xfrm>
+          <a:prstGeom prst="line">
+            <a:avLst/>
+          </a:prstGeom>
+          <a:ln w="22225">
+            <a:solidFill>
+              <a:srgbClr val="D9D9D9"/>
+            </a:solidFill>
+          </a:ln>
+        </p:spPr>
+        <p:style>
+          <a:lnRef idx="1">
+            <a:schemeClr val="accent1"/>
+          </a:lnRef>
+          <a:fillRef idx="0">
+            <a:schemeClr val="accent1"/>
+          </a:fillRef>
+          <a:effectRef idx="0">
+            <a:schemeClr val="accent1"/>
+          </a:effectRef>
+          <a:fontRef idx="minor">
+            <a:schemeClr val="tx1"/>
+          </a:fontRef>
+        </p:style>
+      </p:cxnSp>
+      <p:graphicFrame>
+        <p:nvGraphicFramePr>
+          <p:cNvPr id="4" name="표 4">
+            <a:extLst>
+              <a:ext uri="{FF2B5EF4-FFF2-40B4-BE49-F238E27FC236}">
+                <a16:creationId xmlns:a16="http://schemas.microsoft.com/office/drawing/2014/main" id="{BE0628A1-2073-4B55-992F-C9E34CC447C8}"/>
+              </a:ext>
+            </a:extLst>
+          </p:cNvPr>
+          <p:cNvGraphicFramePr>
+            <a:graphicFrameLocks noGrp="1"/>
+          </p:cNvGraphicFramePr>
+          <p:nvPr>
+            <p:ph idx="1"/>
+            <p:extLst>
+              <p:ext uri="{D42A27DB-BD31-4B8C-83A1-F6EECF244321}">
+                <p14:modId xmlns:p14="http://schemas.microsoft.com/office/powerpoint/2010/main" val="3890042054"/>
+              </p:ext>
+            </p:extLst>
+          </p:nvPr>
+        </p:nvGraphicFramePr>
+        <p:xfrm>
+          <a:off x="1131005" y="2509911"/>
+          <a:ext cx="9874892" cy="3997641"/>
+        </p:xfrm>
+        <a:graphic>
+          <a:graphicData uri="http://schemas.openxmlformats.org/drawingml/2006/table">
+            <a:tbl>
+              <a:tblPr firstRow="1" bandRow="1">
+                <a:tableStyleId>{073A0DAA-6AF3-43AB-8588-CEC1D06C72B9}</a:tableStyleId>
+              </a:tblPr>
+              <a:tblGrid>
+                <a:gridCol w="1789477">
+                  <a:extLst>
+                    <a:ext uri="{9D8B030D-6E8A-4147-A177-3AD203B41FA5}">
+                      <a16:colId xmlns:a16="http://schemas.microsoft.com/office/drawing/2014/main" val="1221380107"/>
+                    </a:ext>
+                  </a:extLst>
+                </a:gridCol>
+                <a:gridCol w="8085415">
+                  <a:extLst>
+                    <a:ext uri="{9D8B030D-6E8A-4147-A177-3AD203B41FA5}">
+                      <a16:colId xmlns:a16="http://schemas.microsoft.com/office/drawing/2014/main" val="2994451862"/>
+                    </a:ext>
+                  </a:extLst>
+                </a:gridCol>
+              </a:tblGrid>
+              <a:tr h="496882">
+                <a:tc>
+                  <a:txBody>
+                    <a:bodyPr/>
+                    <a:lstStyle/>
+                    <a:p>
+                      <a:pPr latinLnBrk="1"/>
+                      <a:r>
+                        <a:rPr lang="ko-KR" altLang="en-US" sz="2200"/>
+                        <a:t>접근 한정자</a:t>
+                      </a:r>
+                    </a:p>
+                  </a:txBody>
+                  <a:tcPr marL="112928" marR="112928" marT="56464" marB="56464"/>
+                </a:tc>
+                <a:tc>
+                  <a:txBody>
+                    <a:bodyPr/>
+                    <a:lstStyle/>
+                    <a:p>
+                      <a:pPr latinLnBrk="1"/>
+                      <a:r>
+                        <a:rPr lang="ko-KR" altLang="en-US" sz="2200"/>
+                        <a:t>설명</a:t>
+                      </a:r>
+                    </a:p>
+                  </a:txBody>
+                  <a:tcPr marL="112928" marR="112928" marT="56464" marB="56464"/>
+                </a:tc>
+                <a:extLst>
+                  <a:ext uri="{0D108BD9-81ED-4DB2-BD59-A6C34878D82A}">
+                    <a16:rowId xmlns:a16="http://schemas.microsoft.com/office/drawing/2014/main" val="4225137660"/>
+                  </a:ext>
+                </a:extLst>
+              </a:tr>
+              <a:tr h="496882">
+                <a:tc>
+                  <a:txBody>
+                    <a:bodyPr/>
+                    <a:lstStyle/>
+                    <a:p>
+                      <a:pPr latinLnBrk="1"/>
+                      <a:r>
+                        <a:rPr lang="en-US" altLang="ko-KR" sz="2200"/>
+                        <a:t>public</a:t>
+                      </a:r>
+                      <a:endParaRPr lang="ko-KR" altLang="en-US" sz="2200"/>
+                    </a:p>
+                  </a:txBody>
+                  <a:tcPr marL="112928" marR="112928" marT="56464" marB="56464"/>
+                </a:tc>
+                <a:tc>
+                  <a:txBody>
+                    <a:bodyPr/>
+                    <a:lstStyle/>
+                    <a:p>
+                      <a:pPr latinLnBrk="1"/>
+                      <a:r>
+                        <a:rPr lang="ko-KR" altLang="en-US" sz="2200"/>
+                        <a:t>클래스의 내부</a:t>
+                      </a:r>
+                      <a:r>
+                        <a:rPr lang="en-US" altLang="ko-KR" sz="2200"/>
+                        <a:t>/</a:t>
+                      </a:r>
+                      <a:r>
+                        <a:rPr lang="ko-KR" altLang="en-US" sz="2200"/>
+                        <a:t>외부 모든 곳에서 접근 할 수 있습니다</a:t>
+                      </a:r>
+                    </a:p>
+                  </a:txBody>
+                  <a:tcPr marL="112928" marR="112928" marT="56464" marB="56464"/>
+                </a:tc>
+                <a:extLst>
+                  <a:ext uri="{0D108BD9-81ED-4DB2-BD59-A6C34878D82A}">
+                    <a16:rowId xmlns:a16="http://schemas.microsoft.com/office/drawing/2014/main" val="2508073047"/>
+                  </a:ext>
+                </a:extLst>
+              </a:tr>
+              <a:tr h="835665">
+                <a:tc>
+                  <a:txBody>
+                    <a:bodyPr/>
+                    <a:lstStyle/>
+                    <a:p>
+                      <a:pPr latinLnBrk="1"/>
+                      <a:r>
+                        <a:rPr lang="en-US" altLang="ko-KR" sz="2200"/>
+                        <a:t>protected</a:t>
+                      </a:r>
+                      <a:endParaRPr lang="ko-KR" altLang="en-US" sz="2200"/>
+                    </a:p>
+                  </a:txBody>
+                  <a:tcPr marL="112928" marR="112928" marT="56464" marB="56464"/>
+                </a:tc>
+                <a:tc>
+                  <a:txBody>
+                    <a:bodyPr/>
+                    <a:lstStyle/>
+                    <a:p>
+                      <a:pPr latinLnBrk="1"/>
+                      <a:r>
+                        <a:rPr lang="ko-KR" altLang="en-US" sz="2200"/>
+                        <a:t>클래스의 내부에서는 접근할 수 없지만 파생클래스에서는 접근 가능합니다</a:t>
+                      </a:r>
+                    </a:p>
+                  </a:txBody>
+                  <a:tcPr marL="112928" marR="112928" marT="56464" marB="56464"/>
+                </a:tc>
+                <a:extLst>
+                  <a:ext uri="{0D108BD9-81ED-4DB2-BD59-A6C34878D82A}">
+                    <a16:rowId xmlns:a16="http://schemas.microsoft.com/office/drawing/2014/main" val="812464512"/>
+                  </a:ext>
+                </a:extLst>
+              </a:tr>
+              <a:tr h="496882">
+                <a:tc>
+                  <a:txBody>
+                    <a:bodyPr/>
+                    <a:lstStyle/>
+                    <a:p>
+                      <a:pPr latinLnBrk="1"/>
+                      <a:r>
+                        <a:rPr lang="en-US" altLang="ko-KR" sz="2200"/>
+                        <a:t>private</a:t>
+                      </a:r>
+                      <a:endParaRPr lang="ko-KR" altLang="en-US" sz="2200"/>
+                    </a:p>
+                  </a:txBody>
+                  <a:tcPr marL="112928" marR="112928" marT="56464" marB="56464"/>
+                </a:tc>
+                <a:tc>
+                  <a:txBody>
+                    <a:bodyPr/>
+                    <a:lstStyle/>
+                    <a:p>
+                      <a:pPr latinLnBrk="1"/>
+                      <a:r>
+                        <a:rPr lang="ko-KR" altLang="en-US" sz="2200"/>
+                        <a:t>오직 클래스 내부에서만 접근할 수 있습니다</a:t>
+                      </a:r>
+                    </a:p>
+                  </a:txBody>
+                  <a:tcPr marL="112928" marR="112928" marT="56464" marB="56464"/>
+                </a:tc>
+                <a:extLst>
+                  <a:ext uri="{0D108BD9-81ED-4DB2-BD59-A6C34878D82A}">
+                    <a16:rowId xmlns:a16="http://schemas.microsoft.com/office/drawing/2014/main" val="501383282"/>
+                  </a:ext>
+                </a:extLst>
+              </a:tr>
+              <a:tr h="835665">
+                <a:tc>
+                  <a:txBody>
+                    <a:bodyPr/>
+                    <a:lstStyle/>
+                    <a:p>
+                      <a:pPr latinLnBrk="1"/>
+                      <a:r>
+                        <a:rPr lang="en-US" altLang="ko-KR" sz="2200"/>
+                        <a:t>internal</a:t>
+                      </a:r>
+                      <a:endParaRPr lang="ko-KR" altLang="en-US" sz="2200"/>
+                    </a:p>
+                  </a:txBody>
+                  <a:tcPr marL="112928" marR="112928" marT="56464" marB="56464"/>
+                </a:tc>
+                <a:tc>
+                  <a:txBody>
+                    <a:bodyPr/>
+                    <a:lstStyle/>
+                    <a:p>
+                      <a:pPr latinLnBrk="1"/>
+                      <a:r>
+                        <a:rPr lang="ko-KR" altLang="en-US" sz="2200"/>
+                        <a:t>같은 프로젝트</a:t>
+                      </a:r>
+                      <a:r>
+                        <a:rPr lang="en-US" altLang="ko-KR" sz="2200"/>
+                        <a:t>(</a:t>
+                      </a:r>
+                      <a:r>
+                        <a:rPr lang="ko-KR" altLang="en-US" sz="2200"/>
+                        <a:t>어셈블리</a:t>
+                      </a:r>
+                      <a:r>
+                        <a:rPr lang="en-US" altLang="ko-KR" sz="2200"/>
+                        <a:t>)</a:t>
+                      </a:r>
+                      <a:r>
+                        <a:rPr lang="ko-KR" altLang="en-US" sz="2200"/>
+                        <a:t>안에서는 </a:t>
+                      </a:r>
+                      <a:r>
+                        <a:rPr lang="en-US" altLang="ko-KR" sz="2200"/>
+                        <a:t>public </a:t>
+                      </a:r>
+                      <a:r>
+                        <a:rPr lang="ko-KR" altLang="en-US" sz="2200"/>
+                        <a:t>그 밖에는 </a:t>
+                      </a:r>
+                      <a:r>
+                        <a:rPr lang="en-US" altLang="ko-KR" sz="2200"/>
+                        <a:t>private</a:t>
+                      </a:r>
+                      <a:r>
+                        <a:rPr lang="ko-KR" altLang="en-US" sz="2200"/>
+                        <a:t>로 적용됩니다</a:t>
+                      </a:r>
+                    </a:p>
+                  </a:txBody>
+                  <a:tcPr marL="112928" marR="112928" marT="56464" marB="56464"/>
+                </a:tc>
+                <a:extLst>
+                  <a:ext uri="{0D108BD9-81ED-4DB2-BD59-A6C34878D82A}">
+                    <a16:rowId xmlns:a16="http://schemas.microsoft.com/office/drawing/2014/main" val="865184849"/>
+                  </a:ext>
+                </a:extLst>
+              </a:tr>
+              <a:tr h="835665">
+                <a:tc>
+                  <a:txBody>
+                    <a:bodyPr/>
+                    <a:lstStyle/>
+                    <a:p>
+                      <a:pPr latinLnBrk="1"/>
+                      <a:r>
+                        <a:rPr lang="en-US" altLang="ko-KR" sz="2200"/>
+                        <a:t>protected internal</a:t>
+                      </a:r>
+                      <a:endParaRPr lang="ko-KR" altLang="en-US" sz="2200"/>
+                    </a:p>
+                  </a:txBody>
+                  <a:tcPr marL="112928" marR="112928" marT="56464" marB="56464"/>
+                </a:tc>
+                <a:tc>
+                  <a:txBody>
+                    <a:bodyPr/>
+                    <a:lstStyle/>
+                    <a:p>
+                      <a:pPr latinLnBrk="1"/>
+                      <a:r>
+                        <a:rPr lang="ko-KR" altLang="en-US" sz="2200" dirty="0"/>
+                        <a:t>같은 프로젝트</a:t>
+                      </a:r>
+                      <a:r>
+                        <a:rPr lang="en-US" altLang="ko-KR" sz="2200" dirty="0"/>
+                        <a:t>(</a:t>
+                      </a:r>
+                      <a:r>
+                        <a:rPr lang="ko-KR" altLang="en-US" sz="2200" dirty="0"/>
+                        <a:t>어셈블리</a:t>
+                      </a:r>
+                      <a:r>
+                        <a:rPr lang="en-US" altLang="ko-KR" sz="2200" dirty="0"/>
+                        <a:t>)</a:t>
+                      </a:r>
+                      <a:r>
+                        <a:rPr lang="ko-KR" altLang="en-US" sz="2200" dirty="0"/>
+                        <a:t>안에서는 </a:t>
+                      </a:r>
+                      <a:r>
+                        <a:rPr lang="en-US" altLang="ko-KR" sz="2200" dirty="0"/>
+                        <a:t>protected </a:t>
+                      </a:r>
+                      <a:r>
+                        <a:rPr lang="ko-KR" altLang="en-US" sz="2200" dirty="0"/>
+                        <a:t>그 밖에는 </a:t>
+                      </a:r>
+                      <a:r>
+                        <a:rPr lang="en-US" altLang="ko-KR" sz="2200" dirty="0"/>
+                        <a:t>private</a:t>
+                      </a:r>
+                      <a:r>
+                        <a:rPr lang="ko-KR" altLang="en-US" sz="2200" dirty="0"/>
+                        <a:t>로 적용됩니다</a:t>
+                      </a:r>
+                    </a:p>
+                  </a:txBody>
+                  <a:tcPr marL="112928" marR="112928" marT="56464" marB="56464"/>
+                </a:tc>
+                <a:extLst>
+                  <a:ext uri="{0D108BD9-81ED-4DB2-BD59-A6C34878D82A}">
+                    <a16:rowId xmlns:a16="http://schemas.microsoft.com/office/drawing/2014/main" val="841052459"/>
+                  </a:ext>
+                </a:extLst>
+              </a:tr>
+            </a:tbl>
+          </a:graphicData>
+        </a:graphic>
+      </p:graphicFrame>
+    </p:spTree>
+    <p:extLst>
+      <p:ext uri="{BB962C8B-B14F-4D97-AF65-F5344CB8AC3E}">
+        <p14:creationId xmlns:p14="http://schemas.microsoft.com/office/powerpoint/2010/main" val="101951494"/>
+      </p:ext>
+    </p:extLst>
+  </p:cSld>
+  <p:clrMapOvr>
+    <a:masterClrMapping/>
+  </p:clrMapOvr>
+</p:sld>
+</file>
+
+<file path=ppt/slides/slide14.xml><?xml version="1.0" encoding="utf-8"?>
 <p:sld xmlns:a="http://schemas.openxmlformats.org/drawingml/2006/main" xmlns:r="http://schemas.openxmlformats.org/officeDocument/2006/relationships" xmlns:p="http://schemas.openxmlformats.org/presentationml/2006/main">
   <p:cSld>
     <p:bg>
@@ -9475,7 +10527,7 @@
           <a:p>
             <a:pPr algn="ctr" latinLnBrk="0"/>
             <a:r>
-              <a:rPr lang="ko-KR" altLang="en-US" sz="3600" kern="1200">
+              <a:rPr lang="ko-KR" altLang="en-US" sz="3600" kern="1200" dirty="0">
                 <a:solidFill>
                   <a:srgbClr val="080808"/>
                 </a:solidFill>
@@ -9483,10 +10535,10 @@
                 <a:ea typeface="+mj-ea"/>
                 <a:cs typeface="+mj-cs"/>
               </a:rPr>
-              <a:t>정적 필드</a:t>
-            </a:r>
-            <a:r>
-              <a:rPr lang="en-US" altLang="ko-KR" sz="3600" kern="1200">
+              <a:t>정적 필드 생성하기</a:t>
+            </a:r>
+            <a:br>
+              <a:rPr lang="en-US" altLang="ko-KR" sz="3600" kern="1200" dirty="0">
                 <a:solidFill>
                   <a:srgbClr val="080808"/>
                 </a:solidFill>
@@ -9494,8 +10546,37 @@
                 <a:ea typeface="+mj-ea"/>
                 <a:cs typeface="+mj-cs"/>
               </a:rPr>
-              <a:t>(static)</a:t>
-            </a:r>
+            </a:br>
+            <a:r>
+              <a:rPr lang="en-US" altLang="ko-KR" sz="3600" kern="1200" dirty="0">
+                <a:solidFill>
+                  <a:srgbClr val="080808"/>
+                </a:solidFill>
+                <a:latin typeface="+mj-lt"/>
+                <a:ea typeface="+mj-ea"/>
+                <a:cs typeface="+mj-cs"/>
+              </a:rPr>
+              <a:t>(static) </a:t>
+            </a:r>
+            <a:r>
+              <a:rPr lang="ko-KR" altLang="en-US" sz="3600" kern="1200" dirty="0">
+                <a:solidFill>
+                  <a:srgbClr val="080808"/>
+                </a:solidFill>
+                <a:latin typeface="+mj-lt"/>
+                <a:ea typeface="+mj-ea"/>
+                <a:cs typeface="+mj-cs"/>
+              </a:rPr>
+              <a:t>한정자</a:t>
+            </a:r>
+            <a:endParaRPr lang="en-US" altLang="ko-KR" sz="3600" kern="1200" dirty="0">
+              <a:solidFill>
+                <a:srgbClr val="080808"/>
+              </a:solidFill>
+              <a:latin typeface="+mj-lt"/>
+              <a:ea typeface="+mj-ea"/>
+              <a:cs typeface="+mj-cs"/>
+            </a:endParaRPr>
           </a:p>
         </p:txBody>
       </p:sp>
@@ -9689,9 +10770,17 @@
 </p:sld>
 </file>
 
-<file path=ppt/slides/slide14.xml><?xml version="1.0" encoding="utf-8"?>
+<file path=ppt/slides/slide15.xml><?xml version="1.0" encoding="utf-8"?>
 <p:sld xmlns:a="http://schemas.openxmlformats.org/drawingml/2006/main" xmlns:r="http://schemas.openxmlformats.org/officeDocument/2006/relationships" xmlns:p="http://schemas.openxmlformats.org/presentationml/2006/main">
   <p:cSld>
+    <p:bg>
+      <p:bgPr>
+        <a:solidFill>
+          <a:schemeClr val="bg1"/>
+        </a:solidFill>
+        <a:effectLst/>
+      </p:bgPr>
+    </p:bg>
     <p:spTree>
       <p:nvGrpSpPr>
         <p:cNvPr id="1" name=""/>
@@ -9708,6 +10797,71 @@
       </p:grpSpPr>
       <p:sp>
         <p:nvSpPr>
+          <p:cNvPr id="8" name="Rectangle 7">
+            <a:extLst>
+              <a:ext uri="{FF2B5EF4-FFF2-40B4-BE49-F238E27FC236}">
+                <a16:creationId xmlns:a16="http://schemas.microsoft.com/office/drawing/2014/main" id="{8D70B121-56F4-4848-B38B-182089D909FA}"/>
+              </a:ext>
+              <a:ext uri="{C183D7F6-B498-43B3-948B-1728B52AA6E4}">
+                <adec:decorative xmlns:adec="http://schemas.microsoft.com/office/drawing/2017/decorative" val="1"/>
+              </a:ext>
+            </a:extLst>
+          </p:cNvPr>
+          <p:cNvSpPr>
+            <a:spLocks noGrp="1" noRot="1" noChangeAspect="1" noMove="1" noResize="1" noEditPoints="1" noAdjustHandles="1" noChangeArrowheads="1" noChangeShapeType="1" noTextEdit="1"/>
+          </p:cNvSpPr>
+          <p:nvPr>
+            <p:extLst>
+              <p:ext uri="{386F3935-93C4-4BCD-93E2-E3B085C9AB24}">
+                <p16:designElem xmlns:p16="http://schemas.microsoft.com/office/powerpoint/2015/main" val="1"/>
+              </p:ext>
+            </p:extLst>
+          </p:nvPr>
+        </p:nvSpPr>
+        <p:spPr bwMode="ltGray">
+          <a:xfrm>
+            <a:off x="321564" y="320040"/>
+            <a:ext cx="11548872" cy="6217920"/>
+          </a:xfrm>
+          <a:prstGeom prst="rect">
+            <a:avLst/>
+          </a:prstGeom>
+          <a:solidFill>
+            <a:schemeClr val="tx1">
+              <a:alpha val="8000"/>
+            </a:schemeClr>
+          </a:solidFill>
+          <a:ln w="127000" cap="sq" cmpd="thinThick">
+            <a:noFill/>
+          </a:ln>
+        </p:spPr>
+        <p:style>
+          <a:lnRef idx="2">
+            <a:schemeClr val="accent1">
+              <a:shade val="50000"/>
+            </a:schemeClr>
+          </a:lnRef>
+          <a:fillRef idx="1">
+            <a:schemeClr val="accent1"/>
+          </a:fillRef>
+          <a:effectRef idx="0">
+            <a:schemeClr val="accent1"/>
+          </a:effectRef>
+          <a:fontRef idx="minor">
+            <a:schemeClr val="lt1"/>
+          </a:fontRef>
+        </p:style>
+        <p:txBody>
+          <a:bodyPr rtlCol="0" anchor="ctr"/>
+          <a:lstStyle/>
+          <a:p>
+            <a:pPr algn="ctr"/>
+            <a:endParaRPr lang="en-US"/>
+          </a:p>
+        </p:txBody>
+      </p:sp>
+      <p:sp>
+        <p:nvSpPr>
           <p:cNvPr id="2" name="제목 1">
             <a:extLst>
               <a:ext uri="{FF2B5EF4-FFF2-40B4-BE49-F238E27FC236}">
@@ -9722,26 +10876,101 @@
             <p:ph type="title"/>
           </p:nvPr>
         </p:nvSpPr>
-        <p:spPr/>
+        <p:spPr>
+          <a:xfrm>
+            <a:off x="838200" y="963877"/>
+            <a:ext cx="3494362" cy="4930246"/>
+          </a:xfrm>
+        </p:spPr>
         <p:txBody>
-          <a:bodyPr/>
+          <a:bodyPr>
+            <a:normAutofit/>
+          </a:bodyPr>
           <a:lstStyle/>
           <a:p>
-            <a:r>
-              <a:rPr lang="ko-KR" altLang="en-US" dirty="0"/>
+            <a:pPr algn="r"/>
+            <a:r>
+              <a:rPr lang="ko-KR" altLang="en-US">
+                <a:solidFill>
+                  <a:schemeClr val="accent1"/>
+                </a:solidFill>
+              </a:rPr>
               <a:t>정적</a:t>
             </a:r>
             <a:r>
-              <a:rPr lang="en-US" altLang="ko-KR" dirty="0"/>
+              <a:rPr lang="en-US" altLang="ko-KR">
+                <a:solidFill>
+                  <a:schemeClr val="accent1"/>
+                </a:solidFill>
+              </a:rPr>
               <a:t>(static)</a:t>
             </a:r>
             <a:r>
-              <a:rPr lang="ko-KR" altLang="en-US" dirty="0"/>
+              <a:rPr lang="ko-KR" altLang="en-US">
+                <a:solidFill>
+                  <a:schemeClr val="accent1"/>
+                </a:solidFill>
+              </a:rPr>
               <a:t> 필드</a:t>
             </a:r>
           </a:p>
         </p:txBody>
       </p:sp>
+      <p:cxnSp>
+        <p:nvCxnSpPr>
+          <p:cNvPr id="10" name="Straight Connector 9">
+            <a:extLst>
+              <a:ext uri="{FF2B5EF4-FFF2-40B4-BE49-F238E27FC236}">
+                <a16:creationId xmlns:a16="http://schemas.microsoft.com/office/drawing/2014/main" id="{2D72A2C9-F3CA-4216-8BAD-FA4C970C3C4E}"/>
+              </a:ext>
+              <a:ext uri="{C183D7F6-B498-43B3-948B-1728B52AA6E4}">
+                <adec:decorative xmlns:adec="http://schemas.microsoft.com/office/drawing/2017/decorative" val="1"/>
+              </a:ext>
+            </a:extLst>
+          </p:cNvPr>
+          <p:cNvCxnSpPr>
+            <a:cxnSpLocks noGrp="1" noRot="1" noChangeAspect="1" noMove="1" noResize="1" noEditPoints="1" noAdjustHandles="1" noChangeArrowheads="1" noChangeShapeType="1"/>
+          </p:cNvCxnSpPr>
+          <p:nvPr>
+            <p:extLst>
+              <p:ext uri="{386F3935-93C4-4BCD-93E2-E3B085C9AB24}">
+                <p16:designElem xmlns:p16="http://schemas.microsoft.com/office/powerpoint/2015/main" val="1"/>
+              </p:ext>
+            </p:extLst>
+          </p:nvPr>
+        </p:nvCxnSpPr>
+        <p:spPr>
+          <a:xfrm>
+            <a:off x="4654296" y="2057400"/>
+            <a:ext cx="0" cy="2743200"/>
+          </a:xfrm>
+          <a:prstGeom prst="line">
+            <a:avLst/>
+          </a:prstGeom>
+          <a:ln w="19050">
+            <a:solidFill>
+              <a:schemeClr val="tx1">
+                <a:lumMod val="85000"/>
+                <a:lumOff val="15000"/>
+              </a:schemeClr>
+            </a:solidFill>
+          </a:ln>
+        </p:spPr>
+        <p:style>
+          <a:lnRef idx="1">
+            <a:schemeClr val="accent1"/>
+          </a:lnRef>
+          <a:fillRef idx="0">
+            <a:schemeClr val="accent1"/>
+          </a:fillRef>
+          <a:effectRef idx="0">
+            <a:schemeClr val="accent1"/>
+          </a:effectRef>
+          <a:fontRef idx="minor">
+            <a:schemeClr val="tx1"/>
+          </a:fontRef>
+        </p:style>
+      </p:cxnSp>
       <p:sp>
         <p:nvSpPr>
           <p:cNvPr id="3" name="내용 개체 틀 2">
@@ -9758,21 +10987,135 @@
             <p:ph idx="1"/>
           </p:nvPr>
         </p:nvSpPr>
-        <p:spPr/>
+        <p:spPr>
+          <a:xfrm>
+            <a:off x="4963891" y="963877"/>
+            <a:ext cx="6389910" cy="4930246"/>
+          </a:xfrm>
+        </p:spPr>
         <p:txBody>
-          <a:bodyPr/>
+          <a:bodyPr anchor="ctr">
+            <a:normAutofit/>
+          </a:bodyPr>
           <a:lstStyle/>
           <a:p>
             <a:pPr marL="0" indent="0">
               <a:buNone/>
             </a:pPr>
             <a:r>
-              <a:rPr lang="en-US" altLang="ko-KR" dirty="0">
+              <a:rPr lang="en-US" altLang="ko-KR" sz="2400" dirty="0">
                 <a:hlinkClick r:id="rId2"/>
               </a:rPr>
               <a:t>https://m.blog.naver.com/PostView.nhn?blogId=nuberus&amp;logNo=50182534282&amp;proxyReferer=https%3A%2F%2Fwww.google.com%2F</a:t>
             </a:r>
-            <a:endParaRPr lang="ko-KR" altLang="en-US" dirty="0"/>
+            <a:endParaRPr lang="en-US" altLang="ko-KR" sz="2400" dirty="0"/>
+          </a:p>
+          <a:p>
+            <a:pPr marL="0" indent="0">
+              <a:buNone/>
+            </a:pPr>
+            <a:r>
+              <a:rPr lang="en-US" altLang="ko-KR" sz="2400" dirty="0"/>
+              <a:t>class </a:t>
+            </a:r>
+            <a:r>
+              <a:rPr lang="ko-KR" altLang="en-US" sz="2400" dirty="0"/>
+              <a:t>클래스 이름</a:t>
+            </a:r>
+            <a:endParaRPr lang="en-US" altLang="ko-KR" sz="2400" dirty="0"/>
+          </a:p>
+          <a:p>
+            <a:pPr marL="0" indent="0">
+              <a:buNone/>
+            </a:pPr>
+            <a:r>
+              <a:rPr lang="en-US" altLang="ko-KR" sz="2400" dirty="0"/>
+              <a:t>{</a:t>
+            </a:r>
+          </a:p>
+          <a:p>
+            <a:pPr marL="0" indent="0">
+              <a:buNone/>
+            </a:pPr>
+            <a:r>
+              <a:rPr lang="en-US" altLang="ko-KR" sz="2400" dirty="0"/>
+              <a:t>	</a:t>
+            </a:r>
+            <a:r>
+              <a:rPr lang="ko-KR" altLang="en-US" sz="2400" dirty="0"/>
+              <a:t>한정자 </a:t>
+            </a:r>
+            <a:r>
+              <a:rPr lang="en-US" altLang="ko-KR" sz="2400" dirty="0">
+                <a:highlight>
+                  <a:srgbClr val="FFFF00"/>
+                </a:highlight>
+              </a:rPr>
+              <a:t>static</a:t>
+            </a:r>
+            <a:r>
+              <a:rPr lang="en-US" altLang="ko-KR" sz="2400" dirty="0"/>
+              <a:t> </a:t>
+            </a:r>
+            <a:r>
+              <a:rPr lang="ko-KR" altLang="en-US" sz="2400" dirty="0"/>
+              <a:t>클래스이름</a:t>
+            </a:r>
+            <a:r>
+              <a:rPr lang="en-US" altLang="ko-KR" sz="2400" dirty="0"/>
+              <a:t>&lt;</a:t>
+            </a:r>
+            <a:r>
+              <a:rPr lang="ko-KR" altLang="en-US" sz="2400" dirty="0"/>
+              <a:t>생성자</a:t>
+            </a:r>
+            <a:r>
+              <a:rPr lang="en-US" altLang="ko-KR" sz="2400" dirty="0"/>
+              <a:t>&gt; (</a:t>
+            </a:r>
+            <a:r>
+              <a:rPr lang="ko-KR" altLang="en-US" sz="2400" dirty="0"/>
+              <a:t>매개변수목록</a:t>
+            </a:r>
+            <a:r>
+              <a:rPr lang="en-US" altLang="ko-KR" sz="2400" dirty="0"/>
+              <a:t>)</a:t>
+            </a:r>
+          </a:p>
+          <a:p>
+            <a:pPr marL="0" indent="0">
+              <a:buNone/>
+            </a:pPr>
+            <a:r>
+              <a:rPr lang="en-US" altLang="ko-KR" sz="2400" dirty="0"/>
+              <a:t>	//</a:t>
+            </a:r>
+            <a:r>
+              <a:rPr lang="ko-KR" altLang="en-US" sz="2400" dirty="0"/>
+              <a:t>내용</a:t>
+            </a:r>
+            <a:endParaRPr lang="en-US" altLang="ko-KR" sz="2400" dirty="0"/>
+          </a:p>
+          <a:p>
+            <a:pPr marL="0" indent="0">
+              <a:buNone/>
+            </a:pPr>
+            <a:r>
+              <a:rPr lang="en-US" altLang="ko-KR" sz="2400" dirty="0"/>
+              <a:t>}</a:t>
+            </a:r>
+          </a:p>
+          <a:p>
+            <a:pPr marL="0" indent="0">
+              <a:buNone/>
+            </a:pPr>
+            <a:endParaRPr lang="en-US" altLang="ko-KR" sz="2400" dirty="0"/>
+          </a:p>
+          <a:p>
+            <a:pPr marL="0" indent="0">
+              <a:buNone/>
+            </a:pPr>
+            <a:endParaRPr lang="en-US" altLang="ko-KR" sz="2400" dirty="0"/>
           </a:p>
         </p:txBody>
       </p:sp>
@@ -9789,7 +11132,7 @@
 </p:sld>
 </file>
 
-<file path=ppt/slides/slide15.xml><?xml version="1.0" encoding="utf-8"?>
+<file path=ppt/slides/slide16.xml><?xml version="1.0" encoding="utf-8"?>
 <p:sld xmlns:a="http://schemas.openxmlformats.org/drawingml/2006/main" xmlns:r="http://schemas.openxmlformats.org/officeDocument/2006/relationships" xmlns:p="http://schemas.openxmlformats.org/presentationml/2006/main">
   <p:cSld>
     <p:bg>
@@ -10820,8 +12163,8 @@
         </p:nvSpPr>
         <p:spPr>
           <a:xfrm>
-            <a:off x="4439633" y="4518923"/>
-            <a:ext cx="3312734" cy="1141851"/>
+            <a:off x="4185643" y="4517819"/>
+            <a:ext cx="4108536" cy="1141851"/>
           </a:xfrm>
           <a:noFill/>
         </p:spPr>
@@ -10835,7 +12178,7 @@
               <a:buNone/>
             </a:pPr>
             <a:r>
-              <a:rPr lang="en-US" altLang="ko-KR" sz="2000" kern="1200">
+              <a:rPr lang="en-US" altLang="ko-KR" sz="2000" kern="1200" dirty="0">
                 <a:solidFill>
                   <a:srgbClr val="080808"/>
                 </a:solidFill>
@@ -10846,7 +12189,7 @@
               <a:t>this </a:t>
             </a:r>
             <a:r>
-              <a:rPr lang="ko-KR" altLang="en-US" sz="2000" kern="1200">
+              <a:rPr lang="ko-KR" altLang="en-US" sz="2000" kern="1200" dirty="0">
                 <a:solidFill>
                   <a:srgbClr val="080808"/>
                 </a:solidFill>
@@ -11002,9 +12345,17 @@
 </p:sld>
 </file>
 
-<file path=ppt/slides/slide16.xml><?xml version="1.0" encoding="utf-8"?>
+<file path=ppt/slides/slide17.xml><?xml version="1.0" encoding="utf-8"?>
 <p:sld xmlns:a="http://schemas.openxmlformats.org/drawingml/2006/main" xmlns:r="http://schemas.openxmlformats.org/officeDocument/2006/relationships" xmlns:p="http://schemas.openxmlformats.org/presentationml/2006/main">
   <p:cSld>
+    <p:bg>
+      <p:bgPr>
+        <a:solidFill>
+          <a:schemeClr val="bg1"/>
+        </a:solidFill>
+        <a:effectLst/>
+      </p:bgPr>
+    </p:bg>
     <p:spTree>
       <p:nvGrpSpPr>
         <p:cNvPr id="1" name=""/>
@@ -11021,6 +12372,71 @@
       </p:grpSpPr>
       <p:sp>
         <p:nvSpPr>
+          <p:cNvPr id="15" name="Rectangle 14">
+            <a:extLst>
+              <a:ext uri="{FF2B5EF4-FFF2-40B4-BE49-F238E27FC236}">
+                <a16:creationId xmlns:a16="http://schemas.microsoft.com/office/drawing/2014/main" id="{8D70B121-56F4-4848-B38B-182089D909FA}"/>
+              </a:ext>
+              <a:ext uri="{C183D7F6-B498-43B3-948B-1728B52AA6E4}">
+                <adec:decorative xmlns:adec="http://schemas.microsoft.com/office/drawing/2017/decorative" val="1"/>
+              </a:ext>
+            </a:extLst>
+          </p:cNvPr>
+          <p:cNvSpPr>
+            <a:spLocks noGrp="1" noRot="1" noChangeAspect="1" noMove="1" noResize="1" noEditPoints="1" noAdjustHandles="1" noChangeArrowheads="1" noChangeShapeType="1" noTextEdit="1"/>
+          </p:cNvSpPr>
+          <p:nvPr>
+            <p:extLst>
+              <p:ext uri="{386F3935-93C4-4BCD-93E2-E3B085C9AB24}">
+                <p16:designElem xmlns:p16="http://schemas.microsoft.com/office/powerpoint/2015/main" val="1"/>
+              </p:ext>
+            </p:extLst>
+          </p:nvPr>
+        </p:nvSpPr>
+        <p:spPr bwMode="ltGray">
+          <a:xfrm>
+            <a:off x="321564" y="320040"/>
+            <a:ext cx="11548872" cy="6217920"/>
+          </a:xfrm>
+          <a:prstGeom prst="rect">
+            <a:avLst/>
+          </a:prstGeom>
+          <a:solidFill>
+            <a:schemeClr val="tx1">
+              <a:alpha val="8000"/>
+            </a:schemeClr>
+          </a:solidFill>
+          <a:ln w="127000" cap="sq" cmpd="thinThick">
+            <a:noFill/>
+          </a:ln>
+        </p:spPr>
+        <p:style>
+          <a:lnRef idx="2">
+            <a:schemeClr val="accent1">
+              <a:shade val="50000"/>
+            </a:schemeClr>
+          </a:lnRef>
+          <a:fillRef idx="1">
+            <a:schemeClr val="accent1"/>
+          </a:fillRef>
+          <a:effectRef idx="0">
+            <a:schemeClr val="accent1"/>
+          </a:effectRef>
+          <a:fontRef idx="minor">
+            <a:schemeClr val="lt1"/>
+          </a:fontRef>
+        </p:style>
+        <p:txBody>
+          <a:bodyPr rtlCol="0" anchor="ctr"/>
+          <a:lstStyle/>
+          <a:p>
+            <a:pPr algn="ctr"/>
+            <a:endParaRPr lang="en-US"/>
+          </a:p>
+        </p:txBody>
+      </p:sp>
+      <p:sp>
+        <p:nvSpPr>
           <p:cNvPr id="2" name="제목 1">
             <a:extLst>
               <a:ext uri="{FF2B5EF4-FFF2-40B4-BE49-F238E27FC236}">
@@ -11035,15 +12451,93 @@
             <p:ph type="title"/>
           </p:nvPr>
         </p:nvSpPr>
-        <p:spPr/>
+        <p:spPr>
+          <a:xfrm>
+            <a:off x="838200" y="963877"/>
+            <a:ext cx="3494362" cy="4930246"/>
+          </a:xfrm>
+        </p:spPr>
         <p:txBody>
-          <a:bodyPr/>
+          <a:bodyPr>
+            <a:normAutofit/>
+          </a:bodyPr>
           <a:lstStyle/>
           <a:p>
-            <a:endParaRPr lang="ko-KR" altLang="en-US"/>
+            <a:pPr algn="r"/>
+            <a:r>
+              <a:rPr lang="en-US" altLang="ko-KR" dirty="0">
+                <a:solidFill>
+                  <a:schemeClr val="accent1"/>
+                </a:solidFill>
+              </a:rPr>
+              <a:t>this == </a:t>
+            </a:r>
+            <a:r>
+              <a:rPr lang="ko-KR" altLang="en-US" dirty="0">
+                <a:solidFill>
+                  <a:schemeClr val="accent1"/>
+                </a:solidFill>
+              </a:rPr>
+              <a:t>나</a:t>
+            </a:r>
           </a:p>
         </p:txBody>
       </p:sp>
+      <p:cxnSp>
+        <p:nvCxnSpPr>
+          <p:cNvPr id="17" name="Straight Connector 16">
+            <a:extLst>
+              <a:ext uri="{FF2B5EF4-FFF2-40B4-BE49-F238E27FC236}">
+                <a16:creationId xmlns:a16="http://schemas.microsoft.com/office/drawing/2014/main" id="{2D72A2C9-F3CA-4216-8BAD-FA4C970C3C4E}"/>
+              </a:ext>
+              <a:ext uri="{C183D7F6-B498-43B3-948B-1728B52AA6E4}">
+                <adec:decorative xmlns:adec="http://schemas.microsoft.com/office/drawing/2017/decorative" val="1"/>
+              </a:ext>
+            </a:extLst>
+          </p:cNvPr>
+          <p:cNvCxnSpPr>
+            <a:cxnSpLocks noGrp="1" noRot="1" noChangeAspect="1" noMove="1" noResize="1" noEditPoints="1" noAdjustHandles="1" noChangeArrowheads="1" noChangeShapeType="1"/>
+          </p:cNvCxnSpPr>
+          <p:nvPr>
+            <p:extLst>
+              <p:ext uri="{386F3935-93C4-4BCD-93E2-E3B085C9AB24}">
+                <p16:designElem xmlns:p16="http://schemas.microsoft.com/office/powerpoint/2015/main" val="1"/>
+              </p:ext>
+            </p:extLst>
+          </p:nvPr>
+        </p:nvCxnSpPr>
+        <p:spPr>
+          <a:xfrm>
+            <a:off x="4654296" y="2057400"/>
+            <a:ext cx="0" cy="2743200"/>
+          </a:xfrm>
+          <a:prstGeom prst="line">
+            <a:avLst/>
+          </a:prstGeom>
+          <a:ln w="19050">
+            <a:solidFill>
+              <a:schemeClr val="tx1">
+                <a:lumMod val="85000"/>
+                <a:lumOff val="15000"/>
+              </a:schemeClr>
+            </a:solidFill>
+          </a:ln>
+        </p:spPr>
+        <p:style>
+          <a:lnRef idx="1">
+            <a:schemeClr val="accent1"/>
+          </a:lnRef>
+          <a:fillRef idx="0">
+            <a:schemeClr val="accent1"/>
+          </a:fillRef>
+          <a:effectRef idx="0">
+            <a:schemeClr val="accent1"/>
+          </a:effectRef>
+          <a:fontRef idx="minor">
+            <a:schemeClr val="tx1"/>
+          </a:fontRef>
+        </p:style>
+      </p:cxnSp>
       <p:sp>
         <p:nvSpPr>
           <p:cNvPr id="3" name="내용 개체 틀 2">
@@ -11060,12 +12554,83 @@
             <p:ph idx="1"/>
           </p:nvPr>
         </p:nvSpPr>
-        <p:spPr/>
+        <p:spPr>
+          <a:xfrm>
+            <a:off x="4976031" y="963877"/>
+            <a:ext cx="6377769" cy="4930246"/>
+          </a:xfrm>
+        </p:spPr>
         <p:txBody>
-          <a:bodyPr/>
+          <a:bodyPr anchor="ctr">
+            <a:normAutofit/>
+          </a:bodyPr>
           <a:lstStyle/>
           <a:p>
-            <a:endParaRPr lang="ko-KR" altLang="en-US"/>
+            <a:pPr marL="0" indent="0">
+              <a:buNone/>
+            </a:pPr>
+            <a:r>
+              <a:rPr lang="en-US" altLang="ko-KR" sz="2400" dirty="0"/>
+              <a:t>this </a:t>
+            </a:r>
+            <a:r>
+              <a:rPr lang="ko-KR" altLang="en-US" sz="2400" dirty="0"/>
+              <a:t>는</a:t>
+            </a:r>
+            <a:r>
+              <a:rPr lang="en-US" altLang="ko-KR" sz="2400" dirty="0"/>
+              <a:t> </a:t>
+            </a:r>
+            <a:r>
+              <a:rPr lang="ko-KR" altLang="en-US" sz="2400" dirty="0"/>
+              <a:t>객체가 자신을 지칭할 때 사용하는 키워드입니다</a:t>
+            </a:r>
+            <a:r>
+              <a:rPr lang="en-US" altLang="ko-KR" sz="2400" dirty="0"/>
+              <a:t>.</a:t>
+            </a:r>
+          </a:p>
+          <a:p>
+            <a:pPr marL="0" indent="0">
+              <a:buNone/>
+            </a:pPr>
+            <a:r>
+              <a:rPr lang="ko-KR" altLang="en-US" sz="2400" dirty="0"/>
+              <a:t>객체 외부에서 접근할 경우 객체의 이름을 사용합니다</a:t>
+            </a:r>
+            <a:r>
+              <a:rPr lang="en-US" altLang="ko-KR" sz="2400" dirty="0"/>
+              <a:t>.</a:t>
+            </a:r>
+          </a:p>
+          <a:p>
+            <a:pPr marL="0" indent="0">
+              <a:buNone/>
+            </a:pPr>
+            <a:r>
+              <a:rPr lang="ko-KR" altLang="en-US" sz="2400" dirty="0"/>
+              <a:t>하지만</a:t>
+            </a:r>
+            <a:r>
+              <a:rPr lang="en-US" altLang="ko-KR" sz="2400" dirty="0"/>
+              <a:t>, </a:t>
+            </a:r>
+            <a:r>
+              <a:rPr lang="ko-KR" altLang="en-US" sz="2400" dirty="0"/>
+              <a:t>객체 내부에서 자신의 필드나 메서드에 접근할 경우 </a:t>
+            </a:r>
+            <a:r>
+              <a:rPr lang="en-US" altLang="ko-KR" sz="2400" dirty="0"/>
+              <a:t>this</a:t>
+            </a:r>
+            <a:r>
+              <a:rPr lang="ko-KR" altLang="en-US" sz="2400" dirty="0"/>
+              <a:t>를 사용합니다</a:t>
+            </a:r>
+            <a:r>
+              <a:rPr lang="en-US" altLang="ko-KR" sz="2400" dirty="0"/>
+              <a:t>.</a:t>
+            </a:r>
           </a:p>
         </p:txBody>
       </p:sp>
@@ -11082,7 +12647,7 @@
 </p:sld>
 </file>
 
-<file path=ppt/slides/slide17.xml><?xml version="1.0" encoding="utf-8"?>
+<file path=ppt/slides/slide18.xml><?xml version="1.0" encoding="utf-8"?>
 <p:sld xmlns:a="http://schemas.openxmlformats.org/drawingml/2006/main" xmlns:r="http://schemas.openxmlformats.org/officeDocument/2006/relationships" xmlns:p="http://schemas.openxmlformats.org/presentationml/2006/main">
   <p:cSld>
     <p:bg>
@@ -12354,9 +13919,17 @@
 </p:sld>
 </file>
 
-<file path=ppt/slides/slide18.xml><?xml version="1.0" encoding="utf-8"?>
+<file path=ppt/slides/slide19.xml><?xml version="1.0" encoding="utf-8"?>
 <p:sld xmlns:a="http://schemas.openxmlformats.org/drawingml/2006/main" xmlns:r="http://schemas.openxmlformats.org/officeDocument/2006/relationships" xmlns:p="http://schemas.openxmlformats.org/presentationml/2006/main">
   <p:cSld>
+    <p:bg>
+      <p:bgPr>
+        <a:solidFill>
+          <a:schemeClr val="bg1"/>
+        </a:solidFill>
+        <a:effectLst/>
+      </p:bgPr>
+    </p:bg>
     <p:spTree>
       <p:nvGrpSpPr>
         <p:cNvPr id="1" name=""/>
@@ -12373,109 +13946,75 @@
       </p:grpSpPr>
       <p:sp>
         <p:nvSpPr>
-          <p:cNvPr id="2" name="제목 1">
+          <p:cNvPr id="8" name="Rectangle 7">
             <a:extLst>
               <a:ext uri="{FF2B5EF4-FFF2-40B4-BE49-F238E27FC236}">
-                <a16:creationId xmlns:a16="http://schemas.microsoft.com/office/drawing/2014/main" id="{E19DA15C-745D-4EEA-B6AF-4B74256ACD50}"/>
+                <a16:creationId xmlns:a16="http://schemas.microsoft.com/office/drawing/2014/main" id="{8D70B121-56F4-4848-B38B-182089D909FA}"/>
+              </a:ext>
+              <a:ext uri="{C183D7F6-B498-43B3-948B-1728B52AA6E4}">
+                <adec:decorative xmlns:adec="http://schemas.microsoft.com/office/drawing/2017/decorative" val="1"/>
               </a:ext>
             </a:extLst>
           </p:cNvPr>
           <p:cNvSpPr>
-            <a:spLocks noGrp="1"/>
+            <a:spLocks noGrp="1" noRot="1" noChangeAspect="1" noMove="1" noResize="1" noEditPoints="1" noAdjustHandles="1" noChangeArrowheads="1" noChangeShapeType="1" noTextEdit="1"/>
           </p:cNvSpPr>
           <p:nvPr>
-            <p:ph type="title"/>
+            <p:extLst>
+              <p:ext uri="{386F3935-93C4-4BCD-93E2-E3B085C9AB24}">
+                <p16:designElem xmlns:p16="http://schemas.microsoft.com/office/powerpoint/2015/main" val="1"/>
+              </p:ext>
+            </p:extLst>
           </p:nvPr>
         </p:nvSpPr>
-        <p:spPr/>
+        <p:spPr bwMode="ltGray">
+          <a:xfrm>
+            <a:off x="321564" y="320040"/>
+            <a:ext cx="11548872" cy="6217920"/>
+          </a:xfrm>
+          <a:prstGeom prst="rect">
+            <a:avLst/>
+          </a:prstGeom>
+          <a:solidFill>
+            <a:schemeClr val="tx1">
+              <a:alpha val="8000"/>
+            </a:schemeClr>
+          </a:solidFill>
+          <a:ln w="127000" cap="sq" cmpd="thinThick">
+            <a:noFill/>
+          </a:ln>
+        </p:spPr>
+        <p:style>
+          <a:lnRef idx="2">
+            <a:schemeClr val="accent1">
+              <a:shade val="50000"/>
+            </a:schemeClr>
+          </a:lnRef>
+          <a:fillRef idx="1">
+            <a:schemeClr val="accent1"/>
+          </a:fillRef>
+          <a:effectRef idx="0">
+            <a:schemeClr val="accent1"/>
+          </a:effectRef>
+          <a:fontRef idx="minor">
+            <a:schemeClr val="lt1"/>
+          </a:fontRef>
+        </p:style>
         <p:txBody>
-          <a:bodyPr/>
+          <a:bodyPr rtlCol="0" anchor="ctr"/>
           <a:lstStyle/>
           <a:p>
-            <a:r>
-              <a:rPr lang="ko-KR" altLang="en-US" dirty="0"/>
-              <a:t>상속</a:t>
-            </a:r>
-            <a:r>
-              <a:rPr lang="en-US" altLang="ko-KR" dirty="0"/>
-              <a:t>(Inheritance)</a:t>
-            </a:r>
-            <a:r>
-              <a:rPr lang="ko-KR" altLang="en-US" dirty="0"/>
-              <a:t>이란</a:t>
-            </a:r>
-            <a:r>
-              <a:rPr lang="en-US" altLang="ko-KR" dirty="0"/>
-              <a:t>?</a:t>
-            </a:r>
-            <a:endParaRPr lang="ko-KR" altLang="en-US" dirty="0"/>
+            <a:pPr algn="ctr"/>
+            <a:endParaRPr lang="en-US"/>
           </a:p>
         </p:txBody>
       </p:sp>
       <p:sp>
         <p:nvSpPr>
-          <p:cNvPr id="3" name="내용 개체 틀 2">
+          <p:cNvPr id="2" name="제목 1">
             <a:extLst>
               <a:ext uri="{FF2B5EF4-FFF2-40B4-BE49-F238E27FC236}">
-                <a16:creationId xmlns:a16="http://schemas.microsoft.com/office/drawing/2014/main" id="{8595923D-3BE4-4D32-952D-8962F55F550F}"/>
-              </a:ext>
-            </a:extLst>
-          </p:cNvPr>
-          <p:cNvSpPr>
-            <a:spLocks noGrp="1"/>
-          </p:cNvSpPr>
-          <p:nvPr>
-            <p:ph idx="1"/>
-          </p:nvPr>
-        </p:nvSpPr>
-        <p:spPr/>
-        <p:txBody>
-          <a:bodyPr/>
-          <a:lstStyle/>
-          <a:p>
-            <a:pPr marL="0" indent="0">
-              <a:buNone/>
-            </a:pPr>
-            <a:endParaRPr lang="ko-KR" altLang="en-US" dirty="0"/>
-          </a:p>
-        </p:txBody>
-      </p:sp>
-    </p:spTree>
-    <p:extLst>
-      <p:ext uri="{BB962C8B-B14F-4D97-AF65-F5344CB8AC3E}">
-        <p14:creationId xmlns:p14="http://schemas.microsoft.com/office/powerpoint/2010/main" val="136320433"/>
-      </p:ext>
-    </p:extLst>
-  </p:cSld>
-  <p:clrMapOvr>
-    <a:masterClrMapping/>
-  </p:clrMapOvr>
-</p:sld>
-</file>
-
-<file path=ppt/slides/slide19.xml><?xml version="1.0" encoding="utf-8"?>
-<p:sld xmlns:a="http://schemas.openxmlformats.org/drawingml/2006/main" xmlns:r="http://schemas.openxmlformats.org/officeDocument/2006/relationships" xmlns:p="http://schemas.openxmlformats.org/presentationml/2006/main">
-  <p:cSld>
-    <p:spTree>
-      <p:nvGrpSpPr>
-        <p:cNvPr id="1" name=""/>
-        <p:cNvGrpSpPr/>
-        <p:nvPr/>
-      </p:nvGrpSpPr>
-      <p:grpSpPr>
-        <a:xfrm>
-          <a:off x="0" y="0"/>
-          <a:ext cx="0" cy="0"/>
-          <a:chOff x="0" y="0"/>
-          <a:chExt cx="0" cy="0"/>
-        </a:xfrm>
-      </p:grpSpPr>
-      <p:sp>
-        <p:nvSpPr>
-          <p:cNvPr id="2" name="제목 1">
-            <a:extLst>
-              <a:ext uri="{FF2B5EF4-FFF2-40B4-BE49-F238E27FC236}">
-                <a16:creationId xmlns:a16="http://schemas.microsoft.com/office/drawing/2014/main" id="{1AC3007B-9D4A-48F9-9AD2-4297A92B24B8}"/>
+                <a16:creationId xmlns:a16="http://schemas.microsoft.com/office/drawing/2014/main" id="{E19DA15C-745D-4EEA-B6AF-4B74256ACD50}"/>
               </a:ext>
             </a:extLst>
           </p:cNvPr>
@@ -12488,28 +14027,118 @@
         </p:nvSpPr>
         <p:spPr>
           <a:xfrm>
-            <a:off x="838200" y="365125"/>
-            <a:ext cx="10515600" cy="1325563"/>
+            <a:off x="838200" y="963877"/>
+            <a:ext cx="3494362" cy="4930246"/>
           </a:xfrm>
         </p:spPr>
         <p:txBody>
-          <a:bodyPr/>
+          <a:bodyPr>
+            <a:normAutofit/>
+          </a:bodyPr>
           <a:lstStyle/>
           <a:p>
-            <a:r>
-              <a:rPr lang="ko-KR" altLang="en-US"/>
-              <a:t>과제</a:t>
-            </a:r>
-            <a:endParaRPr lang="ko-KR" altLang="en-US" dirty="0"/>
+            <a:pPr algn="r"/>
+            <a:r>
+              <a:rPr lang="ko-KR" altLang="en-US">
+                <a:solidFill>
+                  <a:schemeClr val="accent1"/>
+                </a:solidFill>
+              </a:rPr>
+              <a:t>상속</a:t>
+            </a:r>
+            <a:r>
+              <a:rPr lang="en-US" altLang="ko-KR">
+                <a:solidFill>
+                  <a:schemeClr val="accent1"/>
+                </a:solidFill>
+              </a:rPr>
+              <a:t>(Inheritance)</a:t>
+            </a:r>
+            <a:r>
+              <a:rPr lang="ko-KR" altLang="en-US">
+                <a:solidFill>
+                  <a:schemeClr val="accent1"/>
+                </a:solidFill>
+              </a:rPr>
+              <a:t>이란</a:t>
+            </a:r>
+            <a:r>
+              <a:rPr lang="en-US" altLang="ko-KR">
+                <a:solidFill>
+                  <a:schemeClr val="accent1"/>
+                </a:solidFill>
+              </a:rPr>
+              <a:t>?</a:t>
+            </a:r>
+            <a:endParaRPr lang="ko-KR" altLang="en-US">
+              <a:solidFill>
+                <a:schemeClr val="accent1"/>
+              </a:solidFill>
+            </a:endParaRPr>
           </a:p>
         </p:txBody>
       </p:sp>
+      <p:cxnSp>
+        <p:nvCxnSpPr>
+          <p:cNvPr id="10" name="Straight Connector 9">
+            <a:extLst>
+              <a:ext uri="{FF2B5EF4-FFF2-40B4-BE49-F238E27FC236}">
+                <a16:creationId xmlns:a16="http://schemas.microsoft.com/office/drawing/2014/main" id="{2D72A2C9-F3CA-4216-8BAD-FA4C970C3C4E}"/>
+              </a:ext>
+              <a:ext uri="{C183D7F6-B498-43B3-948B-1728B52AA6E4}">
+                <adec:decorative xmlns:adec="http://schemas.microsoft.com/office/drawing/2017/decorative" val="1"/>
+              </a:ext>
+            </a:extLst>
+          </p:cNvPr>
+          <p:cNvCxnSpPr>
+            <a:cxnSpLocks noGrp="1" noRot="1" noChangeAspect="1" noMove="1" noResize="1" noEditPoints="1" noAdjustHandles="1" noChangeArrowheads="1" noChangeShapeType="1"/>
+          </p:cNvCxnSpPr>
+          <p:nvPr>
+            <p:extLst>
+              <p:ext uri="{386F3935-93C4-4BCD-93E2-E3B085C9AB24}">
+                <p16:designElem xmlns:p16="http://schemas.microsoft.com/office/powerpoint/2015/main" val="1"/>
+              </p:ext>
+            </p:extLst>
+          </p:nvPr>
+        </p:nvCxnSpPr>
+        <p:spPr>
+          <a:xfrm>
+            <a:off x="4654296" y="2057400"/>
+            <a:ext cx="0" cy="2743200"/>
+          </a:xfrm>
+          <a:prstGeom prst="line">
+            <a:avLst/>
+          </a:prstGeom>
+          <a:ln w="19050">
+            <a:solidFill>
+              <a:schemeClr val="tx1">
+                <a:lumMod val="85000"/>
+                <a:lumOff val="15000"/>
+              </a:schemeClr>
+            </a:solidFill>
+          </a:ln>
+        </p:spPr>
+        <p:style>
+          <a:lnRef idx="1">
+            <a:schemeClr val="accent1"/>
+          </a:lnRef>
+          <a:fillRef idx="0">
+            <a:schemeClr val="accent1"/>
+          </a:fillRef>
+          <a:effectRef idx="0">
+            <a:schemeClr val="accent1"/>
+          </a:effectRef>
+          <a:fontRef idx="minor">
+            <a:schemeClr val="tx1"/>
+          </a:fontRef>
+        </p:style>
+      </p:cxnSp>
       <p:sp>
         <p:nvSpPr>
           <p:cNvPr id="3" name="내용 개체 틀 2">
             <a:extLst>
               <a:ext uri="{FF2B5EF4-FFF2-40B4-BE49-F238E27FC236}">
-                <a16:creationId xmlns:a16="http://schemas.microsoft.com/office/drawing/2014/main" id="{E12359AD-3787-4D6B-A9B2-B8AD47FB9BA2}"/>
+                <a16:creationId xmlns:a16="http://schemas.microsoft.com/office/drawing/2014/main" id="{8595923D-3BE4-4D32-952D-8962F55F550F}"/>
               </a:ext>
             </a:extLst>
           </p:cNvPr>
@@ -12522,33 +14151,90 @@
         </p:nvSpPr>
         <p:spPr>
           <a:xfrm>
-            <a:off x="838200" y="1825625"/>
-            <a:ext cx="10515600" cy="4351338"/>
+            <a:off x="4976031" y="963877"/>
+            <a:ext cx="6668570" cy="4930246"/>
           </a:xfrm>
         </p:spPr>
         <p:txBody>
-          <a:bodyPr/>
+          <a:bodyPr anchor="ctr">
+            <a:normAutofit/>
+          </a:bodyPr>
           <a:lstStyle/>
           <a:p>
             <a:pPr marL="0" indent="0">
               <a:buNone/>
             </a:pPr>
             <a:r>
-              <a:rPr lang="en-US" altLang="ko-KR"/>
-              <a:t>3</a:t>
-            </a:r>
-            <a:r>
-              <a:rPr lang="ko-KR" altLang="en-US"/>
-              <a:t>주차 때 수업 내용을 보고 골라야합니다</a:t>
-            </a:r>
-            <a:endParaRPr lang="ko-KR" altLang="en-US" dirty="0"/>
+              <a:rPr lang="ko-KR" altLang="en-US" sz="2400" dirty="0"/>
+              <a:t>상속이란 새로운 클래스를 만들 때 기존에 있던 클래스의 </a:t>
+            </a:r>
+            <a:r>
+              <a:rPr lang="ko-KR" altLang="en-US" sz="2400" dirty="0" err="1"/>
+              <a:t>맴버를</a:t>
+            </a:r>
+            <a:r>
+              <a:rPr lang="ko-KR" altLang="en-US" sz="2400" dirty="0"/>
+              <a:t> 똑같이 주는 것을 말합니다</a:t>
+            </a:r>
+            <a:r>
+              <a:rPr lang="en-US" altLang="ko-KR" sz="2400" dirty="0"/>
+              <a:t>.</a:t>
+            </a:r>
+          </a:p>
+          <a:p>
+            <a:pPr marL="0" indent="0">
+              <a:buNone/>
+            </a:pPr>
+            <a:endParaRPr lang="en-US" altLang="ko-KR" sz="2400" dirty="0"/>
+          </a:p>
+          <a:p>
+            <a:pPr marL="0" indent="0">
+              <a:buNone/>
+            </a:pPr>
+            <a:r>
+              <a:rPr lang="ko-KR" altLang="en-US" sz="2400" dirty="0"/>
+              <a:t>기반 클래스 </a:t>
+            </a:r>
+            <a:r>
+              <a:rPr lang="en-US" altLang="ko-KR" sz="2400" dirty="0"/>
+              <a:t>-&gt; </a:t>
+            </a:r>
+            <a:r>
+              <a:rPr lang="ko-KR" altLang="en-US" sz="2400" dirty="0"/>
+              <a:t>파생 클래스</a:t>
+            </a:r>
+            <a:endParaRPr lang="en-US" altLang="ko-KR" sz="2400" dirty="0"/>
+          </a:p>
+          <a:p>
+            <a:pPr marL="0" indent="0">
+              <a:buNone/>
+            </a:pPr>
+            <a:r>
+              <a:rPr lang="ko-KR" altLang="en-US" sz="2400" dirty="0"/>
+              <a:t>부모 클래스 </a:t>
+            </a:r>
+            <a:r>
+              <a:rPr lang="en-US" altLang="ko-KR" sz="2400" dirty="0"/>
+              <a:t>-&gt; </a:t>
+            </a:r>
+            <a:r>
+              <a:rPr lang="ko-KR" altLang="en-US" sz="2400" dirty="0"/>
+              <a:t>자식 클래스라고 표현합니다</a:t>
+            </a:r>
+            <a:endParaRPr lang="en-US" altLang="ko-KR" sz="2400" dirty="0"/>
+          </a:p>
+          <a:p>
+            <a:pPr marL="0" indent="0">
+              <a:buNone/>
+            </a:pPr>
+            <a:endParaRPr lang="ko-KR" altLang="en-US" sz="2400" dirty="0"/>
           </a:p>
         </p:txBody>
       </p:sp>
     </p:spTree>
     <p:extLst>
       <p:ext uri="{BB962C8B-B14F-4D97-AF65-F5344CB8AC3E}">
-        <p14:creationId xmlns:p14="http://schemas.microsoft.com/office/powerpoint/2010/main" val="299941266"/>
+        <p14:creationId xmlns:p14="http://schemas.microsoft.com/office/powerpoint/2010/main" val="136320433"/>
       </p:ext>
     </p:extLst>
   </p:cSld>
@@ -13233,6 +14919,467 @@
 </file>
 
 <file path=ppt/slides/slide20.xml><?xml version="1.0" encoding="utf-8"?>
+<p:sld xmlns:a="http://schemas.openxmlformats.org/drawingml/2006/main" xmlns:r="http://schemas.openxmlformats.org/officeDocument/2006/relationships" xmlns:p="http://schemas.openxmlformats.org/presentationml/2006/main">
+  <p:cSld>
+    <p:bg>
+      <p:bgPr>
+        <a:solidFill>
+          <a:schemeClr val="bg1"/>
+        </a:solidFill>
+        <a:effectLst/>
+      </p:bgPr>
+    </p:bg>
+    <p:spTree>
+      <p:nvGrpSpPr>
+        <p:cNvPr id="1" name=""/>
+        <p:cNvGrpSpPr/>
+        <p:nvPr/>
+      </p:nvGrpSpPr>
+      <p:grpSpPr>
+        <a:xfrm>
+          <a:off x="0" y="0"/>
+          <a:ext cx="0" cy="0"/>
+          <a:chOff x="0" y="0"/>
+          <a:chExt cx="0" cy="0"/>
+        </a:xfrm>
+      </p:grpSpPr>
+      <p:sp>
+        <p:nvSpPr>
+          <p:cNvPr id="8" name="Rectangle 7">
+            <a:extLst>
+              <a:ext uri="{FF2B5EF4-FFF2-40B4-BE49-F238E27FC236}">
+                <a16:creationId xmlns:a16="http://schemas.microsoft.com/office/drawing/2014/main" id="{8D70B121-56F4-4848-B38B-182089D909FA}"/>
+              </a:ext>
+              <a:ext uri="{C183D7F6-B498-43B3-948B-1728B52AA6E4}">
+                <adec:decorative xmlns:adec="http://schemas.microsoft.com/office/drawing/2017/decorative" val="1"/>
+              </a:ext>
+            </a:extLst>
+          </p:cNvPr>
+          <p:cNvSpPr>
+            <a:spLocks noGrp="1" noRot="1" noChangeAspect="1" noMove="1" noResize="1" noEditPoints="1" noAdjustHandles="1" noChangeArrowheads="1" noChangeShapeType="1" noTextEdit="1"/>
+          </p:cNvSpPr>
+          <p:nvPr>
+            <p:extLst>
+              <p:ext uri="{386F3935-93C4-4BCD-93E2-E3B085C9AB24}">
+                <p16:designElem xmlns:p16="http://schemas.microsoft.com/office/powerpoint/2015/main" val="1"/>
+              </p:ext>
+            </p:extLst>
+          </p:nvPr>
+        </p:nvSpPr>
+        <p:spPr bwMode="ltGray">
+          <a:xfrm>
+            <a:off x="321564" y="320040"/>
+            <a:ext cx="11548872" cy="6217920"/>
+          </a:xfrm>
+          <a:prstGeom prst="rect">
+            <a:avLst/>
+          </a:prstGeom>
+          <a:solidFill>
+            <a:schemeClr val="tx1">
+              <a:alpha val="8000"/>
+            </a:schemeClr>
+          </a:solidFill>
+          <a:ln w="127000" cap="sq" cmpd="thinThick">
+            <a:noFill/>
+          </a:ln>
+        </p:spPr>
+        <p:style>
+          <a:lnRef idx="2">
+            <a:schemeClr val="accent1">
+              <a:shade val="50000"/>
+            </a:schemeClr>
+          </a:lnRef>
+          <a:fillRef idx="1">
+            <a:schemeClr val="accent1"/>
+          </a:fillRef>
+          <a:effectRef idx="0">
+            <a:schemeClr val="accent1"/>
+          </a:effectRef>
+          <a:fontRef idx="minor">
+            <a:schemeClr val="lt1"/>
+          </a:fontRef>
+        </p:style>
+        <p:txBody>
+          <a:bodyPr rtlCol="0" anchor="ctr"/>
+          <a:lstStyle/>
+          <a:p>
+            <a:pPr algn="ctr"/>
+            <a:endParaRPr lang="en-US"/>
+          </a:p>
+        </p:txBody>
+      </p:sp>
+      <p:sp>
+        <p:nvSpPr>
+          <p:cNvPr id="2" name="제목 1">
+            <a:extLst>
+              <a:ext uri="{FF2B5EF4-FFF2-40B4-BE49-F238E27FC236}">
+                <a16:creationId xmlns:a16="http://schemas.microsoft.com/office/drawing/2014/main" id="{6D7EC715-EA6E-436E-AC83-44E69A21106C}"/>
+              </a:ext>
+            </a:extLst>
+          </p:cNvPr>
+          <p:cNvSpPr>
+            <a:spLocks noGrp="1"/>
+          </p:cNvSpPr>
+          <p:nvPr>
+            <p:ph type="title"/>
+          </p:nvPr>
+        </p:nvSpPr>
+        <p:spPr>
+          <a:xfrm>
+            <a:off x="838200" y="963877"/>
+            <a:ext cx="3494362" cy="4930246"/>
+          </a:xfrm>
+        </p:spPr>
+        <p:txBody>
+          <a:bodyPr>
+            <a:normAutofit/>
+          </a:bodyPr>
+          <a:lstStyle/>
+          <a:p>
+            <a:pPr algn="r"/>
+            <a:r>
+              <a:rPr lang="ko-KR" altLang="en-US" dirty="0">
+                <a:solidFill>
+                  <a:schemeClr val="accent1"/>
+                </a:solidFill>
+              </a:rPr>
+              <a:t>상속 예시</a:t>
+            </a:r>
+          </a:p>
+        </p:txBody>
+      </p:sp>
+      <p:cxnSp>
+        <p:nvCxnSpPr>
+          <p:cNvPr id="10" name="Straight Connector 9">
+            <a:extLst>
+              <a:ext uri="{FF2B5EF4-FFF2-40B4-BE49-F238E27FC236}">
+                <a16:creationId xmlns:a16="http://schemas.microsoft.com/office/drawing/2014/main" id="{2D72A2C9-F3CA-4216-8BAD-FA4C970C3C4E}"/>
+              </a:ext>
+              <a:ext uri="{C183D7F6-B498-43B3-948B-1728B52AA6E4}">
+                <adec:decorative xmlns:adec="http://schemas.microsoft.com/office/drawing/2017/decorative" val="1"/>
+              </a:ext>
+            </a:extLst>
+          </p:cNvPr>
+          <p:cNvCxnSpPr>
+            <a:cxnSpLocks noGrp="1" noRot="1" noChangeAspect="1" noMove="1" noResize="1" noEditPoints="1" noAdjustHandles="1" noChangeArrowheads="1" noChangeShapeType="1"/>
+          </p:cNvCxnSpPr>
+          <p:nvPr>
+            <p:extLst>
+              <p:ext uri="{386F3935-93C4-4BCD-93E2-E3B085C9AB24}">
+                <p16:designElem xmlns:p16="http://schemas.microsoft.com/office/powerpoint/2015/main" val="1"/>
+              </p:ext>
+            </p:extLst>
+          </p:nvPr>
+        </p:nvCxnSpPr>
+        <p:spPr>
+          <a:xfrm>
+            <a:off x="4654296" y="2057400"/>
+            <a:ext cx="0" cy="2743200"/>
+          </a:xfrm>
+          <a:prstGeom prst="line">
+            <a:avLst/>
+          </a:prstGeom>
+          <a:ln w="19050">
+            <a:solidFill>
+              <a:schemeClr val="tx1">
+                <a:lumMod val="85000"/>
+                <a:lumOff val="15000"/>
+              </a:schemeClr>
+            </a:solidFill>
+          </a:ln>
+        </p:spPr>
+        <p:style>
+          <a:lnRef idx="1">
+            <a:schemeClr val="accent1"/>
+          </a:lnRef>
+          <a:fillRef idx="0">
+            <a:schemeClr val="accent1"/>
+          </a:fillRef>
+          <a:effectRef idx="0">
+            <a:schemeClr val="accent1"/>
+          </a:effectRef>
+          <a:fontRef idx="minor">
+            <a:schemeClr val="tx1"/>
+          </a:fontRef>
+        </p:style>
+      </p:cxnSp>
+      <p:sp>
+        <p:nvSpPr>
+          <p:cNvPr id="3" name="내용 개체 틀 2">
+            <a:extLst>
+              <a:ext uri="{FF2B5EF4-FFF2-40B4-BE49-F238E27FC236}">
+                <a16:creationId xmlns:a16="http://schemas.microsoft.com/office/drawing/2014/main" id="{31D342E9-AA3D-4115-8591-69531D29E84B}"/>
+              </a:ext>
+            </a:extLst>
+          </p:cNvPr>
+          <p:cNvSpPr>
+            <a:spLocks noGrp="1"/>
+          </p:cNvSpPr>
+          <p:nvPr>
+            <p:ph idx="1"/>
+          </p:nvPr>
+        </p:nvSpPr>
+        <p:spPr>
+          <a:xfrm>
+            <a:off x="4976031" y="963877"/>
+            <a:ext cx="6377769" cy="4930246"/>
+          </a:xfrm>
+        </p:spPr>
+        <p:txBody>
+          <a:bodyPr anchor="ctr">
+            <a:normAutofit/>
+          </a:bodyPr>
+          <a:lstStyle/>
+          <a:p>
+            <a:pPr marL="0" indent="0">
+              <a:buNone/>
+            </a:pPr>
+            <a:r>
+              <a:rPr lang="en-US" altLang="ko-KR" sz="2400" dirty="0"/>
+              <a:t>class </a:t>
+            </a:r>
+            <a:r>
+              <a:rPr lang="ko-KR" altLang="en-US" sz="2400" dirty="0"/>
+              <a:t>부모 클래스</a:t>
+            </a:r>
+            <a:endParaRPr lang="en-US" altLang="ko-KR" sz="2400" dirty="0"/>
+          </a:p>
+          <a:p>
+            <a:pPr marL="0" indent="0">
+              <a:buNone/>
+            </a:pPr>
+            <a:r>
+              <a:rPr lang="en-US" altLang="ko-KR" sz="2400" dirty="0"/>
+              <a:t>{</a:t>
+            </a:r>
+          </a:p>
+          <a:p>
+            <a:pPr marL="0" indent="0">
+              <a:buNone/>
+            </a:pPr>
+            <a:r>
+              <a:rPr lang="en-US" altLang="ko-KR" sz="2400" dirty="0"/>
+              <a:t>	//</a:t>
+            </a:r>
+            <a:r>
+              <a:rPr lang="ko-KR" altLang="en-US" sz="2400" dirty="0" err="1"/>
+              <a:t>맴버</a:t>
+            </a:r>
+            <a:endParaRPr lang="en-US" altLang="ko-KR" sz="2400" dirty="0"/>
+          </a:p>
+          <a:p>
+            <a:pPr marL="0" indent="0">
+              <a:buNone/>
+            </a:pPr>
+            <a:r>
+              <a:rPr lang="en-US" altLang="ko-KR" sz="2400" dirty="0"/>
+              <a:t>}</a:t>
+            </a:r>
+          </a:p>
+          <a:p>
+            <a:pPr marL="0" indent="0">
+              <a:buNone/>
+            </a:pPr>
+            <a:endParaRPr lang="en-US" altLang="ko-KR" sz="2400" dirty="0"/>
+          </a:p>
+          <a:p>
+            <a:pPr marL="0" indent="0">
+              <a:buNone/>
+            </a:pPr>
+            <a:r>
+              <a:rPr lang="en-US" altLang="ko-KR" sz="2400" dirty="0"/>
+              <a:t>class </a:t>
+            </a:r>
+            <a:r>
+              <a:rPr lang="ko-KR" altLang="en-US" sz="2400" dirty="0"/>
+              <a:t>자식 클래스 </a:t>
+            </a:r>
+            <a:r>
+              <a:rPr lang="en-US" altLang="ko-KR" sz="2400" dirty="0"/>
+              <a:t>:  </a:t>
+            </a:r>
+            <a:r>
+              <a:rPr lang="ko-KR" altLang="en-US" sz="2400" dirty="0"/>
+              <a:t>부모 클래스</a:t>
+            </a:r>
+            <a:endParaRPr lang="en-US" altLang="ko-KR" sz="2400" dirty="0"/>
+          </a:p>
+          <a:p>
+            <a:pPr marL="0" indent="0">
+              <a:buNone/>
+            </a:pPr>
+            <a:r>
+              <a:rPr lang="en-US" altLang="ko-KR" sz="2400" dirty="0"/>
+              <a:t>{</a:t>
+            </a:r>
+          </a:p>
+          <a:p>
+            <a:pPr marL="0" indent="0">
+              <a:buNone/>
+            </a:pPr>
+            <a:r>
+              <a:rPr lang="en-US" altLang="ko-KR" sz="2400" dirty="0"/>
+              <a:t>	//</a:t>
+            </a:r>
+            <a:r>
+              <a:rPr lang="ko-KR" altLang="en-US" sz="2400" dirty="0"/>
+              <a:t>아무 </a:t>
+            </a:r>
+            <a:r>
+              <a:rPr lang="ko-KR" altLang="en-US" sz="2400" dirty="0" err="1"/>
+              <a:t>맴버를</a:t>
+            </a:r>
+            <a:r>
+              <a:rPr lang="ko-KR" altLang="en-US" sz="2400" dirty="0"/>
+              <a:t> 선언하지 않아도 기반 클래스의 모든 것을</a:t>
+            </a:r>
+            <a:endParaRPr lang="en-US" altLang="ko-KR" sz="2400" dirty="0"/>
+          </a:p>
+          <a:p>
+            <a:pPr marL="0" indent="0">
+              <a:buNone/>
+            </a:pPr>
+            <a:r>
+              <a:rPr lang="en-US" altLang="ko-KR" sz="2400" dirty="0"/>
+              <a:t>	//</a:t>
+            </a:r>
+            <a:r>
+              <a:rPr lang="ko-KR" altLang="en-US" sz="2400" dirty="0"/>
+              <a:t>받게 됩니다</a:t>
+            </a:r>
+            <a:endParaRPr lang="en-US" altLang="ko-KR" sz="2400" dirty="0"/>
+          </a:p>
+          <a:p>
+            <a:pPr marL="0" indent="0">
+              <a:buNone/>
+            </a:pPr>
+            <a:r>
+              <a:rPr lang="en-US" altLang="ko-KR" sz="2400" dirty="0"/>
+              <a:t>} </a:t>
+            </a:r>
+            <a:endParaRPr lang="ko-KR" altLang="en-US" sz="2400" dirty="0"/>
+          </a:p>
+        </p:txBody>
+      </p:sp>
+    </p:spTree>
+    <p:extLst>
+      <p:ext uri="{BB962C8B-B14F-4D97-AF65-F5344CB8AC3E}">
+        <p14:creationId xmlns:p14="http://schemas.microsoft.com/office/powerpoint/2010/main" val="1588681266"/>
+      </p:ext>
+    </p:extLst>
+  </p:cSld>
+  <p:clrMapOvr>
+    <a:masterClrMapping/>
+  </p:clrMapOvr>
+</p:sld>
+</file>
+
+<file path=ppt/slides/slide21.xml><?xml version="1.0" encoding="utf-8"?>
+<p:sld xmlns:a="http://schemas.openxmlformats.org/drawingml/2006/main" xmlns:r="http://schemas.openxmlformats.org/officeDocument/2006/relationships" xmlns:p="http://schemas.openxmlformats.org/presentationml/2006/main">
+  <p:cSld>
+    <p:spTree>
+      <p:nvGrpSpPr>
+        <p:cNvPr id="1" name=""/>
+        <p:cNvGrpSpPr/>
+        <p:nvPr/>
+      </p:nvGrpSpPr>
+      <p:grpSpPr>
+        <a:xfrm>
+          <a:off x="0" y="0"/>
+          <a:ext cx="0" cy="0"/>
+          <a:chOff x="0" y="0"/>
+          <a:chExt cx="0" cy="0"/>
+        </a:xfrm>
+      </p:grpSpPr>
+      <p:sp>
+        <p:nvSpPr>
+          <p:cNvPr id="2" name="제목 1">
+            <a:extLst>
+              <a:ext uri="{FF2B5EF4-FFF2-40B4-BE49-F238E27FC236}">
+                <a16:creationId xmlns:a16="http://schemas.microsoft.com/office/drawing/2014/main" id="{1AC3007B-9D4A-48F9-9AD2-4297A92B24B8}"/>
+              </a:ext>
+            </a:extLst>
+          </p:cNvPr>
+          <p:cNvSpPr>
+            <a:spLocks noGrp="1"/>
+          </p:cNvSpPr>
+          <p:nvPr>
+            <p:ph type="title"/>
+          </p:nvPr>
+        </p:nvSpPr>
+        <p:spPr>
+          <a:xfrm>
+            <a:off x="838200" y="365125"/>
+            <a:ext cx="10515600" cy="1325563"/>
+          </a:xfrm>
+        </p:spPr>
+        <p:txBody>
+          <a:bodyPr/>
+          <a:lstStyle/>
+          <a:p>
+            <a:r>
+              <a:rPr lang="ko-KR" altLang="en-US"/>
+              <a:t>과제</a:t>
+            </a:r>
+            <a:endParaRPr lang="ko-KR" altLang="en-US" dirty="0"/>
+          </a:p>
+        </p:txBody>
+      </p:sp>
+      <p:sp>
+        <p:nvSpPr>
+          <p:cNvPr id="3" name="내용 개체 틀 2">
+            <a:extLst>
+              <a:ext uri="{FF2B5EF4-FFF2-40B4-BE49-F238E27FC236}">
+                <a16:creationId xmlns:a16="http://schemas.microsoft.com/office/drawing/2014/main" id="{E12359AD-3787-4D6B-A9B2-B8AD47FB9BA2}"/>
+              </a:ext>
+            </a:extLst>
+          </p:cNvPr>
+          <p:cNvSpPr>
+            <a:spLocks noGrp="1"/>
+          </p:cNvSpPr>
+          <p:nvPr>
+            <p:ph idx="1"/>
+          </p:nvPr>
+        </p:nvSpPr>
+        <p:spPr>
+          <a:xfrm>
+            <a:off x="838200" y="1825625"/>
+            <a:ext cx="10515600" cy="4351338"/>
+          </a:xfrm>
+        </p:spPr>
+        <p:txBody>
+          <a:bodyPr/>
+          <a:lstStyle/>
+          <a:p>
+            <a:pPr marL="0" indent="0">
+              <a:buNone/>
+            </a:pPr>
+            <a:r>
+              <a:rPr lang="en-US" altLang="ko-KR"/>
+              <a:t>3</a:t>
+            </a:r>
+            <a:r>
+              <a:rPr lang="ko-KR" altLang="en-US"/>
+              <a:t>주차 때 수업 내용을 보고 골라야합니다</a:t>
+            </a:r>
+            <a:endParaRPr lang="ko-KR" altLang="en-US" dirty="0"/>
+          </a:p>
+        </p:txBody>
+      </p:sp>
+    </p:spTree>
+    <p:extLst>
+      <p:ext uri="{BB962C8B-B14F-4D97-AF65-F5344CB8AC3E}">
+        <p14:creationId xmlns:p14="http://schemas.microsoft.com/office/powerpoint/2010/main" val="299941266"/>
+      </p:ext>
+    </p:extLst>
+  </p:cSld>
+  <p:clrMapOvr>
+    <a:masterClrMapping/>
+  </p:clrMapOvr>
+</p:sld>
+</file>
+
+<file path=ppt/slides/slide22.xml><?xml version="1.0" encoding="utf-8"?>
 <p:sld xmlns:a="http://schemas.openxmlformats.org/drawingml/2006/main" xmlns:r="http://schemas.openxmlformats.org/officeDocument/2006/relationships" xmlns:p="http://schemas.openxmlformats.org/presentationml/2006/main">
   <p:cSld>
     <p:bg>

--- a/c# 스터디 4주 차.pptx
+++ b/c# 스터디 4주 차.pptx
@@ -3330,7 +3330,7 @@
           <a:p>
             <a:fld id="{3AA139E6-9E3E-4897-960D-AD1496A2E346}" type="datetimeFigureOut">
               <a:rPr lang="ko-KR" altLang="en-US" smtClean="0"/>
-              <a:t>2020-02-25</a:t>
+              <a:t>2020-02-26</a:t>
             </a:fld>
             <a:endParaRPr lang="ko-KR" altLang="en-US"/>
           </a:p>
@@ -3528,7 +3528,7 @@
           <a:p>
             <a:fld id="{3AA139E6-9E3E-4897-960D-AD1496A2E346}" type="datetimeFigureOut">
               <a:rPr lang="ko-KR" altLang="en-US" smtClean="0"/>
-              <a:t>2020-02-25</a:t>
+              <a:t>2020-02-26</a:t>
             </a:fld>
             <a:endParaRPr lang="ko-KR" altLang="en-US"/>
           </a:p>
@@ -3736,7 +3736,7 @@
           <a:p>
             <a:fld id="{3AA139E6-9E3E-4897-960D-AD1496A2E346}" type="datetimeFigureOut">
               <a:rPr lang="ko-KR" altLang="en-US" smtClean="0"/>
-              <a:t>2020-02-25</a:t>
+              <a:t>2020-02-26</a:t>
             </a:fld>
             <a:endParaRPr lang="ko-KR" altLang="en-US"/>
           </a:p>
@@ -3934,7 +3934,7 @@
           <a:p>
             <a:fld id="{3AA139E6-9E3E-4897-960D-AD1496A2E346}" type="datetimeFigureOut">
               <a:rPr lang="ko-KR" altLang="en-US" smtClean="0"/>
-              <a:t>2020-02-25</a:t>
+              <a:t>2020-02-26</a:t>
             </a:fld>
             <a:endParaRPr lang="ko-KR" altLang="en-US"/>
           </a:p>
@@ -4209,7 +4209,7 @@
           <a:p>
             <a:fld id="{3AA139E6-9E3E-4897-960D-AD1496A2E346}" type="datetimeFigureOut">
               <a:rPr lang="ko-KR" altLang="en-US" smtClean="0"/>
-              <a:t>2020-02-25</a:t>
+              <a:t>2020-02-26</a:t>
             </a:fld>
             <a:endParaRPr lang="ko-KR" altLang="en-US"/>
           </a:p>
@@ -4474,7 +4474,7 @@
           <a:p>
             <a:fld id="{3AA139E6-9E3E-4897-960D-AD1496A2E346}" type="datetimeFigureOut">
               <a:rPr lang="ko-KR" altLang="en-US" smtClean="0"/>
-              <a:t>2020-02-25</a:t>
+              <a:t>2020-02-26</a:t>
             </a:fld>
             <a:endParaRPr lang="ko-KR" altLang="en-US"/>
           </a:p>
@@ -4886,7 +4886,7 @@
           <a:p>
             <a:fld id="{3AA139E6-9E3E-4897-960D-AD1496A2E346}" type="datetimeFigureOut">
               <a:rPr lang="ko-KR" altLang="en-US" smtClean="0"/>
-              <a:t>2020-02-25</a:t>
+              <a:t>2020-02-26</a:t>
             </a:fld>
             <a:endParaRPr lang="ko-KR" altLang="en-US"/>
           </a:p>
@@ -5027,7 +5027,7 @@
           <a:p>
             <a:fld id="{3AA139E6-9E3E-4897-960D-AD1496A2E346}" type="datetimeFigureOut">
               <a:rPr lang="ko-KR" altLang="en-US" smtClean="0"/>
-              <a:t>2020-02-25</a:t>
+              <a:t>2020-02-26</a:t>
             </a:fld>
             <a:endParaRPr lang="ko-KR" altLang="en-US"/>
           </a:p>
@@ -5140,7 +5140,7 @@
           <a:p>
             <a:fld id="{3AA139E6-9E3E-4897-960D-AD1496A2E346}" type="datetimeFigureOut">
               <a:rPr lang="ko-KR" altLang="en-US" smtClean="0"/>
-              <a:t>2020-02-25</a:t>
+              <a:t>2020-02-26</a:t>
             </a:fld>
             <a:endParaRPr lang="ko-KR" altLang="en-US"/>
           </a:p>
@@ -5451,7 +5451,7 @@
           <a:p>
             <a:fld id="{3AA139E6-9E3E-4897-960D-AD1496A2E346}" type="datetimeFigureOut">
               <a:rPr lang="ko-KR" altLang="en-US" smtClean="0"/>
-              <a:t>2020-02-25</a:t>
+              <a:t>2020-02-26</a:t>
             </a:fld>
             <a:endParaRPr lang="ko-KR" altLang="en-US"/>
           </a:p>
@@ -5739,7 +5739,7 @@
           <a:p>
             <a:fld id="{3AA139E6-9E3E-4897-960D-AD1496A2E346}" type="datetimeFigureOut">
               <a:rPr lang="ko-KR" altLang="en-US" smtClean="0"/>
-              <a:t>2020-02-25</a:t>
+              <a:t>2020-02-26</a:t>
             </a:fld>
             <a:endParaRPr lang="ko-KR" altLang="en-US"/>
           </a:p>
@@ -5980,7 +5980,7 @@
           <a:p>
             <a:fld id="{3AA139E6-9E3E-4897-960D-AD1496A2E346}" type="datetimeFigureOut">
               <a:rPr lang="ko-KR" altLang="en-US" smtClean="0"/>
-              <a:t>2020-02-25</a:t>
+              <a:t>2020-02-26</a:t>
             </a:fld>
             <a:endParaRPr lang="ko-KR" altLang="en-US"/>
           </a:p>
@@ -6386,7 +6386,10 @@
     <p:bg>
       <p:bgPr>
         <a:solidFill>
-          <a:schemeClr val="bg1"/>
+          <a:schemeClr val="bg1">
+            <a:tint val="95000"/>
+            <a:satMod val="170000"/>
+          </a:schemeClr>
         </a:solidFill>
         <a:effectLst/>
       </p:bgPr>
@@ -6405,12 +6408,167 @@
           <a:chExt cx="0" cy="0"/>
         </a:xfrm>
       </p:grpSpPr>
-      <p:sp useBgFill="1">
+      <p:grpSp>
+        <p:nvGrpSpPr>
+          <p:cNvPr id="38" name="Group 37">
+            <a:extLst>
+              <a:ext uri="{FF2B5EF4-FFF2-40B4-BE49-F238E27FC236}">
+                <a16:creationId xmlns:a16="http://schemas.microsoft.com/office/drawing/2014/main" id="{D2C4BFA1-2075-4901-9E24-E41D1FDD51FD}"/>
+              </a:ext>
+              <a:ext uri="{C183D7F6-B498-43B3-948B-1728B52AA6E4}">
+                <adec:decorative xmlns:adec="http://schemas.microsoft.com/office/drawing/2017/decorative" val="1"/>
+              </a:ext>
+            </a:extLst>
+          </p:cNvPr>
+          <p:cNvGrpSpPr>
+            <a:grpSpLocks noGrp="1" noUngrp="1" noRot="1" noChangeAspect="1" noMove="1" noResize="1"/>
+          </p:cNvGrpSpPr>
+          <p:nvPr>
+            <p:extLst>
+              <p:ext uri="{386F3935-93C4-4BCD-93E2-E3B085C9AB24}">
+                <p16:designElem xmlns:p16="http://schemas.microsoft.com/office/powerpoint/2015/main" val="1"/>
+              </p:ext>
+            </p:extLst>
+          </p:nvPr>
+        </p:nvGrpSpPr>
+        <p:grpSpPr>
+          <a:xfrm>
+            <a:off x="1155481" y="498348"/>
+            <a:ext cx="9902663" cy="5861304"/>
+            <a:chOff x="1155481" y="498348"/>
+            <a:chExt cx="9902663" cy="5861304"/>
+          </a:xfrm>
+        </p:grpSpPr>
+        <p:sp>
+          <p:nvSpPr>
+            <p:cNvPr id="39" name="Oval 5">
+              <a:extLst>
+                <a:ext uri="{FF2B5EF4-FFF2-40B4-BE49-F238E27FC236}">
+                  <a16:creationId xmlns:a16="http://schemas.microsoft.com/office/drawing/2014/main" id="{985A7375-E3AF-4F5C-85AE-17E8832952CA}"/>
+                </a:ext>
+                <a:ext uri="{C183D7F6-B498-43B3-948B-1728B52AA6E4}">
+                  <adec:decorative xmlns:adec="http://schemas.microsoft.com/office/drawing/2017/decorative" val="1"/>
+                </a:ext>
+              </a:extLst>
+            </p:cNvPr>
+            <p:cNvSpPr>
+              <a:spLocks noChangeArrowheads="1"/>
+            </p:cNvSpPr>
+            <p:nvPr>
+              <p:extLst>
+                <p:ext uri="{386F3935-93C4-4BCD-93E2-E3B085C9AB24}">
+                  <p16:designElem xmlns:p16="http://schemas.microsoft.com/office/powerpoint/2015/main" val="1"/>
+                </p:ext>
+              </p:extLst>
+            </p:nvPr>
+          </p:nvSpPr>
+          <p:spPr bwMode="auto">
+            <a:xfrm>
+              <a:off x="1155481" y="498348"/>
+              <a:ext cx="5861304" cy="5861304"/>
+            </a:xfrm>
+            <a:prstGeom prst="ellipse">
+              <a:avLst/>
+            </a:prstGeom>
+            <a:solidFill>
+              <a:schemeClr val="accent1">
+                <a:alpha val="55000"/>
+              </a:schemeClr>
+            </a:solidFill>
+            <a:ln>
+              <a:noFill/>
+            </a:ln>
+          </p:spPr>
+        </p:sp>
+        <p:sp>
+          <p:nvSpPr>
+            <p:cNvPr id="40" name="Oval 39">
+              <a:extLst>
+                <a:ext uri="{FF2B5EF4-FFF2-40B4-BE49-F238E27FC236}">
+                  <a16:creationId xmlns:a16="http://schemas.microsoft.com/office/drawing/2014/main" id="{F0307F65-8304-4FA8-A841-D4D7625411BE}"/>
+                </a:ext>
+                <a:ext uri="{C183D7F6-B498-43B3-948B-1728B52AA6E4}">
+                  <adec:decorative xmlns:adec="http://schemas.microsoft.com/office/drawing/2017/decorative" val="1"/>
+                </a:ext>
+              </a:extLst>
+            </p:cNvPr>
+            <p:cNvSpPr>
+              <a:spLocks noChangeArrowheads="1"/>
+            </p:cNvSpPr>
+            <p:nvPr>
+              <p:extLst>
+                <p:ext uri="{386F3935-93C4-4BCD-93E2-E3B085C9AB24}">
+                  <p16:designElem xmlns:p16="http://schemas.microsoft.com/office/powerpoint/2015/main" val="1"/>
+                </p:ext>
+              </p:extLst>
+            </p:nvPr>
+          </p:nvSpPr>
+          <p:spPr bwMode="auto">
+            <a:xfrm>
+              <a:off x="5196840" y="498348"/>
+              <a:ext cx="5861304" cy="5861304"/>
+            </a:xfrm>
+            <a:prstGeom prst="ellipse">
+              <a:avLst/>
+            </a:prstGeom>
+            <a:solidFill>
+              <a:schemeClr val="accent1">
+                <a:alpha val="55000"/>
+              </a:schemeClr>
+            </a:solidFill>
+            <a:ln>
+              <a:noFill/>
+            </a:ln>
+          </p:spPr>
+        </p:sp>
+        <p:sp>
+          <p:nvSpPr>
+            <p:cNvPr id="41" name="Oval 5">
+              <a:extLst>
+                <a:ext uri="{FF2B5EF4-FFF2-40B4-BE49-F238E27FC236}">
+                  <a16:creationId xmlns:a16="http://schemas.microsoft.com/office/drawing/2014/main" id="{C8B8394C-136F-4E05-A002-D93A5E79CD50}"/>
+                </a:ext>
+                <a:ext uri="{C183D7F6-B498-43B3-948B-1728B52AA6E4}">
+                  <adec:decorative xmlns:adec="http://schemas.microsoft.com/office/drawing/2017/decorative" val="1"/>
+                </a:ext>
+              </a:extLst>
+            </p:cNvPr>
+            <p:cNvSpPr>
+              <a:spLocks noChangeArrowheads="1"/>
+            </p:cNvSpPr>
+            <p:nvPr>
+              <p:extLst>
+                <p:ext uri="{386F3935-93C4-4BCD-93E2-E3B085C9AB24}">
+                  <p16:designElem xmlns:p16="http://schemas.microsoft.com/office/powerpoint/2015/main" val="1"/>
+                </p:ext>
+              </p:extLst>
+            </p:nvPr>
+          </p:nvSpPr>
+          <p:spPr bwMode="auto">
+            <a:xfrm>
+              <a:off x="3165348" y="498348"/>
+              <a:ext cx="5861304" cy="5861304"/>
+            </a:xfrm>
+            <a:prstGeom prst="ellipse">
+              <a:avLst/>
+            </a:prstGeom>
+            <a:solidFill>
+              <a:schemeClr val="accent1">
+                <a:alpha val="70000"/>
+              </a:schemeClr>
+            </a:solidFill>
+            <a:ln>
+              <a:noFill/>
+            </a:ln>
+          </p:spPr>
+        </p:sp>
+      </p:grpSp>
+      <p:sp>
         <p:nvSpPr>
-          <p:cNvPr id="23" name="Rectangle 22">
+          <p:cNvPr id="43" name="Rectangle 42">
             <a:extLst>
               <a:ext uri="{FF2B5EF4-FFF2-40B4-BE49-F238E27FC236}">
-                <a16:creationId xmlns:a16="http://schemas.microsoft.com/office/drawing/2014/main" id="{559AE206-7EBA-4D33-8BC9-9D8158553F0E}"/>
+                <a16:creationId xmlns:a16="http://schemas.microsoft.com/office/drawing/2014/main" id="{053FB2EE-284F-4C87-AB3D-BBF87A9FAB97}"/>
               </a:ext>
               <a:ext uri="{C183D7F6-B498-43B3-948B-1728B52AA6E4}">
                 <adec:decorative xmlns:adec="http://schemas.microsoft.com/office/drawing/2017/decorative" val="1"/>
@@ -6430,193 +6588,14 @@
         </p:nvSpPr>
         <p:spPr>
           <a:xfrm>
-            <a:off x="0" y="0"/>
-            <a:ext cx="12192000" cy="6858000"/>
+            <a:off x="0" y="2514600"/>
+            <a:ext cx="12192000" cy="1828800"/>
           </a:xfrm>
           <a:prstGeom prst="rect">
             <a:avLst/>
           </a:prstGeom>
-          <a:ln>
-            <a:noFill/>
-          </a:ln>
-        </p:spPr>
-        <p:style>
-          <a:lnRef idx="2">
-            <a:schemeClr val="accent1">
-              <a:shade val="50000"/>
-            </a:schemeClr>
-          </a:lnRef>
-          <a:fillRef idx="1">
-            <a:schemeClr val="accent1"/>
-          </a:fillRef>
-          <a:effectRef idx="0">
-            <a:schemeClr val="accent1"/>
-          </a:effectRef>
-          <a:fontRef idx="minor">
-            <a:schemeClr val="lt1"/>
-          </a:fontRef>
-        </p:style>
-        <p:txBody>
-          <a:bodyPr rtlCol="0" anchor="ctr"/>
-          <a:lstStyle/>
-          <a:p>
-            <a:pPr marL="0" marR="0" lvl="0" indent="0" algn="ctr" defTabSz="914400" rtl="0" eaLnBrk="1" fontAlgn="auto" latinLnBrk="0" hangingPunct="1">
-              <a:lnSpc>
-                <a:spcPct val="100000"/>
-              </a:lnSpc>
-              <a:spcBef>
-                <a:spcPts val="0"/>
-              </a:spcBef>
-              <a:spcAft>
-                <a:spcPts val="0"/>
-              </a:spcAft>
-              <a:buClrTx/>
-              <a:buSzTx/>
-              <a:buFontTx/>
-              <a:buNone/>
-              <a:tabLst/>
-              <a:defRPr/>
-            </a:pPr>
-            <a:endParaRPr kumimoji="0" lang="en-US" sz="1800" b="0" i="0" u="none" strike="noStrike" kern="1200" cap="none" spc="0" normalizeH="0" baseline="0" noProof="0">
-              <a:ln>
-                <a:noFill/>
-              </a:ln>
-              <a:solidFill>
-                <a:prstClr val="white"/>
-              </a:solidFill>
-              <a:effectLst/>
-              <a:uLnTx/>
-              <a:uFillTx/>
-              <a:latin typeface="Calibri" panose="020F0502020204030204"/>
-              <a:ea typeface="+mn-ea"/>
-              <a:cs typeface="+mn-cs"/>
-            </a:endParaRPr>
-          </a:p>
-        </p:txBody>
-      </p:sp>
-      <p:sp>
-        <p:nvSpPr>
-          <p:cNvPr id="2" name="제목 1">
-            <a:extLst>
-              <a:ext uri="{FF2B5EF4-FFF2-40B4-BE49-F238E27FC236}">
-                <a16:creationId xmlns:a16="http://schemas.microsoft.com/office/drawing/2014/main" id="{DDABC8E6-832F-4F72-8D79-BFA257487FF4}"/>
-              </a:ext>
-            </a:extLst>
-          </p:cNvPr>
-          <p:cNvSpPr>
-            <a:spLocks noGrp="1"/>
-          </p:cNvSpPr>
-          <p:nvPr>
-            <p:ph type="ctrTitle"/>
-          </p:nvPr>
-        </p:nvSpPr>
-        <p:spPr>
-          <a:xfrm>
-            <a:off x="838199" y="4525347"/>
-            <a:ext cx="6801321" cy="1737360"/>
-          </a:xfrm>
-        </p:spPr>
-        <p:txBody>
-          <a:bodyPr anchor="ctr">
-            <a:normAutofit/>
-          </a:bodyPr>
-          <a:lstStyle/>
-          <a:p>
-            <a:pPr algn="r"/>
-            <a:r>
-              <a:rPr lang="en-US" altLang="ko-KR" dirty="0" err="1"/>
-              <a:t>c#</a:t>
-            </a:r>
-            <a:r>
-              <a:rPr lang="en-US" altLang="ko-KR" dirty="0"/>
-              <a:t> </a:t>
-            </a:r>
-            <a:r>
-              <a:rPr lang="ko-KR" altLang="en-US" dirty="0"/>
-              <a:t>스터디 </a:t>
-            </a:r>
-            <a:r>
-              <a:rPr lang="en-US" altLang="ko-KR" dirty="0"/>
-              <a:t>4</a:t>
-            </a:r>
-            <a:r>
-              <a:rPr lang="ko-KR" altLang="en-US" dirty="0"/>
-              <a:t>주 차</a:t>
-            </a:r>
-            <a:endParaRPr lang="ko-KR" altLang="en-US"/>
-          </a:p>
-        </p:txBody>
-      </p:sp>
-      <p:sp>
-        <p:nvSpPr>
-          <p:cNvPr id="3" name="부제목 2">
-            <a:extLst>
-              <a:ext uri="{FF2B5EF4-FFF2-40B4-BE49-F238E27FC236}">
-                <a16:creationId xmlns:a16="http://schemas.microsoft.com/office/drawing/2014/main" id="{5C3AE9F6-A6DD-49C3-96C0-F7D371D16577}"/>
-              </a:ext>
-            </a:extLst>
-          </p:cNvPr>
-          <p:cNvSpPr>
-            <a:spLocks noGrp="1"/>
-          </p:cNvSpPr>
-          <p:nvPr>
-            <p:ph type="subTitle" idx="1"/>
-          </p:nvPr>
-        </p:nvSpPr>
-        <p:spPr>
-          <a:xfrm>
-            <a:off x="7961258" y="4525347"/>
-            <a:ext cx="3258675" cy="1737360"/>
-          </a:xfrm>
-        </p:spPr>
-        <p:txBody>
-          <a:bodyPr anchor="ctr">
-            <a:normAutofit/>
-          </a:bodyPr>
-          <a:lstStyle/>
-          <a:p>
-            <a:pPr algn="l"/>
-            <a:r>
-              <a:rPr lang="ko-KR" altLang="en-US" dirty="0"/>
-              <a:t>클래스</a:t>
-            </a:r>
-            <a:endParaRPr lang="ko-KR" altLang="en-US"/>
-          </a:p>
-        </p:txBody>
-      </p:sp>
-      <p:sp>
-        <p:nvSpPr>
-          <p:cNvPr id="25" name="Oval 24">
-            <a:extLst>
-              <a:ext uri="{FF2B5EF4-FFF2-40B4-BE49-F238E27FC236}">
-                <a16:creationId xmlns:a16="http://schemas.microsoft.com/office/drawing/2014/main" id="{6437D937-A7F1-4011-92B4-328E5BE1B166}"/>
-              </a:ext>
-              <a:ext uri="{C183D7F6-B498-43B3-948B-1728B52AA6E4}">
-                <adec:decorative xmlns:adec="http://schemas.microsoft.com/office/drawing/2017/decorative" val="1"/>
-              </a:ext>
-            </a:extLst>
-          </p:cNvPr>
-          <p:cNvSpPr>
-            <a:spLocks noGrp="1" noRot="1" noChangeAspect="1" noMove="1" noResize="1" noEditPoints="1" noAdjustHandles="1" noChangeArrowheads="1" noChangeShapeType="1" noTextEdit="1"/>
-          </p:cNvSpPr>
-          <p:nvPr>
-            <p:extLst>
-              <p:ext uri="{386F3935-93C4-4BCD-93E2-E3B085C9AB24}">
-                <p16:designElem xmlns:p16="http://schemas.microsoft.com/office/powerpoint/2015/main" val="1"/>
-              </p:ext>
-            </p:extLst>
-          </p:nvPr>
-        </p:nvSpPr>
-        <p:spPr>
-          <a:xfrm>
-            <a:off x="588567" y="620480"/>
-            <a:ext cx="2243800" cy="2243796"/>
-          </a:xfrm>
-          <a:prstGeom prst="ellipse">
-            <a:avLst/>
-          </a:prstGeom>
           <a:solidFill>
-            <a:schemeClr val="accent5"/>
+            <a:schemeClr val="tx2"/>
           </a:solidFill>
           <a:ln>
             <a:noFill/>
@@ -6638,435 +6617,105 @@
             <a:schemeClr val="lt1"/>
           </a:fontRef>
         </p:style>
+      </p:sp>
+      <p:sp>
+        <p:nvSpPr>
+          <p:cNvPr id="2" name="제목 1">
+            <a:extLst>
+              <a:ext uri="{FF2B5EF4-FFF2-40B4-BE49-F238E27FC236}">
+                <a16:creationId xmlns:a16="http://schemas.microsoft.com/office/drawing/2014/main" id="{DDABC8E6-832F-4F72-8D79-BFA257487FF4}"/>
+              </a:ext>
+            </a:extLst>
+          </p:cNvPr>
+          <p:cNvSpPr>
+            <a:spLocks noGrp="1"/>
+          </p:cNvSpPr>
+          <p:nvPr>
+            <p:ph type="ctrTitle"/>
+          </p:nvPr>
+        </p:nvSpPr>
+        <p:spPr>
+          <a:xfrm>
+            <a:off x="1524000" y="2776538"/>
+            <a:ext cx="9144000" cy="1381188"/>
+          </a:xfrm>
+        </p:spPr>
         <p:txBody>
-          <a:bodyPr rtlCol="0" anchor="ctr"/>
+          <a:bodyPr anchor="ctr">
+            <a:normAutofit/>
+          </a:bodyPr>
           <a:lstStyle/>
           <a:p>
-            <a:pPr marL="0" marR="0" lvl="0" indent="0" algn="ctr" defTabSz="914400" rtl="0" eaLnBrk="1" fontAlgn="auto" latinLnBrk="0" hangingPunct="1">
-              <a:lnSpc>
-                <a:spcPct val="100000"/>
-              </a:lnSpc>
-              <a:spcBef>
-                <a:spcPts val="0"/>
-              </a:spcBef>
-              <a:spcAft>
-                <a:spcPts val="0"/>
-              </a:spcAft>
-              <a:buClrTx/>
-              <a:buSzTx/>
-              <a:buFontTx/>
-              <a:buNone/>
-              <a:tabLst/>
-              <a:defRPr/>
-            </a:pPr>
-            <a:endParaRPr kumimoji="0" lang="en-US" sz="1800" b="0" i="0" u="none" strike="noStrike" kern="1200" cap="none" spc="0" normalizeH="0" baseline="0" noProof="0">
-              <a:ln>
-                <a:noFill/>
-              </a:ln>
-              <a:solidFill>
-                <a:prstClr val="white"/>
-              </a:solidFill>
-              <a:effectLst/>
-              <a:uLnTx/>
-              <a:uFillTx/>
-              <a:latin typeface="Calibri" panose="020F0502020204030204"/>
-              <a:ea typeface="+mn-ea"/>
-              <a:cs typeface="+mn-cs"/>
-            </a:endParaRPr>
+            <a:r>
+              <a:rPr lang="en-US" altLang="ko-KR" sz="4000">
+                <a:solidFill>
+                  <a:schemeClr val="bg2"/>
+                </a:solidFill>
+              </a:rPr>
+              <a:t>c# </a:t>
+            </a:r>
+            <a:r>
+              <a:rPr lang="ko-KR" altLang="en-US" sz="4000">
+                <a:solidFill>
+                  <a:schemeClr val="bg2"/>
+                </a:solidFill>
+              </a:rPr>
+              <a:t>스터디 </a:t>
+            </a:r>
+            <a:r>
+              <a:rPr lang="en-US" altLang="ko-KR" sz="4000">
+                <a:solidFill>
+                  <a:schemeClr val="bg2"/>
+                </a:solidFill>
+              </a:rPr>
+              <a:t>4</a:t>
+            </a:r>
+            <a:r>
+              <a:rPr lang="ko-KR" altLang="en-US" sz="4000">
+                <a:solidFill>
+                  <a:schemeClr val="bg2"/>
+                </a:solidFill>
+              </a:rPr>
+              <a:t>주 차</a:t>
+            </a:r>
           </a:p>
         </p:txBody>
       </p:sp>
       <p:sp>
         <p:nvSpPr>
-          <p:cNvPr id="27" name="Oval 26">
+          <p:cNvPr id="3" name="부제목 2">
             <a:extLst>
               <a:ext uri="{FF2B5EF4-FFF2-40B4-BE49-F238E27FC236}">
-                <a16:creationId xmlns:a16="http://schemas.microsoft.com/office/drawing/2014/main" id="{B672F332-AF08-46C6-94F0-77684310D7B7}"/>
-              </a:ext>
-              <a:ext uri="{C183D7F6-B498-43B3-948B-1728B52AA6E4}">
-                <adec:decorative xmlns:adec="http://schemas.microsoft.com/office/drawing/2017/decorative" val="1"/>
+                <a16:creationId xmlns:a16="http://schemas.microsoft.com/office/drawing/2014/main" id="{5C3AE9F6-A6DD-49C3-96C0-F7D371D16577}"/>
               </a:ext>
             </a:extLst>
           </p:cNvPr>
           <p:cNvSpPr>
-            <a:spLocks noGrp="1" noRot="1" noChangeAspect="1" noMove="1" noResize="1" noEditPoints="1" noAdjustHandles="1" noChangeArrowheads="1" noChangeShapeType="1" noTextEdit="1"/>
+            <a:spLocks noGrp="1"/>
           </p:cNvSpPr>
           <p:nvPr>
-            <p:extLst>
-              <p:ext uri="{386F3935-93C4-4BCD-93E2-E3B085C9AB24}">
-                <p16:designElem xmlns:p16="http://schemas.microsoft.com/office/powerpoint/2015/main" val="1"/>
-              </p:ext>
-            </p:extLst>
+            <p:ph type="subTitle" idx="1"/>
           </p:nvPr>
         </p:nvSpPr>
         <p:spPr>
           <a:xfrm>
-            <a:off x="3395001" y="2466604"/>
-            <a:ext cx="962395" cy="962395"/>
+            <a:off x="1524000" y="4495800"/>
+            <a:ext cx="9144000" cy="762000"/>
           </a:xfrm>
-          <a:prstGeom prst="ellipse">
-            <a:avLst/>
-          </a:prstGeom>
-          <a:solidFill>
-            <a:schemeClr val="accent4"/>
-          </a:solidFill>
-          <a:ln>
-            <a:noFill/>
-          </a:ln>
         </p:spPr>
-        <p:style>
-          <a:lnRef idx="2">
-            <a:schemeClr val="accent1">
-              <a:shade val="50000"/>
-            </a:schemeClr>
-          </a:lnRef>
-          <a:fillRef idx="1">
-            <a:schemeClr val="accent1"/>
-          </a:fillRef>
-          <a:effectRef idx="0">
-            <a:schemeClr val="accent1"/>
-          </a:effectRef>
-          <a:fontRef idx="minor">
-            <a:schemeClr val="lt1"/>
-          </a:fontRef>
-        </p:style>
         <p:txBody>
-          <a:bodyPr rtlCol="0" anchor="ctr"/>
+          <a:bodyPr>
+            <a:normAutofit/>
+          </a:bodyPr>
           <a:lstStyle/>
           <a:p>
-            <a:pPr marL="0" marR="0" lvl="0" indent="0" algn="ctr" defTabSz="914400" rtl="0" eaLnBrk="1" fontAlgn="auto" latinLnBrk="0" hangingPunct="1">
-              <a:lnSpc>
-                <a:spcPct val="100000"/>
-              </a:lnSpc>
-              <a:spcBef>
-                <a:spcPts val="0"/>
-              </a:spcBef>
-              <a:spcAft>
-                <a:spcPts val="0"/>
-              </a:spcAft>
-              <a:buClrTx/>
-              <a:buSzTx/>
-              <a:buFontTx/>
-              <a:buNone/>
-              <a:tabLst/>
-              <a:defRPr/>
-            </a:pPr>
-            <a:endParaRPr kumimoji="0" lang="en-US" sz="1800" b="0" i="0" u="none" strike="noStrike" kern="1200" cap="none" spc="0" normalizeH="0" baseline="0" noProof="0">
-              <a:ln>
-                <a:noFill/>
-              </a:ln>
-              <a:solidFill>
-                <a:prstClr val="white"/>
-              </a:solidFill>
-              <a:effectLst/>
-              <a:uLnTx/>
-              <a:uFillTx/>
-              <a:latin typeface="Calibri" panose="020F0502020204030204"/>
-              <a:ea typeface="+mn-ea"/>
-              <a:cs typeface="+mn-cs"/>
-            </a:endParaRPr>
+            <a:r>
+              <a:rPr lang="ko-KR" altLang="en-US" sz="1800"/>
+              <a:t>클래스</a:t>
+            </a:r>
           </a:p>
         </p:txBody>
       </p:sp>
-      <p:sp>
-        <p:nvSpPr>
-          <p:cNvPr id="29" name="Oval 28">
-            <a:extLst>
-              <a:ext uri="{FF2B5EF4-FFF2-40B4-BE49-F238E27FC236}">
-                <a16:creationId xmlns:a16="http://schemas.microsoft.com/office/drawing/2014/main" id="{34244EF8-D73A-40E1-BE73-D46E6B4B04ED}"/>
-              </a:ext>
-              <a:ext uri="{C183D7F6-B498-43B3-948B-1728B52AA6E4}">
-                <adec:decorative xmlns:adec="http://schemas.microsoft.com/office/drawing/2017/decorative" val="1"/>
-              </a:ext>
-            </a:extLst>
-          </p:cNvPr>
-          <p:cNvSpPr>
-            <a:spLocks noGrp="1" noRot="1" noChangeAspect="1" noMove="1" noResize="1" noEditPoints="1" noAdjustHandles="1" noChangeArrowheads="1" noChangeShapeType="1" noTextEdit="1"/>
-          </p:cNvSpPr>
-          <p:nvPr>
-            <p:extLst>
-              <p:ext uri="{386F3935-93C4-4BCD-93E2-E3B085C9AB24}">
-                <p16:designElem xmlns:p16="http://schemas.microsoft.com/office/powerpoint/2015/main" val="1"/>
-              </p:ext>
-            </p:extLst>
-          </p:nvPr>
-        </p:nvSpPr>
-        <p:spPr>
-          <a:xfrm>
-            <a:off x="5125829" y="2327988"/>
-            <a:ext cx="293695" cy="293695"/>
-          </a:xfrm>
-          <a:prstGeom prst="ellipse">
-            <a:avLst/>
-          </a:prstGeom>
-          <a:solidFill>
-            <a:schemeClr val="accent3"/>
-          </a:solidFill>
-          <a:ln>
-            <a:noFill/>
-          </a:ln>
-        </p:spPr>
-        <p:style>
-          <a:lnRef idx="2">
-            <a:schemeClr val="accent1">
-              <a:shade val="50000"/>
-            </a:schemeClr>
-          </a:lnRef>
-          <a:fillRef idx="1">
-            <a:schemeClr val="accent1"/>
-          </a:fillRef>
-          <a:effectRef idx="0">
-            <a:schemeClr val="accent1"/>
-          </a:effectRef>
-          <a:fontRef idx="minor">
-            <a:schemeClr val="lt1"/>
-          </a:fontRef>
-        </p:style>
-        <p:txBody>
-          <a:bodyPr rtlCol="0" anchor="ctr"/>
-          <a:lstStyle/>
-          <a:p>
-            <a:pPr marL="0" marR="0" lvl="0" indent="0" algn="ctr" defTabSz="914400" rtl="0" eaLnBrk="1" fontAlgn="auto" latinLnBrk="0" hangingPunct="1">
-              <a:lnSpc>
-                <a:spcPct val="100000"/>
-              </a:lnSpc>
-              <a:spcBef>
-                <a:spcPts val="0"/>
-              </a:spcBef>
-              <a:spcAft>
-                <a:spcPts val="0"/>
-              </a:spcAft>
-              <a:buClrTx/>
-              <a:buSzTx/>
-              <a:buFontTx/>
-              <a:buNone/>
-              <a:tabLst/>
-              <a:defRPr/>
-            </a:pPr>
-            <a:endParaRPr kumimoji="0" lang="en-US" sz="1800" b="0" i="0" u="none" strike="noStrike" kern="1200" cap="none" spc="0" normalizeH="0" baseline="0" noProof="0">
-              <a:ln>
-                <a:noFill/>
-              </a:ln>
-              <a:solidFill>
-                <a:prstClr val="white"/>
-              </a:solidFill>
-              <a:effectLst/>
-              <a:uLnTx/>
-              <a:uFillTx/>
-              <a:latin typeface="Calibri" panose="020F0502020204030204"/>
-              <a:ea typeface="+mn-ea"/>
-              <a:cs typeface="+mn-cs"/>
-            </a:endParaRPr>
-          </a:p>
-        </p:txBody>
-      </p:sp>
-      <p:sp>
-        <p:nvSpPr>
-          <p:cNvPr id="31" name="Freeform: Shape 30">
-            <a:extLst>
-              <a:ext uri="{FF2B5EF4-FFF2-40B4-BE49-F238E27FC236}">
-                <a16:creationId xmlns:a16="http://schemas.microsoft.com/office/drawing/2014/main" id="{AB84D7E8-4ECB-42D7-ADBF-01689B0F24AE}"/>
-              </a:ext>
-              <a:ext uri="{C183D7F6-B498-43B3-948B-1728B52AA6E4}">
-                <adec:decorative xmlns:adec="http://schemas.microsoft.com/office/drawing/2017/decorative" val="1"/>
-              </a:ext>
-            </a:extLst>
-          </p:cNvPr>
-          <p:cNvSpPr>
-            <a:spLocks noGrp="1" noRot="1" noChangeAspect="1" noMove="1" noResize="1" noEditPoints="1" noAdjustHandles="1" noChangeArrowheads="1" noChangeShapeType="1" noTextEdit="1"/>
-          </p:cNvSpPr>
-          <p:nvPr>
-            <p:extLst>
-              <p:ext uri="{386F3935-93C4-4BCD-93E2-E3B085C9AB24}">
-                <p16:designElem xmlns:p16="http://schemas.microsoft.com/office/powerpoint/2015/main" val="1"/>
-              </p:ext>
-            </p:extLst>
-          </p:nvPr>
-        </p:nvSpPr>
-        <p:spPr>
-          <a:xfrm>
-            <a:off x="6492113" y="0"/>
-            <a:ext cx="5699887" cy="4059244"/>
-          </a:xfrm>
-          <a:custGeom>
-            <a:avLst/>
-            <a:gdLst>
-              <a:gd name="connsiteX0" fmla="*/ 0 w 5699887"/>
-              <a:gd name="connsiteY0" fmla="*/ 0 h 4059244"/>
-              <a:gd name="connsiteX1" fmla="*/ 5699887 w 5699887"/>
-              <a:gd name="connsiteY1" fmla="*/ 0 h 4059244"/>
-              <a:gd name="connsiteX2" fmla="*/ 5699887 w 5699887"/>
-              <a:gd name="connsiteY2" fmla="*/ 3944096 h 4059244"/>
-              <a:gd name="connsiteX3" fmla="*/ 5525775 w 5699887"/>
-              <a:gd name="connsiteY3" fmla="*/ 3980429 h 4059244"/>
-              <a:gd name="connsiteX4" fmla="*/ 4663256 w 5699887"/>
-              <a:gd name="connsiteY4" fmla="*/ 4059244 h 4059244"/>
-              <a:gd name="connsiteX5" fmla="*/ 8566 w 5699887"/>
-              <a:gd name="connsiteY5" fmla="*/ 67422 h 4059244"/>
-            </a:gdLst>
-            <a:ahLst/>
-            <a:cxnLst>
-              <a:cxn ang="0">
-                <a:pos x="connsiteX0" y="connsiteY0"/>
-              </a:cxn>
-              <a:cxn ang="0">
-                <a:pos x="connsiteX1" y="connsiteY1"/>
-              </a:cxn>
-              <a:cxn ang="0">
-                <a:pos x="connsiteX2" y="connsiteY2"/>
-              </a:cxn>
-              <a:cxn ang="0">
-                <a:pos x="connsiteX3" y="connsiteY3"/>
-              </a:cxn>
-              <a:cxn ang="0">
-                <a:pos x="connsiteX4" y="connsiteY4"/>
-              </a:cxn>
-              <a:cxn ang="0">
-                <a:pos x="connsiteX5" y="connsiteY5"/>
-              </a:cxn>
-            </a:cxnLst>
-            <a:rect l="l" t="t" r="r" b="b"/>
-            <a:pathLst>
-              <a:path w="5699887" h="4059244">
-                <a:moveTo>
-                  <a:pt x="0" y="0"/>
-                </a:moveTo>
-                <a:lnTo>
-                  <a:pt x="5699887" y="0"/>
-                </a:lnTo>
-                <a:lnTo>
-                  <a:pt x="5699887" y="3944096"/>
-                </a:lnTo>
-                <a:lnTo>
-                  <a:pt x="5525775" y="3980429"/>
-                </a:lnTo>
-                <a:cubicBezTo>
-                  <a:pt x="5246154" y="4032190"/>
-                  <a:pt x="4957865" y="4059244"/>
-                  <a:pt x="4663256" y="4059244"/>
-                </a:cubicBezTo>
-                <a:cubicBezTo>
-                  <a:pt x="2306390" y="4059244"/>
-                  <a:pt x="353936" y="2327747"/>
-                  <a:pt x="8566" y="67422"/>
-                </a:cubicBezTo>
-                <a:close/>
-              </a:path>
-            </a:pathLst>
-          </a:custGeom>
-          <a:solidFill>
-            <a:srgbClr val="595959"/>
-          </a:solidFill>
-          <a:ln>
-            <a:noFill/>
-          </a:ln>
-        </p:spPr>
-        <p:style>
-          <a:lnRef idx="2">
-            <a:schemeClr val="accent1">
-              <a:shade val="50000"/>
-            </a:schemeClr>
-          </a:lnRef>
-          <a:fillRef idx="1">
-            <a:schemeClr val="accent1"/>
-          </a:fillRef>
-          <a:effectRef idx="0">
-            <a:schemeClr val="accent1"/>
-          </a:effectRef>
-          <a:fontRef idx="minor">
-            <a:schemeClr val="lt1"/>
-          </a:fontRef>
-        </p:style>
-        <p:txBody>
-          <a:bodyPr rtlCol="0" anchor="ctr"/>
-          <a:lstStyle/>
-          <a:p>
-            <a:pPr marL="0" marR="0" lvl="0" indent="0" algn="ctr" defTabSz="914400" rtl="0" eaLnBrk="1" fontAlgn="auto" latinLnBrk="0" hangingPunct="1">
-              <a:lnSpc>
-                <a:spcPct val="100000"/>
-              </a:lnSpc>
-              <a:spcBef>
-                <a:spcPts val="0"/>
-              </a:spcBef>
-              <a:spcAft>
-                <a:spcPts val="0"/>
-              </a:spcAft>
-              <a:buClrTx/>
-              <a:buSzTx/>
-              <a:buFontTx/>
-              <a:buNone/>
-              <a:tabLst/>
-              <a:defRPr/>
-            </a:pPr>
-            <a:endParaRPr kumimoji="0" lang="en-US" sz="1800" b="0" i="0" u="none" strike="noStrike" kern="1200" cap="none" spc="0" normalizeH="0" baseline="0" noProof="0">
-              <a:ln>
-                <a:noFill/>
-              </a:ln>
-              <a:solidFill>
-                <a:prstClr val="white"/>
-              </a:solidFill>
-              <a:effectLst/>
-              <a:uLnTx/>
-              <a:uFillTx/>
-              <a:latin typeface="Calibri" panose="020F0502020204030204"/>
-              <a:ea typeface="+mn-ea"/>
-              <a:cs typeface="+mn-cs"/>
-            </a:endParaRPr>
-          </a:p>
-        </p:txBody>
-      </p:sp>
-      <p:cxnSp>
-        <p:nvCxnSpPr>
-          <p:cNvPr id="33" name="Straight Connector 32">
-            <a:extLst>
-              <a:ext uri="{FF2B5EF4-FFF2-40B4-BE49-F238E27FC236}">
-                <a16:creationId xmlns:a16="http://schemas.microsoft.com/office/drawing/2014/main" id="{9E8E38ED-369A-44C2-B635-0BED0E48A6E8}"/>
-              </a:ext>
-              <a:ext uri="{C183D7F6-B498-43B3-948B-1728B52AA6E4}">
-                <adec:decorative xmlns:adec="http://schemas.microsoft.com/office/drawing/2017/decorative" val="1"/>
-              </a:ext>
-            </a:extLst>
-          </p:cNvPr>
-          <p:cNvCxnSpPr>
-            <a:cxnSpLocks noGrp="1" noRot="1" noChangeAspect="1" noMove="1" noResize="1" noEditPoints="1" noAdjustHandles="1" noChangeArrowheads="1" noChangeShapeType="1"/>
-          </p:cNvCxnSpPr>
-          <p:nvPr>
-            <p:extLst>
-              <p:ext uri="{386F3935-93C4-4BCD-93E2-E3B085C9AB24}">
-                <p16:designElem xmlns:p16="http://schemas.microsoft.com/office/powerpoint/2015/main" val="1"/>
-              </p:ext>
-            </p:extLst>
-          </p:nvPr>
-        </p:nvCxnSpPr>
-        <p:spPr>
-          <a:xfrm>
-            <a:off x="7800392" y="4525347"/>
-            <a:ext cx="0" cy="1737360"/>
-          </a:xfrm>
-          <a:prstGeom prst="line">
-            <a:avLst/>
-          </a:prstGeom>
-          <a:ln w="19050" cap="sq">
-            <a:solidFill>
-              <a:schemeClr val="tx1"/>
-            </a:solidFill>
-          </a:ln>
-        </p:spPr>
-        <p:style>
-          <a:lnRef idx="1">
-            <a:schemeClr val="accent1"/>
-          </a:lnRef>
-          <a:fillRef idx="0">
-            <a:schemeClr val="accent1"/>
-          </a:fillRef>
-          <a:effectRef idx="0">
-            <a:schemeClr val="accent1"/>
-          </a:effectRef>
-          <a:fontRef idx="minor">
-            <a:schemeClr val="tx1"/>
-          </a:fontRef>
-        </p:style>
-      </p:cxnSp>
     </p:spTree>
     <p:extLst>
       <p:ext uri="{BB962C8B-B14F-4D97-AF65-F5344CB8AC3E}">
@@ -7075,7 +6724,7 @@
     </p:extLst>
   </p:cSld>
   <p:clrMapOvr>
-    <a:masterClrMapping/>
+    <a:overrideClrMapping bg1="dk1" tx1="lt1" bg2="dk2" tx2="lt2" accent1="accent1" accent2="accent2" accent3="accent3" accent4="accent4" accent5="accent5" accent6="accent6" hlink="hlink" folHlink="folHlink"/>
   </p:clrMapOvr>
 </p:sld>
 </file>
@@ -14269,12 +13918,12 @@
           <a:chExt cx="0" cy="0"/>
         </a:xfrm>
       </p:grpSpPr>
-      <p:sp useBgFill="1">
+      <p:sp>
         <p:nvSpPr>
-          <p:cNvPr id="8" name="Rectangle 7">
+          <p:cNvPr id="21" name="Rectangle 20">
             <a:extLst>
               <a:ext uri="{FF2B5EF4-FFF2-40B4-BE49-F238E27FC236}">
-                <a16:creationId xmlns:a16="http://schemas.microsoft.com/office/drawing/2014/main" id="{E4F9F79B-A093-478E-96B5-EE02BC93A858}"/>
+                <a16:creationId xmlns:a16="http://schemas.microsoft.com/office/drawing/2014/main" id="{8D70B121-56F4-4848-B38B-182089D909FA}"/>
               </a:ext>
               <a:ext uri="{C183D7F6-B498-43B3-948B-1728B52AA6E4}">
                 <adec:decorative xmlns:adec="http://schemas.microsoft.com/office/drawing/2017/decorative" val="1"/>
@@ -14292,15 +13941,20 @@
             </p:extLst>
           </p:nvPr>
         </p:nvSpPr>
-        <p:spPr>
+        <p:spPr bwMode="ltGray">
           <a:xfrm>
-            <a:off x="0" y="0"/>
-            <a:ext cx="12192000" cy="6858000"/>
+            <a:off x="321564" y="320040"/>
+            <a:ext cx="11548872" cy="6217920"/>
           </a:xfrm>
           <a:prstGeom prst="rect">
             <a:avLst/>
           </a:prstGeom>
-          <a:ln>
+          <a:solidFill>
+            <a:schemeClr val="tx1">
+              <a:alpha val="8000"/>
+            </a:schemeClr>
+          </a:solidFill>
+          <a:ln w="127000" cap="sq" cmpd="thinThick">
             <a:noFill/>
           </a:ln>
         </p:spPr>
@@ -14324,37 +13978,8 @@
           <a:bodyPr rtlCol="0" anchor="ctr"/>
           <a:lstStyle/>
           <a:p>
-            <a:pPr marL="0" marR="0" lvl="0" indent="0" algn="ctr" defTabSz="914400" rtl="0" eaLnBrk="1" fontAlgn="auto" latinLnBrk="0" hangingPunct="1">
-              <a:lnSpc>
-                <a:spcPct val="100000"/>
-              </a:lnSpc>
-              <a:spcBef>
-                <a:spcPts val="0"/>
-              </a:spcBef>
-              <a:spcAft>
-                <a:spcPts val="0"/>
-              </a:spcAft>
-              <a:buClrTx/>
-              <a:buSzTx/>
-              <a:buFontTx/>
-              <a:buNone/>
-              <a:tabLst/>
-              <a:defRPr/>
-            </a:pPr>
-            <a:endParaRPr kumimoji="0" lang="en-US" sz="1800" b="0" i="0" u="none" strike="noStrike" kern="1200" cap="none" spc="0" normalizeH="0" baseline="0" noProof="0">
-              <a:ln>
-                <a:noFill/>
-              </a:ln>
-              <a:solidFill>
-                <a:prstClr val="white"/>
-              </a:solidFill>
-              <a:effectLst/>
-              <a:uLnTx/>
-              <a:uFillTx/>
-              <a:latin typeface="Calibri" panose="020F0502020204030204"/>
-              <a:ea typeface="+mn-ea"/>
-              <a:cs typeface="+mn-cs"/>
-            </a:endParaRPr>
+            <a:pPr algn="ctr"/>
+            <a:endParaRPr lang="en-US"/>
           </a:p>
         </p:txBody>
       </p:sp>
@@ -14376,8 +14001,8 @@
         </p:nvSpPr>
         <p:spPr>
           <a:xfrm>
-            <a:off x="640079" y="4526280"/>
-            <a:ext cx="7410681" cy="1737360"/>
+            <a:off x="838200" y="963877"/>
+            <a:ext cx="3494362" cy="4930246"/>
           </a:xfrm>
         </p:spPr>
         <p:txBody>
@@ -14386,295 +14011,24 @@
           </a:bodyPr>
           <a:lstStyle/>
           <a:p>
-            <a:r>
-              <a:rPr lang="ko-KR" altLang="en-US" sz="4800"/>
+            <a:pPr algn="r"/>
+            <a:r>
+              <a:rPr lang="ko-KR" altLang="en-US">
+                <a:solidFill>
+                  <a:schemeClr val="accent1"/>
+                </a:solidFill>
+              </a:rPr>
               <a:t>목차</a:t>
             </a:r>
-            <a:endParaRPr lang="ko-KR" altLang="en-US" sz="4800" dirty="0"/>
-          </a:p>
-        </p:txBody>
-      </p:sp>
-      <p:sp>
-        <p:nvSpPr>
-          <p:cNvPr id="3" name="내용 개체 틀 2">
-            <a:extLst>
-              <a:ext uri="{FF2B5EF4-FFF2-40B4-BE49-F238E27FC236}">
-                <a16:creationId xmlns:a16="http://schemas.microsoft.com/office/drawing/2014/main" id="{0AE4214D-6FFD-4B03-9859-DC730634D90A}"/>
-              </a:ext>
-            </a:extLst>
-          </p:cNvPr>
-          <p:cNvSpPr>
-            <a:spLocks noGrp="1"/>
-          </p:cNvSpPr>
-          <p:nvPr>
-            <p:ph idx="1"/>
-          </p:nvPr>
-        </p:nvSpPr>
-        <p:spPr>
-          <a:xfrm>
-            <a:off x="640080" y="240991"/>
-            <a:ext cx="5676637" cy="4059244"/>
-          </a:xfrm>
-        </p:spPr>
-        <p:txBody>
-          <a:bodyPr anchor="ctr">
-            <a:normAutofit/>
-          </a:bodyPr>
-          <a:lstStyle/>
-          <a:p>
-            <a:pPr marL="514350" indent="-514350">
-              <a:buAutoNum type="arabicPeriod"/>
-            </a:pPr>
-            <a:r>
-              <a:rPr lang="en-US" altLang="ko-KR" sz="1800"/>
-              <a:t>3</a:t>
-            </a:r>
-            <a:r>
-              <a:rPr lang="ko-KR" altLang="en-US" sz="1800"/>
-              <a:t>주 차 문제 풀이</a:t>
-            </a:r>
-            <a:endParaRPr lang="en-US" altLang="ko-KR" sz="1800"/>
-          </a:p>
-          <a:p>
-            <a:pPr marL="514350" indent="-514350">
-              <a:buAutoNum type="arabicPeriod"/>
-            </a:pPr>
-            <a:r>
-              <a:rPr lang="ko-KR" altLang="en-US" sz="1800"/>
-              <a:t>클래스의 개념</a:t>
-            </a:r>
-            <a:endParaRPr lang="en-US" altLang="ko-KR" sz="1800"/>
-          </a:p>
-          <a:p>
-            <a:pPr marL="514350" indent="-514350">
-              <a:buAutoNum type="arabicPeriod"/>
-            </a:pPr>
-            <a:r>
-              <a:rPr lang="ko-KR" altLang="en-US" sz="1800"/>
-              <a:t>생성자의 개념</a:t>
-            </a:r>
-            <a:endParaRPr lang="en-US" altLang="ko-KR" sz="1800"/>
-          </a:p>
-          <a:p>
-            <a:pPr marL="514350" indent="-514350">
-              <a:buAutoNum type="arabicPeriod"/>
-            </a:pPr>
-            <a:r>
-              <a:rPr lang="ko-KR" altLang="en-US" sz="1800"/>
-              <a:t>정적 필드</a:t>
-            </a:r>
-            <a:r>
-              <a:rPr lang="en-US" altLang="ko-KR" sz="1800"/>
-              <a:t>(static)</a:t>
-            </a:r>
-          </a:p>
-          <a:p>
-            <a:pPr marL="514350" indent="-514350">
-              <a:buAutoNum type="arabicPeriod"/>
-            </a:pPr>
-            <a:r>
-              <a:rPr lang="en-US" altLang="ko-KR" sz="1800"/>
-              <a:t>this </a:t>
-            </a:r>
-            <a:r>
-              <a:rPr lang="ko-KR" altLang="en-US" sz="1800"/>
-              <a:t>키워드</a:t>
-            </a:r>
-            <a:endParaRPr lang="en-US" altLang="ko-KR" sz="1800"/>
-          </a:p>
-          <a:p>
-            <a:pPr marL="514350" indent="-514350">
-              <a:buAutoNum type="arabicPeriod"/>
-            </a:pPr>
-            <a:r>
-              <a:rPr lang="ko-KR" altLang="en-US" sz="1800"/>
-              <a:t>접근 한정자</a:t>
-            </a:r>
-            <a:endParaRPr lang="en-US" altLang="ko-KR" sz="1800"/>
-          </a:p>
-          <a:p>
-            <a:pPr marL="514350" indent="-514350">
-              <a:buAutoNum type="arabicPeriod"/>
-            </a:pPr>
-            <a:r>
-              <a:rPr lang="ko-KR" altLang="en-US" sz="1800"/>
-              <a:t>상속</a:t>
-            </a:r>
-            <a:endParaRPr lang="en-US" altLang="ko-KR" sz="1800"/>
-          </a:p>
-          <a:p>
-            <a:pPr marL="514350" indent="-514350">
-              <a:buAutoNum type="arabicPeriod"/>
-            </a:pPr>
-            <a:r>
-              <a:rPr lang="ko-KR" altLang="en-US" sz="1800"/>
-              <a:t>과제</a:t>
-            </a:r>
-            <a:endParaRPr lang="ko-KR" altLang="en-US" sz="1800" dirty="0"/>
-          </a:p>
-        </p:txBody>
-      </p:sp>
-      <p:sp>
-        <p:nvSpPr>
-          <p:cNvPr id="10" name="Freeform: Shape 9">
-            <a:extLst>
-              <a:ext uri="{FF2B5EF4-FFF2-40B4-BE49-F238E27FC236}">
-                <a16:creationId xmlns:a16="http://schemas.microsoft.com/office/drawing/2014/main" id="{11394CD8-BD30-4B74-86F4-51FDF3383419}"/>
-              </a:ext>
-              <a:ext uri="{C183D7F6-B498-43B3-948B-1728B52AA6E4}">
-                <adec:decorative xmlns:adec="http://schemas.microsoft.com/office/drawing/2017/decorative" val="1"/>
-              </a:ext>
-            </a:extLst>
-          </p:cNvPr>
-          <p:cNvSpPr>
-            <a:spLocks noGrp="1" noRot="1" noChangeAspect="1" noMove="1" noResize="1" noEditPoints="1" noAdjustHandles="1" noChangeArrowheads="1" noChangeShapeType="1" noTextEdit="1"/>
-          </p:cNvSpPr>
-          <p:nvPr>
-            <p:extLst>
-              <p:ext uri="{386F3935-93C4-4BCD-93E2-E3B085C9AB24}">
-                <p16:designElem xmlns:p16="http://schemas.microsoft.com/office/powerpoint/2015/main" val="1"/>
-              </p:ext>
-            </p:extLst>
-          </p:nvPr>
-        </p:nvSpPr>
-        <p:spPr>
-          <a:xfrm>
-            <a:off x="6492113" y="0"/>
-            <a:ext cx="5699887" cy="4059244"/>
-          </a:xfrm>
-          <a:custGeom>
-            <a:avLst/>
-            <a:gdLst>
-              <a:gd name="connsiteX0" fmla="*/ 0 w 5699887"/>
-              <a:gd name="connsiteY0" fmla="*/ 0 h 4059244"/>
-              <a:gd name="connsiteX1" fmla="*/ 5699887 w 5699887"/>
-              <a:gd name="connsiteY1" fmla="*/ 0 h 4059244"/>
-              <a:gd name="connsiteX2" fmla="*/ 5699887 w 5699887"/>
-              <a:gd name="connsiteY2" fmla="*/ 3944096 h 4059244"/>
-              <a:gd name="connsiteX3" fmla="*/ 5525775 w 5699887"/>
-              <a:gd name="connsiteY3" fmla="*/ 3980429 h 4059244"/>
-              <a:gd name="connsiteX4" fmla="*/ 4663256 w 5699887"/>
-              <a:gd name="connsiteY4" fmla="*/ 4059244 h 4059244"/>
-              <a:gd name="connsiteX5" fmla="*/ 8566 w 5699887"/>
-              <a:gd name="connsiteY5" fmla="*/ 67422 h 4059244"/>
-            </a:gdLst>
-            <a:ahLst/>
-            <a:cxnLst>
-              <a:cxn ang="0">
-                <a:pos x="connsiteX0" y="connsiteY0"/>
-              </a:cxn>
-              <a:cxn ang="0">
-                <a:pos x="connsiteX1" y="connsiteY1"/>
-              </a:cxn>
-              <a:cxn ang="0">
-                <a:pos x="connsiteX2" y="connsiteY2"/>
-              </a:cxn>
-              <a:cxn ang="0">
-                <a:pos x="connsiteX3" y="connsiteY3"/>
-              </a:cxn>
-              <a:cxn ang="0">
-                <a:pos x="connsiteX4" y="connsiteY4"/>
-              </a:cxn>
-              <a:cxn ang="0">
-                <a:pos x="connsiteX5" y="connsiteY5"/>
-              </a:cxn>
-            </a:cxnLst>
-            <a:rect l="l" t="t" r="r" b="b"/>
-            <a:pathLst>
-              <a:path w="5699887" h="4059244">
-                <a:moveTo>
-                  <a:pt x="0" y="0"/>
-                </a:moveTo>
-                <a:lnTo>
-                  <a:pt x="5699887" y="0"/>
-                </a:lnTo>
-                <a:lnTo>
-                  <a:pt x="5699887" y="3944096"/>
-                </a:lnTo>
-                <a:lnTo>
-                  <a:pt x="5525775" y="3980429"/>
-                </a:lnTo>
-                <a:cubicBezTo>
-                  <a:pt x="5246154" y="4032190"/>
-                  <a:pt x="4957865" y="4059244"/>
-                  <a:pt x="4663256" y="4059244"/>
-                </a:cubicBezTo>
-                <a:cubicBezTo>
-                  <a:pt x="2306390" y="4059244"/>
-                  <a:pt x="353936" y="2327747"/>
-                  <a:pt x="8566" y="67422"/>
-                </a:cubicBezTo>
-                <a:close/>
-              </a:path>
-            </a:pathLst>
-          </a:custGeom>
-          <a:solidFill>
-            <a:srgbClr val="595959"/>
-          </a:solidFill>
-          <a:ln>
-            <a:noFill/>
-          </a:ln>
-        </p:spPr>
-        <p:style>
-          <a:lnRef idx="2">
-            <a:schemeClr val="accent1">
-              <a:shade val="50000"/>
-            </a:schemeClr>
-          </a:lnRef>
-          <a:fillRef idx="1">
-            <a:schemeClr val="accent1"/>
-          </a:fillRef>
-          <a:effectRef idx="0">
-            <a:schemeClr val="accent1"/>
-          </a:effectRef>
-          <a:fontRef idx="minor">
-            <a:schemeClr val="lt1"/>
-          </a:fontRef>
-        </p:style>
-        <p:txBody>
-          <a:bodyPr rtlCol="0" anchor="ctr"/>
-          <a:lstStyle/>
-          <a:p>
-            <a:pPr marL="0" marR="0" lvl="0" indent="0" algn="ctr" defTabSz="914400" rtl="0" eaLnBrk="1" fontAlgn="auto" latinLnBrk="0" hangingPunct="1">
-              <a:lnSpc>
-                <a:spcPct val="100000"/>
-              </a:lnSpc>
-              <a:spcBef>
-                <a:spcPts val="0"/>
-              </a:spcBef>
-              <a:spcAft>
-                <a:spcPts val="0"/>
-              </a:spcAft>
-              <a:buClrTx/>
-              <a:buSzTx/>
-              <a:buFontTx/>
-              <a:buNone/>
-              <a:tabLst/>
-              <a:defRPr/>
-            </a:pPr>
-            <a:endParaRPr kumimoji="0" lang="en-US" sz="1800" b="0" i="0" u="none" strike="noStrike" kern="1200" cap="none" spc="0" normalizeH="0" baseline="0" noProof="0">
-              <a:ln>
-                <a:noFill/>
-              </a:ln>
-              <a:solidFill>
-                <a:prstClr val="white"/>
-              </a:solidFill>
-              <a:effectLst/>
-              <a:uLnTx/>
-              <a:uFillTx/>
-              <a:latin typeface="Calibri" panose="020F0502020204030204"/>
-              <a:ea typeface="+mn-ea"/>
-              <a:cs typeface="+mn-cs"/>
-            </a:endParaRPr>
           </a:p>
         </p:txBody>
       </p:sp>
       <p:cxnSp>
         <p:nvCxnSpPr>
-          <p:cNvPr id="12" name="Straight Connector 11">
+          <p:cNvPr id="23" name="Straight Connector 22">
             <a:extLst>
               <a:ext uri="{FF2B5EF4-FFF2-40B4-BE49-F238E27FC236}">
-                <a16:creationId xmlns:a16="http://schemas.microsoft.com/office/drawing/2014/main" id="{D4C22394-EBC2-4FAF-A555-6C02D589EED7}"/>
+                <a16:creationId xmlns:a16="http://schemas.microsoft.com/office/drawing/2014/main" id="{2D72A2C9-F3CA-4216-8BAD-FA4C970C3C4E}"/>
               </a:ext>
               <a:ext uri="{C183D7F6-B498-43B3-948B-1728B52AA6E4}">
                 <adec:decorative xmlns:adec="http://schemas.microsoft.com/office/drawing/2017/decorative" val="1"/>
@@ -14693,16 +14047,19 @@
           </p:nvPr>
         </p:nvCxnSpPr>
         <p:spPr>
-          <a:xfrm rot="16200000">
-            <a:off x="1508760" y="3431556"/>
-            <a:ext cx="0" cy="1737360"/>
+          <a:xfrm>
+            <a:off x="4654296" y="2057400"/>
+            <a:ext cx="0" cy="2743200"/>
           </a:xfrm>
           <a:prstGeom prst="line">
             <a:avLst/>
           </a:prstGeom>
-          <a:ln w="19050" cap="sq">
+          <a:ln w="19050">
             <a:solidFill>
-              <a:schemeClr val="tx1"/>
+              <a:schemeClr val="tx1">
+                <a:lumMod val="85000"/>
+                <a:lumOff val="15000"/>
+              </a:schemeClr>
             </a:solidFill>
           </a:ln>
         </p:spPr>
@@ -14723,185 +14080,120 @@
       </p:cxnSp>
       <p:sp>
         <p:nvSpPr>
-          <p:cNvPr id="14" name="Oval 13">
+          <p:cNvPr id="3" name="내용 개체 틀 2">
             <a:extLst>
               <a:ext uri="{FF2B5EF4-FFF2-40B4-BE49-F238E27FC236}">
-                <a16:creationId xmlns:a16="http://schemas.microsoft.com/office/drawing/2014/main" id="{F7194F93-1F71-4A70-9DF1-28F183771111}"/>
-              </a:ext>
-              <a:ext uri="{C183D7F6-B498-43B3-948B-1728B52AA6E4}">
-                <adec:decorative xmlns:adec="http://schemas.microsoft.com/office/drawing/2017/decorative" val="1"/>
+                <a16:creationId xmlns:a16="http://schemas.microsoft.com/office/drawing/2014/main" id="{0AE4214D-6FFD-4B03-9859-DC730634D90A}"/>
               </a:ext>
             </a:extLst>
           </p:cNvPr>
           <p:cNvSpPr>
-            <a:spLocks noGrp="1" noRot="1" noChangeAspect="1" noMove="1" noResize="1" noEditPoints="1" noAdjustHandles="1" noChangeArrowheads="1" noChangeShapeType="1" noTextEdit="1"/>
+            <a:spLocks noGrp="1"/>
           </p:cNvSpPr>
           <p:nvPr>
-            <p:extLst>
-              <p:ext uri="{386F3935-93C4-4BCD-93E2-E3B085C9AB24}">
-                <p16:designElem xmlns:p16="http://schemas.microsoft.com/office/powerpoint/2015/main" val="1"/>
-              </p:ext>
-            </p:extLst>
+            <p:ph idx="1"/>
           </p:nvPr>
         </p:nvSpPr>
         <p:spPr>
           <a:xfrm>
-            <a:off x="8732897" y="5004581"/>
-            <a:ext cx="962395" cy="962395"/>
+            <a:off x="4976031" y="963877"/>
+            <a:ext cx="6377769" cy="4930246"/>
           </a:xfrm>
-          <a:prstGeom prst="ellipse">
-            <a:avLst/>
-          </a:prstGeom>
-          <a:solidFill>
-            <a:schemeClr val="accent1"/>
-          </a:solidFill>
-          <a:ln>
-            <a:noFill/>
-          </a:ln>
         </p:spPr>
-        <p:style>
-          <a:lnRef idx="2">
-            <a:schemeClr val="accent1">
-              <a:shade val="50000"/>
-            </a:schemeClr>
-          </a:lnRef>
-          <a:fillRef idx="1">
-            <a:schemeClr val="accent1"/>
-          </a:fillRef>
-          <a:effectRef idx="0">
-            <a:schemeClr val="accent1"/>
-          </a:effectRef>
-          <a:fontRef idx="minor">
-            <a:schemeClr val="lt1"/>
-          </a:fontRef>
-        </p:style>
         <p:txBody>
-          <a:bodyPr rtlCol="0" anchor="ctr"/>
+          <a:bodyPr anchor="ctr">
+            <a:normAutofit/>
+          </a:bodyPr>
           <a:lstStyle/>
           <a:p>
-            <a:pPr marL="0" marR="0" lvl="0" indent="0" algn="ctr" defTabSz="914400" rtl="0" eaLnBrk="1" fontAlgn="auto" latinLnBrk="0" hangingPunct="1">
-              <a:lnSpc>
-                <a:spcPct val="100000"/>
-              </a:lnSpc>
-              <a:spcBef>
-                <a:spcPts val="0"/>
-              </a:spcBef>
-              <a:spcAft>
-                <a:spcPts val="0"/>
-              </a:spcAft>
-              <a:buClrTx/>
-              <a:buSzTx/>
-              <a:buFontTx/>
-              <a:buNone/>
-              <a:tabLst/>
-              <a:defRPr/>
+            <a:pPr marL="514350" indent="-514350">
+              <a:buAutoNum type="arabicPeriod"/>
             </a:pPr>
-            <a:endParaRPr kumimoji="0" lang="en-US" sz="1800" b="0" i="0" u="none" strike="noStrike" kern="1200" cap="none" spc="0" normalizeH="0" baseline="0" noProof="0">
-              <a:ln>
-                <a:noFill/>
-              </a:ln>
-              <a:solidFill>
-                <a:prstClr val="white"/>
-              </a:solidFill>
-              <a:effectLst/>
-              <a:uLnTx/>
-              <a:uFillTx/>
-              <a:latin typeface="Calibri" panose="020F0502020204030204"/>
-              <a:ea typeface="+mn-ea"/>
-              <a:cs typeface="+mn-cs"/>
-            </a:endParaRPr>
-          </a:p>
-        </p:txBody>
-      </p:sp>
-      <p:sp>
-        <p:nvSpPr>
-          <p:cNvPr id="16" name="Oval 15">
-            <a:extLst>
-              <a:ext uri="{FF2B5EF4-FFF2-40B4-BE49-F238E27FC236}">
-                <a16:creationId xmlns:a16="http://schemas.microsoft.com/office/drawing/2014/main" id="{9BBC0C84-DC2A-43AE-9576-0A44295E8B9C}"/>
-              </a:ext>
-              <a:ext uri="{C183D7F6-B498-43B3-948B-1728B52AA6E4}">
-                <adec:decorative xmlns:adec="http://schemas.microsoft.com/office/drawing/2017/decorative" val="1"/>
-              </a:ext>
-            </a:extLst>
-          </p:cNvPr>
-          <p:cNvSpPr>
-            <a:spLocks noGrp="1" noRot="1" noChangeAspect="1" noMove="1" noResize="1" noEditPoints="1" noAdjustHandles="1" noChangeArrowheads="1" noChangeShapeType="1" noTextEdit="1"/>
-          </p:cNvSpPr>
-          <p:nvPr>
-            <p:extLst>
-              <p:ext uri="{386F3935-93C4-4BCD-93E2-E3B085C9AB24}">
-                <p16:designElem xmlns:p16="http://schemas.microsoft.com/office/powerpoint/2015/main" val="1"/>
-              </p:ext>
-            </p:extLst>
-          </p:nvPr>
-        </p:nvSpPr>
-        <p:spPr>
-          <a:xfrm>
-            <a:off x="10463725" y="4865965"/>
-            <a:ext cx="293695" cy="293695"/>
-          </a:xfrm>
-          <a:prstGeom prst="ellipse">
-            <a:avLst/>
-          </a:prstGeom>
-          <a:solidFill>
-            <a:schemeClr val="accent4"/>
-          </a:solidFill>
-          <a:ln>
-            <a:noFill/>
-          </a:ln>
-        </p:spPr>
-        <p:style>
-          <a:lnRef idx="2">
-            <a:schemeClr val="accent1">
-              <a:shade val="50000"/>
-            </a:schemeClr>
-          </a:lnRef>
-          <a:fillRef idx="1">
-            <a:schemeClr val="accent1"/>
-          </a:fillRef>
-          <a:effectRef idx="0">
-            <a:schemeClr val="accent1"/>
-          </a:effectRef>
-          <a:fontRef idx="minor">
-            <a:schemeClr val="lt1"/>
-          </a:fontRef>
-        </p:style>
-        <p:txBody>
-          <a:bodyPr rtlCol="0" anchor="ctr"/>
-          <a:lstStyle/>
-          <a:p>
-            <a:pPr marL="0" marR="0" lvl="0" indent="0" algn="ctr" defTabSz="914400" rtl="0" eaLnBrk="1" fontAlgn="auto" latinLnBrk="0" hangingPunct="1">
-              <a:lnSpc>
-                <a:spcPct val="100000"/>
-              </a:lnSpc>
-              <a:spcBef>
-                <a:spcPts val="0"/>
-              </a:spcBef>
-              <a:spcAft>
-                <a:spcPts val="0"/>
-              </a:spcAft>
-              <a:buClrTx/>
-              <a:buSzTx/>
-              <a:buFontTx/>
-              <a:buNone/>
-              <a:tabLst/>
-              <a:defRPr/>
+            <a:r>
+              <a:rPr lang="en-US" altLang="ko-KR" sz="2400"/>
+              <a:t>3</a:t>
+            </a:r>
+            <a:r>
+              <a:rPr lang="ko-KR" altLang="en-US" sz="2400"/>
+              <a:t>주 차 문제 풀이</a:t>
+            </a:r>
+            <a:endParaRPr lang="en-US" altLang="ko-KR" sz="2400"/>
+          </a:p>
+          <a:p>
+            <a:pPr marL="514350" indent="-514350">
+              <a:buAutoNum type="arabicPeriod"/>
             </a:pPr>
-            <a:endParaRPr kumimoji="0" lang="en-US" sz="1800" b="0" i="0" u="none" strike="noStrike" kern="1200" cap="none" spc="0" normalizeH="0" baseline="0" noProof="0">
-              <a:ln>
-                <a:noFill/>
-              </a:ln>
-              <a:solidFill>
-                <a:prstClr val="white"/>
-              </a:solidFill>
-              <a:effectLst/>
-              <a:uLnTx/>
-              <a:uFillTx/>
-              <a:latin typeface="Calibri" panose="020F0502020204030204"/>
-              <a:ea typeface="+mn-ea"/>
-              <a:cs typeface="+mn-cs"/>
-            </a:endParaRPr>
+            <a:r>
+              <a:rPr lang="ko-KR" altLang="en-US" sz="2400"/>
+              <a:t>클래스의 개념</a:t>
+            </a:r>
+            <a:endParaRPr lang="en-US" altLang="ko-KR" sz="2400"/>
+          </a:p>
+          <a:p>
+            <a:pPr marL="514350" indent="-514350">
+              <a:buAutoNum type="arabicPeriod"/>
+            </a:pPr>
+            <a:r>
+              <a:rPr lang="ko-KR" altLang="en-US" sz="2400"/>
+              <a:t>생성자의 개념</a:t>
+            </a:r>
+            <a:endParaRPr lang="en-US" altLang="ko-KR" sz="2400"/>
+          </a:p>
+          <a:p>
+            <a:pPr marL="514350" indent="-514350">
+              <a:buAutoNum type="arabicPeriod"/>
+            </a:pPr>
+            <a:r>
+              <a:rPr lang="ko-KR" altLang="en-US" sz="2400"/>
+              <a:t>정적 필드</a:t>
+            </a:r>
+            <a:r>
+              <a:rPr lang="en-US" altLang="ko-KR" sz="2400"/>
+              <a:t>(static)</a:t>
+            </a:r>
+          </a:p>
+          <a:p>
+            <a:pPr marL="514350" indent="-514350">
+              <a:buAutoNum type="arabicPeriod"/>
+            </a:pPr>
+            <a:r>
+              <a:rPr lang="en-US" altLang="ko-KR" sz="2400"/>
+              <a:t>this </a:t>
+            </a:r>
+            <a:r>
+              <a:rPr lang="ko-KR" altLang="en-US" sz="2400"/>
+              <a:t>키워드</a:t>
+            </a:r>
+            <a:endParaRPr lang="en-US" altLang="ko-KR" sz="2400"/>
+          </a:p>
+          <a:p>
+            <a:pPr marL="514350" indent="-514350">
+              <a:buAutoNum type="arabicPeriod"/>
+            </a:pPr>
+            <a:r>
+              <a:rPr lang="ko-KR" altLang="en-US" sz="2400"/>
+              <a:t>접근 한정자</a:t>
+            </a:r>
+            <a:endParaRPr lang="en-US" altLang="ko-KR" sz="2400"/>
+          </a:p>
+          <a:p>
+            <a:pPr marL="514350" indent="-514350">
+              <a:buAutoNum type="arabicPeriod"/>
+            </a:pPr>
+            <a:r>
+              <a:rPr lang="ko-KR" altLang="en-US" sz="2400"/>
+              <a:t>상속</a:t>
+            </a:r>
+            <a:endParaRPr lang="en-US" altLang="ko-KR" sz="2400"/>
+          </a:p>
+          <a:p>
+            <a:pPr marL="514350" indent="-514350">
+              <a:buAutoNum type="arabicPeriod"/>
+            </a:pPr>
+            <a:r>
+              <a:rPr lang="ko-KR" altLang="en-US" sz="2400"/>
+              <a:t>과제</a:t>
+            </a:r>
           </a:p>
         </p:txBody>
       </p:sp>

--- a/c# 스터디 4주 차.pptx
+++ b/c# 스터디 4주 차.pptx
@@ -3330,7 +3330,7 @@
           <a:p>
             <a:fld id="{3AA139E6-9E3E-4897-960D-AD1496A2E346}" type="datetimeFigureOut">
               <a:rPr lang="ko-KR" altLang="en-US" smtClean="0"/>
-              <a:t>2020-02-26</a:t>
+              <a:t>2020-04-10</a:t>
             </a:fld>
             <a:endParaRPr lang="ko-KR" altLang="en-US"/>
           </a:p>
@@ -3528,7 +3528,7 @@
           <a:p>
             <a:fld id="{3AA139E6-9E3E-4897-960D-AD1496A2E346}" type="datetimeFigureOut">
               <a:rPr lang="ko-KR" altLang="en-US" smtClean="0"/>
-              <a:t>2020-02-26</a:t>
+              <a:t>2020-04-10</a:t>
             </a:fld>
             <a:endParaRPr lang="ko-KR" altLang="en-US"/>
           </a:p>
@@ -3736,7 +3736,7 @@
           <a:p>
             <a:fld id="{3AA139E6-9E3E-4897-960D-AD1496A2E346}" type="datetimeFigureOut">
               <a:rPr lang="ko-KR" altLang="en-US" smtClean="0"/>
-              <a:t>2020-02-26</a:t>
+              <a:t>2020-04-10</a:t>
             </a:fld>
             <a:endParaRPr lang="ko-KR" altLang="en-US"/>
           </a:p>
@@ -3934,7 +3934,7 @@
           <a:p>
             <a:fld id="{3AA139E6-9E3E-4897-960D-AD1496A2E346}" type="datetimeFigureOut">
               <a:rPr lang="ko-KR" altLang="en-US" smtClean="0"/>
-              <a:t>2020-02-26</a:t>
+              <a:t>2020-04-10</a:t>
             </a:fld>
             <a:endParaRPr lang="ko-KR" altLang="en-US"/>
           </a:p>
@@ -4209,7 +4209,7 @@
           <a:p>
             <a:fld id="{3AA139E6-9E3E-4897-960D-AD1496A2E346}" type="datetimeFigureOut">
               <a:rPr lang="ko-KR" altLang="en-US" smtClean="0"/>
-              <a:t>2020-02-26</a:t>
+              <a:t>2020-04-10</a:t>
             </a:fld>
             <a:endParaRPr lang="ko-KR" altLang="en-US"/>
           </a:p>
@@ -4474,7 +4474,7 @@
           <a:p>
             <a:fld id="{3AA139E6-9E3E-4897-960D-AD1496A2E346}" type="datetimeFigureOut">
               <a:rPr lang="ko-KR" altLang="en-US" smtClean="0"/>
-              <a:t>2020-02-26</a:t>
+              <a:t>2020-04-10</a:t>
             </a:fld>
             <a:endParaRPr lang="ko-KR" altLang="en-US"/>
           </a:p>
@@ -4886,7 +4886,7 @@
           <a:p>
             <a:fld id="{3AA139E6-9E3E-4897-960D-AD1496A2E346}" type="datetimeFigureOut">
               <a:rPr lang="ko-KR" altLang="en-US" smtClean="0"/>
-              <a:t>2020-02-26</a:t>
+              <a:t>2020-04-10</a:t>
             </a:fld>
             <a:endParaRPr lang="ko-KR" altLang="en-US"/>
           </a:p>
@@ -5027,7 +5027,7 @@
           <a:p>
             <a:fld id="{3AA139E6-9E3E-4897-960D-AD1496A2E346}" type="datetimeFigureOut">
               <a:rPr lang="ko-KR" altLang="en-US" smtClean="0"/>
-              <a:t>2020-02-26</a:t>
+              <a:t>2020-04-10</a:t>
             </a:fld>
             <a:endParaRPr lang="ko-KR" altLang="en-US"/>
           </a:p>
@@ -5140,7 +5140,7 @@
           <a:p>
             <a:fld id="{3AA139E6-9E3E-4897-960D-AD1496A2E346}" type="datetimeFigureOut">
               <a:rPr lang="ko-KR" altLang="en-US" smtClean="0"/>
-              <a:t>2020-02-26</a:t>
+              <a:t>2020-04-10</a:t>
             </a:fld>
             <a:endParaRPr lang="ko-KR" altLang="en-US"/>
           </a:p>
@@ -5451,7 +5451,7 @@
           <a:p>
             <a:fld id="{3AA139E6-9E3E-4897-960D-AD1496A2E346}" type="datetimeFigureOut">
               <a:rPr lang="ko-KR" altLang="en-US" smtClean="0"/>
-              <a:t>2020-02-26</a:t>
+              <a:t>2020-04-10</a:t>
             </a:fld>
             <a:endParaRPr lang="ko-KR" altLang="en-US"/>
           </a:p>
@@ -5739,7 +5739,7 @@
           <a:p>
             <a:fld id="{3AA139E6-9E3E-4897-960D-AD1496A2E346}" type="datetimeFigureOut">
               <a:rPr lang="ko-KR" altLang="en-US" smtClean="0"/>
-              <a:t>2020-02-26</a:t>
+              <a:t>2020-04-10</a:t>
             </a:fld>
             <a:endParaRPr lang="ko-KR" altLang="en-US"/>
           </a:p>
@@ -5980,7 +5980,7 @@
           <a:p>
             <a:fld id="{3AA139E6-9E3E-4897-960D-AD1496A2E346}" type="datetimeFigureOut">
               <a:rPr lang="ko-KR" altLang="en-US" smtClean="0"/>
-              <a:t>2020-02-26</a:t>
+              <a:t>2020-04-10</a:t>
             </a:fld>
             <a:endParaRPr lang="ko-KR" altLang="en-US"/>
           </a:p>
@@ -14013,12 +14013,20 @@
           <a:p>
             <a:pPr algn="r"/>
             <a:r>
-              <a:rPr lang="ko-KR" altLang="en-US">
+              <a:rPr lang="en-US" altLang="ko-KR" dirty="0">
                 <a:solidFill>
                   <a:schemeClr val="accent1"/>
                 </a:solidFill>
               </a:rPr>
-              <a:t>목차</a:t>
+              <a:t>4</a:t>
+            </a:r>
+            <a:r>
+              <a:rPr lang="ko-KR" altLang="en-US" dirty="0">
+                <a:solidFill>
+                  <a:schemeClr val="accent1"/>
+                </a:solidFill>
+              </a:rPr>
+              <a:t>주 차 목차</a:t>
             </a:r>
           </a:p>
         </p:txBody>
@@ -14110,45 +14118,45 @@
               <a:buAutoNum type="arabicPeriod"/>
             </a:pPr>
             <a:r>
-              <a:rPr lang="en-US" altLang="ko-KR" sz="2400"/>
+              <a:rPr lang="en-US" altLang="ko-KR" sz="2400" dirty="0"/>
               <a:t>3</a:t>
             </a:r>
             <a:r>
-              <a:rPr lang="ko-KR" altLang="en-US" sz="2400"/>
+              <a:rPr lang="ko-KR" altLang="en-US" sz="2400" dirty="0"/>
               <a:t>주 차 문제 풀이</a:t>
             </a:r>
-            <a:endParaRPr lang="en-US" altLang="ko-KR" sz="2400"/>
+            <a:endParaRPr lang="en-US" altLang="ko-KR" sz="2400" dirty="0"/>
           </a:p>
           <a:p>
             <a:pPr marL="514350" indent="-514350">
               <a:buAutoNum type="arabicPeriod"/>
             </a:pPr>
             <a:r>
-              <a:rPr lang="ko-KR" altLang="en-US" sz="2400"/>
+              <a:rPr lang="ko-KR" altLang="en-US" sz="2400" dirty="0"/>
               <a:t>클래스의 개념</a:t>
             </a:r>
-            <a:endParaRPr lang="en-US" altLang="ko-KR" sz="2400"/>
+            <a:endParaRPr lang="en-US" altLang="ko-KR" sz="2400" dirty="0"/>
           </a:p>
           <a:p>
             <a:pPr marL="514350" indent="-514350">
               <a:buAutoNum type="arabicPeriod"/>
             </a:pPr>
             <a:r>
-              <a:rPr lang="ko-KR" altLang="en-US" sz="2400"/>
+              <a:rPr lang="ko-KR" altLang="en-US" sz="2400" dirty="0"/>
               <a:t>생성자의 개념</a:t>
             </a:r>
-            <a:endParaRPr lang="en-US" altLang="ko-KR" sz="2400"/>
+            <a:endParaRPr lang="en-US" altLang="ko-KR" sz="2400" dirty="0"/>
           </a:p>
           <a:p>
             <a:pPr marL="514350" indent="-514350">
               <a:buAutoNum type="arabicPeriod"/>
             </a:pPr>
             <a:r>
-              <a:rPr lang="ko-KR" altLang="en-US" sz="2400"/>
+              <a:rPr lang="ko-KR" altLang="en-US" sz="2400" dirty="0"/>
               <a:t>정적 필드</a:t>
             </a:r>
             <a:r>
-              <a:rPr lang="en-US" altLang="ko-KR" sz="2400"/>
+              <a:rPr lang="en-US" altLang="ko-KR" sz="2400" dirty="0"/>
               <a:t>(static)</a:t>
             </a:r>
           </a:p>
@@ -14157,41 +14165,41 @@
               <a:buAutoNum type="arabicPeriod"/>
             </a:pPr>
             <a:r>
-              <a:rPr lang="en-US" altLang="ko-KR" sz="2400"/>
+              <a:rPr lang="en-US" altLang="ko-KR" sz="2400" dirty="0"/>
               <a:t>this </a:t>
             </a:r>
             <a:r>
-              <a:rPr lang="ko-KR" altLang="en-US" sz="2400"/>
+              <a:rPr lang="ko-KR" altLang="en-US" sz="2400" dirty="0"/>
               <a:t>키워드</a:t>
             </a:r>
-            <a:endParaRPr lang="en-US" altLang="ko-KR" sz="2400"/>
+            <a:endParaRPr lang="en-US" altLang="ko-KR" sz="2400" dirty="0"/>
           </a:p>
           <a:p>
             <a:pPr marL="514350" indent="-514350">
               <a:buAutoNum type="arabicPeriod"/>
             </a:pPr>
             <a:r>
-              <a:rPr lang="ko-KR" altLang="en-US" sz="2400"/>
+              <a:rPr lang="ko-KR" altLang="en-US" sz="2400" dirty="0"/>
               <a:t>접근 한정자</a:t>
             </a:r>
-            <a:endParaRPr lang="en-US" altLang="ko-KR" sz="2400"/>
+            <a:endParaRPr lang="en-US" altLang="ko-KR" sz="2400" dirty="0"/>
           </a:p>
           <a:p>
             <a:pPr marL="514350" indent="-514350">
               <a:buAutoNum type="arabicPeriod"/>
             </a:pPr>
             <a:r>
-              <a:rPr lang="ko-KR" altLang="en-US" sz="2400"/>
+              <a:rPr lang="ko-KR" altLang="en-US" sz="2400" dirty="0"/>
               <a:t>상속</a:t>
             </a:r>
-            <a:endParaRPr lang="en-US" altLang="ko-KR" sz="2400"/>
+            <a:endParaRPr lang="en-US" altLang="ko-KR" sz="2400" dirty="0"/>
           </a:p>
           <a:p>
             <a:pPr marL="514350" indent="-514350">
               <a:buAutoNum type="arabicPeriod"/>
             </a:pPr>
             <a:r>
-              <a:rPr lang="ko-KR" altLang="en-US" sz="2400"/>
+              <a:rPr lang="ko-KR" altLang="en-US" sz="2400" dirty="0"/>
               <a:t>과제</a:t>
             </a:r>
           </a:p>

--- a/c# 스터디 4주 차.pptx
+++ b/c# 스터디 4주 차.pptx
@@ -6209,7 +6209,7 @@
           <a:p>
             <a:fld id="{3AA139E6-9E3E-4897-960D-AD1496A2E346}" type="datetimeFigureOut">
               <a:rPr lang="ko-KR" altLang="en-US" smtClean="0"/>
-              <a:t>2020-05-11</a:t>
+              <a:t>2020-05-16</a:t>
             </a:fld>
             <a:endParaRPr lang="ko-KR" altLang="en-US"/>
           </a:p>
@@ -6407,7 +6407,7 @@
           <a:p>
             <a:fld id="{3AA139E6-9E3E-4897-960D-AD1496A2E346}" type="datetimeFigureOut">
               <a:rPr lang="ko-KR" altLang="en-US" smtClean="0"/>
-              <a:t>2020-05-11</a:t>
+              <a:t>2020-05-16</a:t>
             </a:fld>
             <a:endParaRPr lang="ko-KR" altLang="en-US"/>
           </a:p>
@@ -6615,7 +6615,7 @@
           <a:p>
             <a:fld id="{3AA139E6-9E3E-4897-960D-AD1496A2E346}" type="datetimeFigureOut">
               <a:rPr lang="ko-KR" altLang="en-US" smtClean="0"/>
-              <a:t>2020-05-11</a:t>
+              <a:t>2020-05-16</a:t>
             </a:fld>
             <a:endParaRPr lang="ko-KR" altLang="en-US"/>
           </a:p>
@@ -6813,7 +6813,7 @@
           <a:p>
             <a:fld id="{3AA139E6-9E3E-4897-960D-AD1496A2E346}" type="datetimeFigureOut">
               <a:rPr lang="ko-KR" altLang="en-US" smtClean="0"/>
-              <a:t>2020-05-11</a:t>
+              <a:t>2020-05-16</a:t>
             </a:fld>
             <a:endParaRPr lang="ko-KR" altLang="en-US"/>
           </a:p>
@@ -7088,7 +7088,7 @@
           <a:p>
             <a:fld id="{3AA139E6-9E3E-4897-960D-AD1496A2E346}" type="datetimeFigureOut">
               <a:rPr lang="ko-KR" altLang="en-US" smtClean="0"/>
-              <a:t>2020-05-11</a:t>
+              <a:t>2020-05-16</a:t>
             </a:fld>
             <a:endParaRPr lang="ko-KR" altLang="en-US"/>
           </a:p>
@@ -7353,7 +7353,7 @@
           <a:p>
             <a:fld id="{3AA139E6-9E3E-4897-960D-AD1496A2E346}" type="datetimeFigureOut">
               <a:rPr lang="ko-KR" altLang="en-US" smtClean="0"/>
-              <a:t>2020-05-11</a:t>
+              <a:t>2020-05-16</a:t>
             </a:fld>
             <a:endParaRPr lang="ko-KR" altLang="en-US"/>
           </a:p>
@@ -7765,7 +7765,7 @@
           <a:p>
             <a:fld id="{3AA139E6-9E3E-4897-960D-AD1496A2E346}" type="datetimeFigureOut">
               <a:rPr lang="ko-KR" altLang="en-US" smtClean="0"/>
-              <a:t>2020-05-11</a:t>
+              <a:t>2020-05-16</a:t>
             </a:fld>
             <a:endParaRPr lang="ko-KR" altLang="en-US"/>
           </a:p>
@@ -7906,7 +7906,7 @@
           <a:p>
             <a:fld id="{3AA139E6-9E3E-4897-960D-AD1496A2E346}" type="datetimeFigureOut">
               <a:rPr lang="ko-KR" altLang="en-US" smtClean="0"/>
-              <a:t>2020-05-11</a:t>
+              <a:t>2020-05-16</a:t>
             </a:fld>
             <a:endParaRPr lang="ko-KR" altLang="en-US"/>
           </a:p>
@@ -8019,7 +8019,7 @@
           <a:p>
             <a:fld id="{3AA139E6-9E3E-4897-960D-AD1496A2E346}" type="datetimeFigureOut">
               <a:rPr lang="ko-KR" altLang="en-US" smtClean="0"/>
-              <a:t>2020-05-11</a:t>
+              <a:t>2020-05-16</a:t>
             </a:fld>
             <a:endParaRPr lang="ko-KR" altLang="en-US"/>
           </a:p>
@@ -8330,7 +8330,7 @@
           <a:p>
             <a:fld id="{3AA139E6-9E3E-4897-960D-AD1496A2E346}" type="datetimeFigureOut">
               <a:rPr lang="ko-KR" altLang="en-US" smtClean="0"/>
-              <a:t>2020-05-11</a:t>
+              <a:t>2020-05-16</a:t>
             </a:fld>
             <a:endParaRPr lang="ko-KR" altLang="en-US"/>
           </a:p>
@@ -8618,7 +8618,7 @@
           <a:p>
             <a:fld id="{3AA139E6-9E3E-4897-960D-AD1496A2E346}" type="datetimeFigureOut">
               <a:rPr lang="ko-KR" altLang="en-US" smtClean="0"/>
-              <a:t>2020-05-11</a:t>
+              <a:t>2020-05-16</a:t>
             </a:fld>
             <a:endParaRPr lang="ko-KR" altLang="en-US"/>
           </a:p>
@@ -8859,7 +8859,7 @@
           <a:p>
             <a:fld id="{3AA139E6-9E3E-4897-960D-AD1496A2E346}" type="datetimeFigureOut">
               <a:rPr lang="ko-KR" altLang="en-US" smtClean="0"/>
-              <a:t>2020-05-11</a:t>
+              <a:t>2020-05-16</a:t>
             </a:fld>
             <a:endParaRPr lang="ko-KR" altLang="en-US"/>
           </a:p>
@@ -12555,10 +12555,7 @@
               <a:rPr lang="ko-KR" altLang="en-US" sz="2000" dirty="0"/>
               <a:t>클래스안에 선언되어 있는 함수를 말한다</a:t>
             </a:r>
-            <a:r>
-              <a:rPr lang="en-US" altLang="ko-KR" sz="2000" dirty="0"/>
-              <a:t>.</a:t>
-            </a:r>
+            <a:endParaRPr lang="en-US" altLang="ko-KR" sz="2000" dirty="0"/>
           </a:p>
           <a:p>
             <a:pPr marL="0" indent="0">
@@ -17898,7 +17895,7 @@
               <a:t>클래스명과 </a:t>
             </a:r>
             <a:r>
-              <a:rPr lang="ko-KR" altLang="en-US" sz="2000"/>
+              <a:rPr lang="ko-KR" altLang="en-US" sz="2000" dirty="0" err="1"/>
               <a:t>메서드명이</a:t>
             </a:r>
             <a:r>
@@ -19874,7 +19871,7 @@
             <p:ph idx="1"/>
             <p:extLst>
               <p:ext uri="{D42A27DB-BD31-4B8C-83A1-F6EECF244321}">
-                <p14:modId xmlns:p14="http://schemas.microsoft.com/office/powerpoint/2010/main" val="3890042054"/>
+                <p14:modId xmlns:p14="http://schemas.microsoft.com/office/powerpoint/2010/main" val="802912551"/>
               </p:ext>
             </p:extLst>
           </p:nvPr>
